--- a/Outline thesis/De cuong/Slide Bao Cao.pptx
+++ b/Outline thesis/De cuong/Slide Bao Cao.pptx
@@ -4,6 +4,9 @@
   <p:sldMasterIdLst>
     <p:sldMasterId id="2147483660" r:id="rId1"/>
   </p:sldMasterIdLst>
+  <p:notesMasterIdLst>
+    <p:notesMasterId r:id="rId28"/>
+  </p:notesMasterIdLst>
   <p:sldIdLst>
     <p:sldId id="256" r:id="rId2"/>
     <p:sldId id="257" r:id="rId3"/>
@@ -17,15 +20,20 @@
     <p:sldId id="279" r:id="rId11"/>
     <p:sldId id="260" r:id="rId12"/>
     <p:sldId id="270" r:id="rId13"/>
-    <p:sldId id="271" r:id="rId14"/>
+    <p:sldId id="282" r:id="rId14"/>
     <p:sldId id="272" r:id="rId15"/>
-    <p:sldId id="273" r:id="rId16"/>
-    <p:sldId id="274" r:id="rId17"/>
-    <p:sldId id="276" r:id="rId18"/>
-    <p:sldId id="277" r:id="rId19"/>
-    <p:sldId id="263" r:id="rId20"/>
-    <p:sldId id="264" r:id="rId21"/>
-    <p:sldId id="275" r:id="rId22"/>
+    <p:sldId id="283" r:id="rId16"/>
+    <p:sldId id="284" r:id="rId17"/>
+    <p:sldId id="273" r:id="rId18"/>
+    <p:sldId id="285" r:id="rId19"/>
+    <p:sldId id="286" r:id="rId20"/>
+    <p:sldId id="287" r:id="rId21"/>
+    <p:sldId id="274" r:id="rId22"/>
+    <p:sldId id="276" r:id="rId23"/>
+    <p:sldId id="277" r:id="rId24"/>
+    <p:sldId id="263" r:id="rId25"/>
+    <p:sldId id="264" r:id="rId26"/>
+    <p:sldId id="275" r:id="rId27"/>
   </p:sldIdLst>
   <p:sldSz cx="9144000" cy="6858000" type="screen4x3"/>
   <p:notesSz cx="6858000" cy="9144000"/>
@@ -127,6 +135,353 @@
 </p:presentation>
 </file>
 
+<file path=ppt/notesMasters/notesMaster1.xml><?xml version="1.0" encoding="utf-8"?>
+<p:notesMaster xmlns:a="http://schemas.openxmlformats.org/drawingml/2006/main" xmlns:r="http://schemas.openxmlformats.org/officeDocument/2006/relationships" xmlns:p="http://schemas.openxmlformats.org/presentationml/2006/main">
+  <p:cSld>
+    <p:bg>
+      <p:bgRef idx="1001">
+        <a:schemeClr val="bg1"/>
+      </p:bgRef>
+    </p:bg>
+    <p:spTree>
+      <p:nvGrpSpPr>
+        <p:cNvPr id="1" name=""/>
+        <p:cNvGrpSpPr/>
+        <p:nvPr/>
+      </p:nvGrpSpPr>
+      <p:grpSpPr>
+        <a:xfrm>
+          <a:off x="0" y="0"/>
+          <a:ext cx="0" cy="0"/>
+          <a:chOff x="0" y="0"/>
+          <a:chExt cx="0" cy="0"/>
+        </a:xfrm>
+      </p:grpSpPr>
+      <p:sp>
+        <p:nvSpPr>
+          <p:cNvPr id="2" name="Header Placeholder 1"/>
+          <p:cNvSpPr>
+            <a:spLocks noGrp="1"/>
+          </p:cNvSpPr>
+          <p:nvPr>
+            <p:ph type="hdr" sz="quarter"/>
+          </p:nvPr>
+        </p:nvSpPr>
+        <p:spPr>
+          <a:xfrm>
+            <a:off x="0" y="0"/>
+            <a:ext cx="2971800" cy="457200"/>
+          </a:xfrm>
+          <a:prstGeom prst="rect">
+            <a:avLst/>
+          </a:prstGeom>
+        </p:spPr>
+        <p:txBody>
+          <a:bodyPr vert="horz" lIns="91440" tIns="45720" rIns="91440" bIns="45720" rtlCol="0"/>
+          <a:lstStyle>
+            <a:lvl1pPr algn="l">
+              <a:defRPr sz="1200"/>
+            </a:lvl1pPr>
+          </a:lstStyle>
+          <a:p>
+            <a:endParaRPr lang="en-US"/>
+          </a:p>
+        </p:txBody>
+      </p:sp>
+      <p:sp>
+        <p:nvSpPr>
+          <p:cNvPr id="3" name="Date Placeholder 2"/>
+          <p:cNvSpPr>
+            <a:spLocks noGrp="1"/>
+          </p:cNvSpPr>
+          <p:nvPr>
+            <p:ph type="dt" idx="1"/>
+          </p:nvPr>
+        </p:nvSpPr>
+        <p:spPr>
+          <a:xfrm>
+            <a:off x="3884613" y="0"/>
+            <a:ext cx="2971800" cy="457200"/>
+          </a:xfrm>
+          <a:prstGeom prst="rect">
+            <a:avLst/>
+          </a:prstGeom>
+        </p:spPr>
+        <p:txBody>
+          <a:bodyPr vert="horz" lIns="91440" tIns="45720" rIns="91440" bIns="45720" rtlCol="0"/>
+          <a:lstStyle>
+            <a:lvl1pPr algn="r">
+              <a:defRPr sz="1200"/>
+            </a:lvl1pPr>
+          </a:lstStyle>
+          <a:p>
+            <a:fld id="{162436B4-8BFF-4CCA-9FF8-1EF1C85FF87B}" type="datetimeFigureOut">
+              <a:rPr lang="en-US" smtClean="0"/>
+              <a:t>8/30/2010</a:t>
+            </a:fld>
+            <a:endParaRPr lang="en-US"/>
+          </a:p>
+        </p:txBody>
+      </p:sp>
+      <p:sp>
+        <p:nvSpPr>
+          <p:cNvPr id="4" name="Slide Image Placeholder 3"/>
+          <p:cNvSpPr>
+            <a:spLocks noGrp="1" noRot="1" noChangeAspect="1"/>
+          </p:cNvSpPr>
+          <p:nvPr>
+            <p:ph type="sldImg" idx="2"/>
+          </p:nvPr>
+        </p:nvSpPr>
+        <p:spPr>
+          <a:xfrm>
+            <a:off x="1143000" y="685800"/>
+            <a:ext cx="4572000" cy="3429000"/>
+          </a:xfrm>
+          <a:prstGeom prst="rect">
+            <a:avLst/>
+          </a:prstGeom>
+          <a:noFill/>
+          <a:ln w="12700">
+            <a:solidFill>
+              <a:prstClr val="black"/>
+            </a:solidFill>
+          </a:ln>
+        </p:spPr>
+        <p:txBody>
+          <a:bodyPr vert="horz" lIns="91440" tIns="45720" rIns="91440" bIns="45720" rtlCol="0" anchor="ctr"/>
+          <a:lstStyle/>
+          <a:p>
+            <a:endParaRPr lang="en-US"/>
+          </a:p>
+        </p:txBody>
+      </p:sp>
+      <p:sp>
+        <p:nvSpPr>
+          <p:cNvPr id="5" name="Notes Placeholder 4"/>
+          <p:cNvSpPr>
+            <a:spLocks noGrp="1"/>
+          </p:cNvSpPr>
+          <p:nvPr>
+            <p:ph type="body" sz="quarter" idx="3"/>
+          </p:nvPr>
+        </p:nvSpPr>
+        <p:spPr>
+          <a:xfrm>
+            <a:off x="685800" y="4343400"/>
+            <a:ext cx="5486400" cy="4114800"/>
+          </a:xfrm>
+          <a:prstGeom prst="rect">
+            <a:avLst/>
+          </a:prstGeom>
+        </p:spPr>
+        <p:txBody>
+          <a:bodyPr vert="horz" lIns="91440" tIns="45720" rIns="91440" bIns="45720" rtlCol="0">
+            <a:normAutofit/>
+          </a:bodyPr>
+          <a:lstStyle/>
+          <a:p>
+            <a:pPr lvl="0"/>
+            <a:r>
+              <a:rPr lang="en-US" smtClean="0"/>
+              <a:t>Click to edit Master text styles</a:t>
+            </a:r>
+          </a:p>
+          <a:p>
+            <a:pPr lvl="1"/>
+            <a:r>
+              <a:rPr lang="en-US" smtClean="0"/>
+              <a:t>Second level</a:t>
+            </a:r>
+          </a:p>
+          <a:p>
+            <a:pPr lvl="2"/>
+            <a:r>
+              <a:rPr lang="en-US" smtClean="0"/>
+              <a:t>Third level</a:t>
+            </a:r>
+          </a:p>
+          <a:p>
+            <a:pPr lvl="3"/>
+            <a:r>
+              <a:rPr lang="en-US" smtClean="0"/>
+              <a:t>Fourth level</a:t>
+            </a:r>
+          </a:p>
+          <a:p>
+            <a:pPr lvl="4"/>
+            <a:r>
+              <a:rPr lang="en-US" smtClean="0"/>
+              <a:t>Fifth level</a:t>
+            </a:r>
+            <a:endParaRPr lang="en-US"/>
+          </a:p>
+        </p:txBody>
+      </p:sp>
+      <p:sp>
+        <p:nvSpPr>
+          <p:cNvPr id="6" name="Footer Placeholder 5"/>
+          <p:cNvSpPr>
+            <a:spLocks noGrp="1"/>
+          </p:cNvSpPr>
+          <p:nvPr>
+            <p:ph type="ftr" sz="quarter" idx="4"/>
+          </p:nvPr>
+        </p:nvSpPr>
+        <p:spPr>
+          <a:xfrm>
+            <a:off x="0" y="8685213"/>
+            <a:ext cx="2971800" cy="457200"/>
+          </a:xfrm>
+          <a:prstGeom prst="rect">
+            <a:avLst/>
+          </a:prstGeom>
+        </p:spPr>
+        <p:txBody>
+          <a:bodyPr vert="horz" lIns="91440" tIns="45720" rIns="91440" bIns="45720" rtlCol="0" anchor="b"/>
+          <a:lstStyle>
+            <a:lvl1pPr algn="l">
+              <a:defRPr sz="1200"/>
+            </a:lvl1pPr>
+          </a:lstStyle>
+          <a:p>
+            <a:endParaRPr lang="en-US"/>
+          </a:p>
+        </p:txBody>
+      </p:sp>
+      <p:sp>
+        <p:nvSpPr>
+          <p:cNvPr id="7" name="Slide Number Placeholder 6"/>
+          <p:cNvSpPr>
+            <a:spLocks noGrp="1"/>
+          </p:cNvSpPr>
+          <p:nvPr>
+            <p:ph type="sldNum" sz="quarter" idx="5"/>
+          </p:nvPr>
+        </p:nvSpPr>
+        <p:spPr>
+          <a:xfrm>
+            <a:off x="3884613" y="8685213"/>
+            <a:ext cx="2971800" cy="457200"/>
+          </a:xfrm>
+          <a:prstGeom prst="rect">
+            <a:avLst/>
+          </a:prstGeom>
+        </p:spPr>
+        <p:txBody>
+          <a:bodyPr vert="horz" lIns="91440" tIns="45720" rIns="91440" bIns="45720" rtlCol="0" anchor="b"/>
+          <a:lstStyle>
+            <a:lvl1pPr algn="r">
+              <a:defRPr sz="1200"/>
+            </a:lvl1pPr>
+          </a:lstStyle>
+          <a:p>
+            <a:fld id="{69F4B59D-4D49-4084-8BC7-7ADB4FC54E20}" type="slidenum">
+              <a:rPr lang="en-US" smtClean="0"/>
+              <a:t>‹#›</a:t>
+            </a:fld>
+            <a:endParaRPr lang="en-US"/>
+          </a:p>
+        </p:txBody>
+      </p:sp>
+    </p:spTree>
+  </p:cSld>
+  <p:clrMap bg1="lt1" tx1="dk1" bg2="lt2" tx2="dk2" accent1="accent1" accent2="accent2" accent3="accent3" accent4="accent4" accent5="accent5" accent6="accent6" hlink="hlink" folHlink="folHlink"/>
+  <p:notesStyle>
+    <a:lvl1pPr marL="0" algn="l" defTabSz="914400" rtl="0" eaLnBrk="1" latinLnBrk="0" hangingPunct="1">
+      <a:defRPr sz="1200" kern="1200">
+        <a:solidFill>
+          <a:schemeClr val="tx1"/>
+        </a:solidFill>
+        <a:latin typeface="+mn-lt"/>
+        <a:ea typeface="+mn-ea"/>
+        <a:cs typeface="+mn-cs"/>
+      </a:defRPr>
+    </a:lvl1pPr>
+    <a:lvl2pPr marL="457200" algn="l" defTabSz="914400" rtl="0" eaLnBrk="1" latinLnBrk="0" hangingPunct="1">
+      <a:defRPr sz="1200" kern="1200">
+        <a:solidFill>
+          <a:schemeClr val="tx1"/>
+        </a:solidFill>
+        <a:latin typeface="+mn-lt"/>
+        <a:ea typeface="+mn-ea"/>
+        <a:cs typeface="+mn-cs"/>
+      </a:defRPr>
+    </a:lvl2pPr>
+    <a:lvl3pPr marL="914400" algn="l" defTabSz="914400" rtl="0" eaLnBrk="1" latinLnBrk="0" hangingPunct="1">
+      <a:defRPr sz="1200" kern="1200">
+        <a:solidFill>
+          <a:schemeClr val="tx1"/>
+        </a:solidFill>
+        <a:latin typeface="+mn-lt"/>
+        <a:ea typeface="+mn-ea"/>
+        <a:cs typeface="+mn-cs"/>
+      </a:defRPr>
+    </a:lvl3pPr>
+    <a:lvl4pPr marL="1371600" algn="l" defTabSz="914400" rtl="0" eaLnBrk="1" latinLnBrk="0" hangingPunct="1">
+      <a:defRPr sz="1200" kern="1200">
+        <a:solidFill>
+          <a:schemeClr val="tx1"/>
+        </a:solidFill>
+        <a:latin typeface="+mn-lt"/>
+        <a:ea typeface="+mn-ea"/>
+        <a:cs typeface="+mn-cs"/>
+      </a:defRPr>
+    </a:lvl4pPr>
+    <a:lvl5pPr marL="1828800" algn="l" defTabSz="914400" rtl="0" eaLnBrk="1" latinLnBrk="0" hangingPunct="1">
+      <a:defRPr sz="1200" kern="1200">
+        <a:solidFill>
+          <a:schemeClr val="tx1"/>
+        </a:solidFill>
+        <a:latin typeface="+mn-lt"/>
+        <a:ea typeface="+mn-ea"/>
+        <a:cs typeface="+mn-cs"/>
+      </a:defRPr>
+    </a:lvl5pPr>
+    <a:lvl6pPr marL="2286000" algn="l" defTabSz="914400" rtl="0" eaLnBrk="1" latinLnBrk="0" hangingPunct="1">
+      <a:defRPr sz="1200" kern="1200">
+        <a:solidFill>
+          <a:schemeClr val="tx1"/>
+        </a:solidFill>
+        <a:latin typeface="+mn-lt"/>
+        <a:ea typeface="+mn-ea"/>
+        <a:cs typeface="+mn-cs"/>
+      </a:defRPr>
+    </a:lvl6pPr>
+    <a:lvl7pPr marL="2743200" algn="l" defTabSz="914400" rtl="0" eaLnBrk="1" latinLnBrk="0" hangingPunct="1">
+      <a:defRPr sz="1200" kern="1200">
+        <a:solidFill>
+          <a:schemeClr val="tx1"/>
+        </a:solidFill>
+        <a:latin typeface="+mn-lt"/>
+        <a:ea typeface="+mn-ea"/>
+        <a:cs typeface="+mn-cs"/>
+      </a:defRPr>
+    </a:lvl7pPr>
+    <a:lvl8pPr marL="3200400" algn="l" defTabSz="914400" rtl="0" eaLnBrk="1" latinLnBrk="0" hangingPunct="1">
+      <a:defRPr sz="1200" kern="1200">
+        <a:solidFill>
+          <a:schemeClr val="tx1"/>
+        </a:solidFill>
+        <a:latin typeface="+mn-lt"/>
+        <a:ea typeface="+mn-ea"/>
+        <a:cs typeface="+mn-cs"/>
+      </a:defRPr>
+    </a:lvl8pPr>
+    <a:lvl9pPr marL="3657600" algn="l" defTabSz="914400" rtl="0" eaLnBrk="1" latinLnBrk="0" hangingPunct="1">
+      <a:defRPr sz="1200" kern="1200">
+        <a:solidFill>
+          <a:schemeClr val="tx1"/>
+        </a:solidFill>
+        <a:latin typeface="+mn-lt"/>
+        <a:ea typeface="+mn-ea"/>
+        <a:cs typeface="+mn-cs"/>
+      </a:defRPr>
+    </a:lvl9pPr>
+  </p:notesStyle>
+</p:notesMaster>
+</file>
+
 <file path=ppt/slideLayouts/slideLayout1.xml><?xml version="1.0" encoding="utf-8"?>
 <p:sldLayout xmlns:a="http://schemas.openxmlformats.org/drawingml/2006/main" xmlns:r="http://schemas.openxmlformats.org/officeDocument/2006/relationships" xmlns:p="http://schemas.openxmlformats.org/presentationml/2006/main" showMasterSp="0" type="title" preserve="1">
   <p:cSld name="Title Slide">
@@ -300,10 +655,9 @@
           <a:bodyPr/>
           <a:lstStyle/>
           <a:p>
-            <a:fld id="{1D8BD707-D9CF-40AE-B4C6-C98DA3205C09}" type="datetimeFigureOut">
+            <a:fld id="{3C0394B0-6F37-4FAA-AB57-2F02D3CBCD72}" type="datetime1">
               <a:rPr lang="en-US" smtClean="0"/>
-              <a:pPr/>
-              <a:t>8/26/2010</a:t>
+              <a:t>8/30/2010</a:t>
             </a:fld>
             <a:endParaRPr lang="en-US"/>
           </a:p>
@@ -472,10 +826,9 @@
           <a:bodyPr/>
           <a:lstStyle/>
           <a:p>
-            <a:fld id="{1D8BD707-D9CF-40AE-B4C6-C98DA3205C09}" type="datetimeFigureOut">
+            <a:fld id="{FB80C451-A5E2-4FDF-8B97-7F96D2ECB7CD}" type="datetime1">
               <a:rPr lang="en-US" smtClean="0"/>
-              <a:pPr/>
-              <a:t>8/26/2010</a:t>
+              <a:t>8/30/2010</a:t>
             </a:fld>
             <a:endParaRPr lang="en-US"/>
           </a:p>
@@ -649,10 +1002,9 @@
           <a:bodyPr/>
           <a:lstStyle/>
           <a:p>
-            <a:fld id="{1D8BD707-D9CF-40AE-B4C6-C98DA3205C09}" type="datetimeFigureOut">
+            <a:fld id="{2587548E-9884-4D5B-A120-8C3E02630A4C}" type="datetime1">
               <a:rPr lang="en-US" smtClean="0"/>
-              <a:pPr/>
-              <a:t>8/26/2010</a:t>
+              <a:t>8/30/2010</a:t>
             </a:fld>
             <a:endParaRPr lang="en-US"/>
           </a:p>
@@ -816,10 +1168,9 @@
           <a:bodyPr/>
           <a:lstStyle/>
           <a:p>
-            <a:fld id="{1D8BD707-D9CF-40AE-B4C6-C98DA3205C09}" type="datetimeFigureOut">
+            <a:fld id="{DA780CAA-8191-4B22-B85A-3D13C40FECDB}" type="datetime1">
               <a:rPr lang="en-US" smtClean="0"/>
-              <a:pPr/>
-              <a:t>8/26/2010</a:t>
+              <a:t>8/30/2010</a:t>
             </a:fld>
             <a:endParaRPr lang="en-US"/>
           </a:p>
@@ -1052,10 +1403,9 @@
           <a:bodyPr/>
           <a:lstStyle/>
           <a:p>
-            <a:fld id="{1D8BD707-D9CF-40AE-B4C6-C98DA3205C09}" type="datetimeFigureOut">
+            <a:fld id="{39EBBA7C-D9AD-479A-B4A3-D431E495142E}" type="datetime1">
               <a:rPr lang="en-US" smtClean="0"/>
-              <a:pPr/>
-              <a:t>8/26/2010</a:t>
+              <a:t>8/30/2010</a:t>
             </a:fld>
             <a:endParaRPr lang="en-US"/>
           </a:p>
@@ -1350,10 +1700,9 @@
           <a:bodyPr/>
           <a:lstStyle/>
           <a:p>
-            <a:fld id="{1D8BD707-D9CF-40AE-B4C6-C98DA3205C09}" type="datetimeFigureOut">
+            <a:fld id="{F17F705C-93B0-4A1A-94F5-ABF8DDFC6BB1}" type="datetime1">
               <a:rPr lang="en-US" smtClean="0"/>
-              <a:pPr/>
-              <a:t>8/26/2010</a:t>
+              <a:t>8/30/2010</a:t>
             </a:fld>
             <a:endParaRPr lang="en-US"/>
           </a:p>
@@ -1736,10 +2085,9 @@
           <a:bodyPr/>
           <a:lstStyle/>
           <a:p>
-            <a:fld id="{1D8BD707-D9CF-40AE-B4C6-C98DA3205C09}" type="datetimeFigureOut">
+            <a:fld id="{C7BAD511-09B8-4997-ACF8-30AC0C2D60BD}" type="datetime1">
               <a:rPr lang="en-US" smtClean="0"/>
-              <a:pPr/>
-              <a:t>8/26/2010</a:t>
+              <a:t>8/30/2010</a:t>
             </a:fld>
             <a:endParaRPr lang="en-US"/>
           </a:p>
@@ -1911,10 +2259,9 @@
           <a:bodyPr/>
           <a:lstStyle/>
           <a:p>
-            <a:fld id="{1D8BD707-D9CF-40AE-B4C6-C98DA3205C09}" type="datetimeFigureOut">
+            <a:fld id="{4010C218-8786-46DD-B7BB-D3FFA8F0DA3D}" type="datetime1">
               <a:rPr lang="en-US" smtClean="0"/>
-              <a:pPr/>
-              <a:t>8/26/2010</a:t>
+              <a:t>8/30/2010</a:t>
             </a:fld>
             <a:endParaRPr lang="en-US"/>
           </a:p>
@@ -2003,10 +2350,9 @@
           <a:bodyPr/>
           <a:lstStyle/>
           <a:p>
-            <a:fld id="{1D8BD707-D9CF-40AE-B4C6-C98DA3205C09}" type="datetimeFigureOut">
+            <a:fld id="{D13A1E7C-9EEE-4F7B-B3E7-A39A10B8AAF8}" type="datetime1">
               <a:rPr lang="en-US" smtClean="0"/>
-              <a:pPr/>
-              <a:t>8/26/2010</a:t>
+              <a:t>8/30/2010</a:t>
             </a:fld>
             <a:endParaRPr lang="en-US"/>
           </a:p>
@@ -2300,10 +2646,9 @@
           <a:bodyPr/>
           <a:lstStyle/>
           <a:p>
-            <a:fld id="{1D8BD707-D9CF-40AE-B4C6-C98DA3205C09}" type="datetimeFigureOut">
+            <a:fld id="{EAD5B278-C167-4F2B-AAAB-39B34852D87F}" type="datetime1">
               <a:rPr lang="en-US" smtClean="0"/>
-              <a:pPr/>
-              <a:t>8/26/2010</a:t>
+              <a:t>8/30/2010</a:t>
             </a:fld>
             <a:endParaRPr lang="en-US"/>
           </a:p>
@@ -2436,10 +2781,9 @@
           <a:bodyPr/>
           <a:lstStyle/>
           <a:p>
-            <a:fld id="{1D8BD707-D9CF-40AE-B4C6-C98DA3205C09}" type="datetimeFigureOut">
+            <a:fld id="{2D35CEDB-5D94-4C66-BC70-776676700EBE}" type="datetime1">
               <a:rPr lang="en-US" smtClean="0"/>
-              <a:pPr/>
-              <a:t>8/26/2010</a:t>
+              <a:t>8/30/2010</a:t>
             </a:fld>
             <a:endParaRPr lang="en-US"/>
           </a:p>
@@ -2741,10 +3085,9 @@
             </a:lvl1pPr>
           </a:lstStyle>
           <a:p>
-            <a:fld id="{1D8BD707-D9CF-40AE-B4C6-C98DA3205C09}" type="datetimeFigureOut">
+            <a:fld id="{2471E542-8927-4ADD-ACC0-6BCD193342F3}" type="datetime1">
               <a:rPr lang="en-US" smtClean="0"/>
-              <a:pPr/>
-              <a:t>8/26/2010</a:t>
+              <a:t>8/30/2010</a:t>
             </a:fld>
             <a:endParaRPr lang="en-US"/>
           </a:p>
@@ -2978,6 +3321,7 @@
     <p:sldLayoutId id="2147483670" r:id="rId10"/>
     <p:sldLayoutId id="2147483671" r:id="rId11"/>
   </p:sldLayoutIdLst>
+  <p:hf hdr="0" ftr="0" dt="0"/>
   <p:txStyles>
     <p:titleStyle>
       <a:lvl1pPr algn="l" rtl="0" eaLnBrk="1" latinLnBrk="0" hangingPunct="1">
@@ -3652,7 +3996,7 @@
         </p:nvSpPr>
         <p:spPr>
           <a:xfrm>
-            <a:off x="4648200" y="3886200"/>
+            <a:off x="4648200" y="3429000"/>
             <a:ext cx="4191000" cy="609600"/>
           </a:xfrm>
         </p:spPr>
@@ -3733,7 +4077,7 @@
         </p:nvSpPr>
         <p:spPr>
           <a:xfrm>
-            <a:off x="4648200" y="4724400"/>
+            <a:off x="4648200" y="4038600"/>
             <a:ext cx="4191000" cy="1219200"/>
           </a:xfrm>
           <a:prstGeom prst="rect">
@@ -4136,6 +4480,30 @@
               <a:ea typeface="+mn-ea"/>
               <a:cs typeface="Times New Roman" pitchFamily="18" charset="0"/>
             </a:endParaRPr>
+          </a:p>
+        </p:txBody>
+      </p:sp>
+      <p:sp>
+        <p:nvSpPr>
+          <p:cNvPr id="5" name="Slide Number Placeholder 4"/>
+          <p:cNvSpPr>
+            <a:spLocks noGrp="1"/>
+          </p:cNvSpPr>
+          <p:nvPr>
+            <p:ph type="sldNum" sz="quarter" idx="12"/>
+          </p:nvPr>
+        </p:nvSpPr>
+        <p:spPr/>
+        <p:txBody>
+          <a:bodyPr/>
+          <a:lstStyle/>
+          <a:p>
+            <a:fld id="{B6F15528-21DE-4FAA-801E-634DDDAF4B2B}" type="slidenum">
+              <a:rPr lang="en-US" smtClean="0"/>
+              <a:pPr/>
+              <a:t>1</a:t>
+            </a:fld>
+            <a:endParaRPr lang="en-US"/>
           </a:p>
         </p:txBody>
       </p:sp>
@@ -4418,10 +4786,6 @@
               </a:rPr>
               <a:t>. </a:t>
             </a:r>
-            <a:endParaRPr lang="en-US" dirty="0" smtClean="0">
-              <a:latin typeface="Times New Roman" pitchFamily="18" charset="0"/>
-              <a:cs typeface="Times New Roman" pitchFamily="18" charset="0"/>
-            </a:endParaRPr>
           </a:p>
           <a:p>
             <a:r>
@@ -4866,6 +5230,30 @@
               <a:latin typeface="Times New Roman" pitchFamily="18" charset="0"/>
               <a:cs typeface="Times New Roman" pitchFamily="18" charset="0"/>
             </a:endParaRPr>
+          </a:p>
+        </p:txBody>
+      </p:sp>
+      <p:sp>
+        <p:nvSpPr>
+          <p:cNvPr id="4" name="Slide Number Placeholder 3"/>
+          <p:cNvSpPr>
+            <a:spLocks noGrp="1"/>
+          </p:cNvSpPr>
+          <p:nvPr>
+            <p:ph type="sldNum" sz="quarter" idx="12"/>
+          </p:nvPr>
+        </p:nvSpPr>
+        <p:spPr/>
+        <p:txBody>
+          <a:bodyPr/>
+          <a:lstStyle/>
+          <a:p>
+            <a:fld id="{B6F15528-21DE-4FAA-801E-634DDDAF4B2B}" type="slidenum">
+              <a:rPr lang="en-US" smtClean="0"/>
+              <a:pPr/>
+              <a:t>10</a:t>
+            </a:fld>
+            <a:endParaRPr lang="en-US"/>
           </a:p>
         </p:txBody>
       </p:sp>
@@ -5197,6 +5585,30 @@
           </a:p>
         </p:txBody>
       </p:sp>
+      <p:sp>
+        <p:nvSpPr>
+          <p:cNvPr id="4" name="Slide Number Placeholder 3"/>
+          <p:cNvSpPr>
+            <a:spLocks noGrp="1"/>
+          </p:cNvSpPr>
+          <p:nvPr>
+            <p:ph type="sldNum" sz="quarter" idx="12"/>
+          </p:nvPr>
+        </p:nvSpPr>
+        <p:spPr/>
+        <p:txBody>
+          <a:bodyPr/>
+          <a:lstStyle/>
+          <a:p>
+            <a:fld id="{B6F15528-21DE-4FAA-801E-634DDDAF4B2B}" type="slidenum">
+              <a:rPr lang="en-US" smtClean="0"/>
+              <a:pPr/>
+              <a:t>11</a:t>
+            </a:fld>
+            <a:endParaRPr lang="en-US"/>
+          </a:p>
+        </p:txBody>
+      </p:sp>
     </p:spTree>
   </p:cSld>
   <p:clrMapOvr>
@@ -6108,69 +6520,68 @@
             </a:r>
           </a:p>
           <a:p>
-            <a:pPr lvl="1"/>
-            <a:r>
-              <a:rPr lang="en-US" sz="2000" dirty="0" err="1" smtClean="0"/>
+            <a:r>
+              <a:rPr lang="en-US" sz="2400" dirty="0" err="1" smtClean="0"/>
               <a:t>Phải</a:t>
             </a:r>
             <a:r>
-              <a:rPr lang="en-US" sz="2000" dirty="0" smtClean="0"/>
-              <a:t> </a:t>
-            </a:r>
-            <a:r>
-              <a:rPr lang="en-US" sz="2000" dirty="0" err="1" smtClean="0"/>
+              <a:rPr lang="en-US" sz="2400" dirty="0" smtClean="0"/>
+              <a:t> </a:t>
+            </a:r>
+            <a:r>
+              <a:rPr lang="en-US" sz="2400" dirty="0" err="1" smtClean="0"/>
               <a:t>có</a:t>
             </a:r>
             <a:r>
-              <a:rPr lang="en-US" sz="2000" dirty="0" smtClean="0"/>
-              <a:t> </a:t>
-            </a:r>
-            <a:r>
-              <a:rPr lang="en-US" sz="2000" dirty="0" err="1" smtClean="0"/>
+              <a:rPr lang="en-US" sz="2400" dirty="0" smtClean="0"/>
+              <a:t> </a:t>
+            </a:r>
+            <a:r>
+              <a:rPr lang="en-US" sz="2400" dirty="0" err="1" smtClean="0"/>
               <a:t>tài</a:t>
             </a:r>
             <a:r>
-              <a:rPr lang="en-US" sz="2000" dirty="0" smtClean="0"/>
-              <a:t> </a:t>
-            </a:r>
-            <a:r>
-              <a:rPr lang="en-US" sz="2000" dirty="0" err="1" smtClean="0"/>
+              <a:rPr lang="en-US" sz="2400" dirty="0" smtClean="0"/>
+              <a:t> </a:t>
+            </a:r>
+            <a:r>
+              <a:rPr lang="en-US" sz="2400" dirty="0" err="1" smtClean="0"/>
               <a:t>khoản</a:t>
             </a:r>
             <a:r>
-              <a:rPr lang="en-US" sz="2000" dirty="0" smtClean="0"/>
-              <a:t> </a:t>
-            </a:r>
-            <a:r>
-              <a:rPr lang="en-US" sz="2000" dirty="0" err="1" smtClean="0"/>
+              <a:rPr lang="en-US" sz="2400" dirty="0" smtClean="0"/>
+              <a:t> </a:t>
+            </a:r>
+            <a:r>
+              <a:rPr lang="en-US" sz="2400" dirty="0" err="1" smtClean="0"/>
               <a:t>mới</a:t>
             </a:r>
             <a:r>
-              <a:rPr lang="en-US" sz="2000" dirty="0" smtClean="0"/>
+              <a:rPr lang="en-US" sz="2400" dirty="0" smtClean="0"/>
               <a:t> download </a:t>
             </a:r>
             <a:r>
-              <a:rPr lang="en-US" sz="2000" dirty="0" err="1" smtClean="0"/>
+              <a:rPr lang="en-US" sz="2400" dirty="0" err="1" smtClean="0"/>
               <a:t>được</a:t>
             </a:r>
             <a:r>
-              <a:rPr lang="en-US" sz="2000" dirty="0" smtClean="0"/>
-              <a:t> </a:t>
-            </a:r>
-            <a:r>
-              <a:rPr lang="en-US" sz="2000" dirty="0" err="1" smtClean="0"/>
+              <a:rPr lang="en-US" sz="2400" dirty="0" smtClean="0"/>
+              <a:t> </a:t>
+            </a:r>
+            <a:r>
+              <a:rPr lang="en-US" sz="2400" dirty="0" err="1" smtClean="0"/>
               <a:t>tài</a:t>
             </a:r>
             <a:r>
-              <a:rPr lang="en-US" sz="2000" dirty="0" smtClean="0"/>
-              <a:t> </a:t>
-            </a:r>
-            <a:r>
-              <a:rPr lang="en-US" sz="2000" dirty="0" err="1" smtClean="0"/>
+              <a:rPr lang="en-US" sz="2400" dirty="0" smtClean="0"/>
+              <a:t> </a:t>
+            </a:r>
+            <a:r>
+              <a:rPr lang="en-US" sz="2400" dirty="0" err="1" smtClean="0"/>
               <a:t>liệu</a:t>
             </a:r>
             <a:r>
-              <a:rPr lang="en-US" sz="2000" dirty="0" smtClean="0"/>
+              <a:rPr lang="en-US" sz="2400" dirty="0" smtClean="0"/>
               <a:t>.</a:t>
             </a:r>
           </a:p>
@@ -6179,6 +6590,30 @@
               <a:latin typeface="Times New Roman" pitchFamily="18" charset="0"/>
               <a:cs typeface="Times New Roman" pitchFamily="18" charset="0"/>
             </a:endParaRPr>
+          </a:p>
+        </p:txBody>
+      </p:sp>
+      <p:sp>
+        <p:nvSpPr>
+          <p:cNvPr id="4" name="Slide Number Placeholder 3"/>
+          <p:cNvSpPr>
+            <a:spLocks noGrp="1"/>
+          </p:cNvSpPr>
+          <p:nvPr>
+            <p:ph type="sldNum" sz="quarter" idx="12"/>
+          </p:nvPr>
+        </p:nvSpPr>
+        <p:spPr/>
+        <p:txBody>
+          <a:bodyPr/>
+          <a:lstStyle/>
+          <a:p>
+            <a:fld id="{B6F15528-21DE-4FAA-801E-634DDDAF4B2B}" type="slidenum">
+              <a:rPr lang="en-US" smtClean="0"/>
+              <a:pPr/>
+              <a:t>12</a:t>
+            </a:fld>
+            <a:endParaRPr lang="en-US"/>
           </a:p>
         </p:txBody>
       </p:sp>
@@ -6216,32 +6651,6 @@
       </p:grpSpPr>
       <p:sp>
         <p:nvSpPr>
-          <p:cNvPr id="2" name="Title 1"/>
-          <p:cNvSpPr>
-            <a:spLocks noGrp="1"/>
-          </p:cNvSpPr>
-          <p:nvPr>
-            <p:ph type="title"/>
-          </p:nvPr>
-        </p:nvSpPr>
-        <p:spPr/>
-        <p:txBody>
-          <a:bodyPr/>
-          <a:lstStyle/>
-          <a:p>
-            <a:r>
-              <a:rPr lang="en-US" dirty="0" err="1" smtClean="0">
-                <a:latin typeface="Times New Roman" pitchFamily="18" charset="0"/>
-                <a:cs typeface="Times New Roman" pitchFamily="18" charset="0"/>
-              </a:rPr>
-              <a:t>Citeseerx</a:t>
-            </a:r>
-            <a:endParaRPr lang="en-US" dirty="0"/>
-          </a:p>
-        </p:txBody>
-      </p:sp>
-      <p:sp>
-        <p:nvSpPr>
           <p:cNvPr id="3" name="Content Placeholder 2"/>
           <p:cNvSpPr>
             <a:spLocks noGrp="1"/>
@@ -6252,10 +6661,146 @@
         </p:nvSpPr>
         <p:spPr/>
         <p:txBody>
+          <a:bodyPr>
+            <a:normAutofit fontScale="92500"/>
+          </a:bodyPr>
+          <a:lstStyle/>
+          <a:p>
+            <a:pPr algn="just"/>
+            <a:r>
+              <a:rPr lang="en-US" smtClean="0">
+                <a:latin typeface="Times New Roman" pitchFamily="18" charset="0"/>
+                <a:cs typeface="Times New Roman" pitchFamily="18" charset="0"/>
+              </a:rPr>
+              <a:t>Là một thư viện số mà tài liệu được thư viện cung cấp chủ yếu là về lĩnh vực máy tính</a:t>
+            </a:r>
+            <a:r>
+              <a:rPr lang="en-US" smtClean="0">
+                <a:latin typeface="Times New Roman" pitchFamily="18" charset="0"/>
+                <a:cs typeface="Times New Roman" pitchFamily="18" charset="0"/>
+              </a:rPr>
+              <a:t>. </a:t>
+            </a:r>
+            <a:endParaRPr lang="en-US" smtClean="0">
+              <a:latin typeface="Times New Roman" pitchFamily="18" charset="0"/>
+              <a:cs typeface="Times New Roman" pitchFamily="18" charset="0"/>
+            </a:endParaRPr>
+          </a:p>
+          <a:p>
+            <a:pPr algn="just"/>
+            <a:r>
+              <a:rPr lang="en-US" smtClean="0">
+                <a:latin typeface="Times New Roman" pitchFamily="18" charset="0"/>
+                <a:cs typeface="Times New Roman" pitchFamily="18" charset="0"/>
+              </a:rPr>
+              <a:t>Thư </a:t>
+            </a:r>
+            <a:r>
+              <a:rPr lang="en-US" smtClean="0">
+                <a:latin typeface="Times New Roman" pitchFamily="18" charset="0"/>
+                <a:cs typeface="Times New Roman" pitchFamily="18" charset="0"/>
+              </a:rPr>
+              <a:t>viện số này dùng hệ thống Autonomous Citation Indexing (ACI) để đánh chỉ mục và tìm kiếm tài liệu từ đó tạo cơ sở để người dùng có thể tìm kiếm được các bài báo</a:t>
+            </a:r>
+            <a:r>
+              <a:rPr lang="en-US" smtClean="0">
+                <a:latin typeface="Times New Roman" pitchFamily="18" charset="0"/>
+                <a:cs typeface="Times New Roman" pitchFamily="18" charset="0"/>
+              </a:rPr>
+              <a:t>. </a:t>
+            </a:r>
+            <a:endParaRPr lang="en-US" smtClean="0">
+              <a:latin typeface="Times New Roman" pitchFamily="18" charset="0"/>
+              <a:cs typeface="Times New Roman" pitchFamily="18" charset="0"/>
+            </a:endParaRPr>
+          </a:p>
+          <a:p>
+            <a:pPr algn="just"/>
+            <a:r>
+              <a:rPr lang="en-US" smtClean="0">
+                <a:latin typeface="Times New Roman" pitchFamily="18" charset="0"/>
+                <a:cs typeface="Times New Roman" pitchFamily="18" charset="0"/>
+              </a:rPr>
+              <a:t>Khi </a:t>
+            </a:r>
+            <a:r>
+              <a:rPr lang="en-US" smtClean="0">
+                <a:latin typeface="Times New Roman" pitchFamily="18" charset="0"/>
+                <a:cs typeface="Times New Roman" pitchFamily="18" charset="0"/>
+              </a:rPr>
+              <a:t>ng</a:t>
+            </a:r>
+            <a:r>
+              <a:rPr lang="vi-VN" smtClean="0">
+                <a:latin typeface="Times New Roman" pitchFamily="18" charset="0"/>
+                <a:cs typeface="Times New Roman" pitchFamily="18" charset="0"/>
+              </a:rPr>
+              <a:t>ườ</a:t>
+            </a:r>
+            <a:r>
+              <a:rPr lang="en-US" smtClean="0">
+                <a:latin typeface="Times New Roman" pitchFamily="18" charset="0"/>
+                <a:cs typeface="Times New Roman" pitchFamily="18" charset="0"/>
+              </a:rPr>
+              <a:t>i dùng tra cứu thông tin về một bài báo thì hệ thống sẽ trả về các thông tin sau: Link download, các thông tin metadata (abtract, title, year).</a:t>
+            </a:r>
+          </a:p>
+          <a:p>
+            <a:pPr algn="just"/>
+            <a:endParaRPr lang="en-US">
+              <a:latin typeface="Times New Roman" pitchFamily="18" charset="0"/>
+              <a:cs typeface="Times New Roman" pitchFamily="18" charset="0"/>
+            </a:endParaRPr>
+          </a:p>
+        </p:txBody>
+      </p:sp>
+      <p:sp>
+        <p:nvSpPr>
+          <p:cNvPr id="4" name="Title 1"/>
+          <p:cNvSpPr>
+            <a:spLocks noGrp="1"/>
+          </p:cNvSpPr>
+          <p:nvPr>
+            <p:ph type="title"/>
+          </p:nvPr>
+        </p:nvSpPr>
+        <p:spPr/>
+        <p:txBody>
           <a:bodyPr/>
           <a:lstStyle/>
           <a:p>
+            <a:r>
+              <a:rPr lang="en-US" dirty="0" err="1" smtClean="0">
+                <a:latin typeface="Times New Roman" pitchFamily="18" charset="0"/>
+                <a:cs typeface="Times New Roman" pitchFamily="18" charset="0"/>
+              </a:rPr>
+              <a:t>Citeseerx</a:t>
+            </a:r>
             <a:endParaRPr lang="en-US" dirty="0"/>
+          </a:p>
+        </p:txBody>
+      </p:sp>
+      <p:sp>
+        <p:nvSpPr>
+          <p:cNvPr id="5" name="Slide Number Placeholder 4"/>
+          <p:cNvSpPr>
+            <a:spLocks noGrp="1"/>
+          </p:cNvSpPr>
+          <p:nvPr>
+            <p:ph type="sldNum" sz="quarter" idx="12"/>
+          </p:nvPr>
+        </p:nvSpPr>
+        <p:spPr/>
+        <p:txBody>
+          <a:bodyPr/>
+          <a:lstStyle/>
+          <a:p>
+            <a:fld id="{B6F15528-21DE-4FAA-801E-634DDDAF4B2B}" type="slidenum">
+              <a:rPr lang="en-US" smtClean="0"/>
+              <a:pPr/>
+              <a:t>13</a:t>
+            </a:fld>
+            <a:endParaRPr lang="en-US"/>
           </a:p>
         </p:txBody>
       </p:sp>
@@ -6336,10 +6881,79 @@
         </p:nvSpPr>
         <p:spPr/>
         <p:txBody>
+          <a:bodyPr>
+            <a:normAutofit/>
+          </a:bodyPr>
+          <a:lstStyle/>
+          <a:p>
+            <a:pPr algn="just"/>
+            <a:r>
+              <a:rPr lang="en-US" u="sng" smtClean="0">
+                <a:latin typeface="Times New Roman" pitchFamily="18" charset="0"/>
+                <a:cs typeface="Times New Roman" pitchFamily="18" charset="0"/>
+                <a:hlinkClick r:id="rId2"/>
+              </a:rPr>
+              <a:t>http://ieeexplore.ieee.org</a:t>
+            </a:r>
+            <a:r>
+              <a:rPr lang="en-US" smtClean="0">
+                <a:latin typeface="Times New Roman" pitchFamily="18" charset="0"/>
+                <a:cs typeface="Times New Roman" pitchFamily="18" charset="0"/>
+              </a:rPr>
+              <a:t> đây là trang web hỗ trợ tìm kiếm các bài báo khoa học. Hệ thống sẽ tìm kiếm các bài báo trong thư viện số IEEExplore dựa vào các khóa do người dùng </a:t>
+            </a:r>
+            <a:r>
+              <a:rPr lang="en-US" smtClean="0">
+                <a:latin typeface="Times New Roman" pitchFamily="18" charset="0"/>
+                <a:cs typeface="Times New Roman" pitchFamily="18" charset="0"/>
+              </a:rPr>
+              <a:t>nhập</a:t>
+            </a:r>
+            <a:r>
+              <a:rPr lang="en-US" smtClean="0">
+                <a:latin typeface="Times New Roman" pitchFamily="18" charset="0"/>
+                <a:cs typeface="Times New Roman" pitchFamily="18" charset="0"/>
+              </a:rPr>
+              <a:t>.</a:t>
+            </a:r>
+          </a:p>
+          <a:p>
+            <a:pPr algn="just"/>
+            <a:r>
+              <a:rPr lang="en-US" smtClean="0">
+                <a:latin typeface="Times New Roman" pitchFamily="18" charset="0"/>
+                <a:cs typeface="Times New Roman" pitchFamily="18" charset="0"/>
+              </a:rPr>
+              <a:t>Thư viện số này cập nhật dữ liệu bởi các tác giả của các bài báo hoặc tổ chức muốn công bố bài báo. Dữ liệu được thêm dựa vào mẫu do hệ thống trang web trên cung cấp.</a:t>
+            </a:r>
+            <a:endParaRPr lang="en-US" dirty="0">
+              <a:latin typeface="Times New Roman" pitchFamily="18" charset="0"/>
+              <a:cs typeface="Times New Roman" pitchFamily="18" charset="0"/>
+            </a:endParaRPr>
+          </a:p>
+        </p:txBody>
+      </p:sp>
+      <p:sp>
+        <p:nvSpPr>
+          <p:cNvPr id="4" name="Slide Number Placeholder 3"/>
+          <p:cNvSpPr>
+            <a:spLocks noGrp="1"/>
+          </p:cNvSpPr>
+          <p:nvPr>
+            <p:ph type="sldNum" sz="quarter" idx="12"/>
+          </p:nvPr>
+        </p:nvSpPr>
+        <p:spPr/>
+        <p:txBody>
           <a:bodyPr/>
           <a:lstStyle/>
           <a:p>
-            <a:endParaRPr lang="en-US" dirty="0"/>
+            <a:fld id="{B6F15528-21DE-4FAA-801E-634DDDAF4B2B}" type="slidenum">
+              <a:rPr lang="en-US" smtClean="0"/>
+              <a:pPr/>
+              <a:t>14</a:t>
+            </a:fld>
+            <a:endParaRPr lang="en-US"/>
           </a:p>
         </p:txBody>
       </p:sp>
@@ -6348,6 +6962,13 @@
   <p:clrMapOvr>
     <a:masterClrMapping/>
   </p:clrMapOvr>
+  <p:timing>
+    <p:tnLst>
+      <p:par>
+        <p:cTn id="1" dur="indefinite" restart="never" nodeType="tmRoot"/>
+      </p:par>
+    </p:tnLst>
+  </p:timing>
 </p:sld>
 </file>
 
@@ -6370,32 +6991,6 @@
       </p:grpSpPr>
       <p:sp>
         <p:nvSpPr>
-          <p:cNvPr id="2" name="Title 1"/>
-          <p:cNvSpPr>
-            <a:spLocks noGrp="1"/>
-          </p:cNvSpPr>
-          <p:nvPr>
-            <p:ph type="title"/>
-          </p:nvPr>
-        </p:nvSpPr>
-        <p:spPr/>
-        <p:txBody>
-          <a:bodyPr/>
-          <a:lstStyle/>
-          <a:p>
-            <a:r>
-              <a:rPr lang="en-US" dirty="0" err="1" smtClean="0">
-                <a:latin typeface="Times New Roman" pitchFamily="18" charset="0"/>
-                <a:cs typeface="Times New Roman" pitchFamily="18" charset="0"/>
-              </a:rPr>
-              <a:t>Jabref</a:t>
-            </a:r>
-            <a:endParaRPr lang="en-US" dirty="0"/>
-          </a:p>
-        </p:txBody>
-      </p:sp>
-      <p:sp>
-        <p:nvSpPr>
           <p:cNvPr id="3" name="Content Placeholder 2"/>
           <p:cNvSpPr>
             <a:spLocks noGrp="1"/>
@@ -6406,10 +7001,160 @@
         </p:nvSpPr>
         <p:spPr/>
         <p:txBody>
+          <a:bodyPr>
+            <a:normAutofit/>
+          </a:bodyPr>
+          <a:lstStyle/>
+          <a:p>
+            <a:pPr lvl="0" algn="just"/>
+            <a:r>
+              <a:rPr lang="en-US" sz="2600" smtClean="0">
+                <a:latin typeface="Times New Roman" pitchFamily="18" charset="0"/>
+                <a:cs typeface="Times New Roman" pitchFamily="18" charset="0"/>
+              </a:rPr>
+              <a:t>Kết quả mà trang web này đưa ra sau khi tìm kiếm là một danh sách các bài báo, mỗi bài báo chưa các thông tin sau: </a:t>
+            </a:r>
+          </a:p>
+          <a:p>
+            <a:pPr lvl="1" algn="just"/>
+            <a:r>
+              <a:rPr lang="en-US" sz="1900" smtClean="0">
+                <a:latin typeface="Times New Roman" pitchFamily="18" charset="0"/>
+                <a:cs typeface="Times New Roman" pitchFamily="18" charset="0"/>
+              </a:rPr>
+              <a:t>Tên bài báo và đường dẫn của bài báo đó.</a:t>
+            </a:r>
+          </a:p>
+          <a:p>
+            <a:pPr lvl="1" algn="just"/>
+            <a:r>
+              <a:rPr lang="en-US" sz="1900" smtClean="0">
+                <a:latin typeface="Times New Roman" pitchFamily="18" charset="0"/>
+                <a:cs typeface="Times New Roman" pitchFamily="18" charset="0"/>
+              </a:rPr>
+              <a:t>Các đồng tác giả.</a:t>
+            </a:r>
+          </a:p>
+          <a:p>
+            <a:pPr lvl="1" algn="just"/>
+            <a:r>
+              <a:rPr lang="en-US" sz="1900" smtClean="0">
+                <a:latin typeface="Times New Roman" pitchFamily="18" charset="0"/>
+                <a:cs typeface="Times New Roman" pitchFamily="18" charset="0"/>
+              </a:rPr>
+              <a:t>Hội thảo của bài báo đó kèm theo đường dẫn của hội thảo đó.</a:t>
+            </a:r>
+          </a:p>
+          <a:p>
+            <a:pPr lvl="1" algn="just"/>
+            <a:r>
+              <a:rPr lang="en-US" sz="1900" smtClean="0">
+                <a:latin typeface="Times New Roman" pitchFamily="18" charset="0"/>
+                <a:cs typeface="Times New Roman" pitchFamily="18" charset="0"/>
+              </a:rPr>
+              <a:t>Mã số của bài báo.</a:t>
+            </a:r>
+          </a:p>
+          <a:p>
+            <a:pPr lvl="1" algn="just"/>
+            <a:r>
+              <a:rPr lang="en-US" sz="1900" smtClean="0">
+                <a:latin typeface="Times New Roman" pitchFamily="18" charset="0"/>
+                <a:cs typeface="Times New Roman" pitchFamily="18" charset="0"/>
+              </a:rPr>
+              <a:t>Thời gian công bố.</a:t>
+            </a:r>
+          </a:p>
+          <a:p>
+            <a:pPr lvl="1" algn="just"/>
+            <a:r>
+              <a:rPr lang="en-US" sz="1900" smtClean="0">
+                <a:latin typeface="Times New Roman" pitchFamily="18" charset="0"/>
+                <a:cs typeface="Times New Roman" pitchFamily="18" charset="0"/>
+              </a:rPr>
+              <a:t>Số trang.  </a:t>
+            </a:r>
+          </a:p>
+          <a:p>
+            <a:pPr lvl="1" algn="just"/>
+            <a:r>
+              <a:rPr lang="en-US" sz="1900" smtClean="0">
+                <a:latin typeface="Times New Roman" pitchFamily="18" charset="0"/>
+                <a:cs typeface="Times New Roman" pitchFamily="18" charset="0"/>
+              </a:rPr>
+              <a:t>Tóm tắt sơ lược của bài báo. </a:t>
+            </a:r>
+          </a:p>
+          <a:p>
+            <a:pPr algn="just"/>
+            <a:r>
+              <a:rPr lang="en-US" sz="2400" smtClean="0">
+                <a:latin typeface="Times New Roman" pitchFamily="18" charset="0"/>
+                <a:cs typeface="Times New Roman" pitchFamily="18" charset="0"/>
+              </a:rPr>
+              <a:t>Định dạng của các bài báo hầu hết là các file PDF</a:t>
+            </a:r>
+            <a:endParaRPr lang="en-US" sz="2400">
+              <a:latin typeface="Times New Roman" pitchFamily="18" charset="0"/>
+              <a:cs typeface="Times New Roman" pitchFamily="18" charset="0"/>
+            </a:endParaRPr>
+          </a:p>
+        </p:txBody>
+      </p:sp>
+      <p:sp>
+        <p:nvSpPr>
+          <p:cNvPr id="4" name="Title 1"/>
+          <p:cNvSpPr>
+            <a:spLocks noGrp="1"/>
+          </p:cNvSpPr>
+          <p:nvPr>
+            <p:ph type="title"/>
+          </p:nvPr>
+        </p:nvSpPr>
+        <p:spPr/>
+        <p:txBody>
           <a:bodyPr/>
           <a:lstStyle/>
           <a:p>
+            <a:r>
+              <a:rPr lang="en-US" dirty="0" smtClean="0">
+                <a:latin typeface="Times New Roman" pitchFamily="18" charset="0"/>
+                <a:cs typeface="Times New Roman" pitchFamily="18" charset="0"/>
+              </a:rPr>
+              <a:t>IEEE </a:t>
+            </a:r>
+            <a:r>
+              <a:rPr lang="en-US" dirty="0" err="1" smtClean="0">
+                <a:latin typeface="Times New Roman" pitchFamily="18" charset="0"/>
+                <a:cs typeface="Times New Roman" pitchFamily="18" charset="0"/>
+              </a:rPr>
+              <a:t>Xplore</a:t>
+            </a:r>
             <a:endParaRPr lang="en-US" dirty="0"/>
+          </a:p>
+        </p:txBody>
+      </p:sp>
+      <p:sp>
+        <p:nvSpPr>
+          <p:cNvPr id="5" name="Slide Number Placeholder 4"/>
+          <p:cNvSpPr>
+            <a:spLocks noGrp="1"/>
+          </p:cNvSpPr>
+          <p:nvPr>
+            <p:ph type="sldNum" sz="quarter" idx="12"/>
+          </p:nvPr>
+        </p:nvSpPr>
+        <p:spPr/>
+        <p:txBody>
+          <a:bodyPr/>
+          <a:lstStyle/>
+          <a:p>
+            <a:fld id="{B6F15528-21DE-4FAA-801E-634DDDAF4B2B}" type="slidenum">
+              <a:rPr lang="en-US" smtClean="0"/>
+              <a:pPr/>
+              <a:t>15</a:t>
+            </a:fld>
+            <a:endParaRPr lang="en-US"/>
           </a:p>
         </p:txBody>
       </p:sp>
@@ -6418,6 +7163,13 @@
   <p:clrMapOvr>
     <a:masterClrMapping/>
   </p:clrMapOvr>
+  <p:timing>
+    <p:tnLst>
+      <p:par>
+        <p:cTn id="1" dur="indefinite" restart="never" nodeType="tmRoot"/>
+      </p:par>
+    </p:tnLst>
+  </p:timing>
 </p:sld>
 </file>
 
@@ -6440,6 +7192,148 @@
       </p:grpSpPr>
       <p:sp>
         <p:nvSpPr>
+          <p:cNvPr id="3" name="Content Placeholder 2"/>
+          <p:cNvSpPr>
+            <a:spLocks noGrp="1"/>
+          </p:cNvSpPr>
+          <p:nvPr>
+            <p:ph idx="1"/>
+          </p:nvPr>
+        </p:nvSpPr>
+        <p:spPr/>
+        <p:txBody>
+          <a:bodyPr/>
+          <a:lstStyle/>
+          <a:p>
+            <a:pPr algn="just"/>
+            <a:r>
+              <a:rPr lang="en-US" smtClean="0">
+                <a:latin typeface="Times New Roman" pitchFamily="18" charset="0"/>
+                <a:cs typeface="Times New Roman" pitchFamily="18" charset="0"/>
+              </a:rPr>
+              <a:t>Trang web này còn cho người dùng lọc bớt các kết quả không cần thiết sau khi kết quả tìm kiếm đã hiển thị. </a:t>
+            </a:r>
+          </a:p>
+          <a:p>
+            <a:pPr algn="just"/>
+            <a:r>
+              <a:rPr lang="en-US" smtClean="0">
+                <a:latin typeface="Times New Roman" pitchFamily="18" charset="0"/>
+                <a:cs typeface="Times New Roman" pitchFamily="18" charset="0"/>
+              </a:rPr>
+              <a:t>Thư viện số IEEE phân loại các bài báo theo tên bài báo và một số chủ đề.</a:t>
+            </a:r>
+          </a:p>
+          <a:p>
+            <a:pPr algn="just"/>
+            <a:r>
+              <a:rPr lang="en-US" smtClean="0">
+                <a:latin typeface="Times New Roman" pitchFamily="18" charset="0"/>
+                <a:cs typeface="Times New Roman" pitchFamily="18" charset="0"/>
+              </a:rPr>
+              <a:t>Phải có tài khoản và phải trả phí mới được xem toàn bộ và download các bài báo.</a:t>
+            </a:r>
+          </a:p>
+          <a:p>
+            <a:pPr algn="just"/>
+            <a:endParaRPr lang="en-US" smtClean="0">
+              <a:latin typeface="Times New Roman" pitchFamily="18" charset="0"/>
+              <a:cs typeface="Times New Roman" pitchFamily="18" charset="0"/>
+            </a:endParaRPr>
+          </a:p>
+        </p:txBody>
+      </p:sp>
+      <p:sp>
+        <p:nvSpPr>
+          <p:cNvPr id="4" name="Title 1"/>
+          <p:cNvSpPr>
+            <a:spLocks noGrp="1"/>
+          </p:cNvSpPr>
+          <p:nvPr>
+            <p:ph type="title"/>
+          </p:nvPr>
+        </p:nvSpPr>
+        <p:spPr/>
+        <p:txBody>
+          <a:bodyPr/>
+          <a:lstStyle/>
+          <a:p>
+            <a:r>
+              <a:rPr lang="en-US" dirty="0" smtClean="0">
+                <a:latin typeface="Times New Roman" pitchFamily="18" charset="0"/>
+                <a:cs typeface="Times New Roman" pitchFamily="18" charset="0"/>
+              </a:rPr>
+              <a:t>IEEE </a:t>
+            </a:r>
+            <a:r>
+              <a:rPr lang="en-US" dirty="0" err="1" smtClean="0">
+                <a:latin typeface="Times New Roman" pitchFamily="18" charset="0"/>
+                <a:cs typeface="Times New Roman" pitchFamily="18" charset="0"/>
+              </a:rPr>
+              <a:t>Xplore</a:t>
+            </a:r>
+            <a:endParaRPr lang="en-US" dirty="0"/>
+          </a:p>
+        </p:txBody>
+      </p:sp>
+      <p:sp>
+        <p:nvSpPr>
+          <p:cNvPr id="5" name="Slide Number Placeholder 4"/>
+          <p:cNvSpPr>
+            <a:spLocks noGrp="1"/>
+          </p:cNvSpPr>
+          <p:nvPr>
+            <p:ph type="sldNum" sz="quarter" idx="12"/>
+          </p:nvPr>
+        </p:nvSpPr>
+        <p:spPr/>
+        <p:txBody>
+          <a:bodyPr/>
+          <a:lstStyle/>
+          <a:p>
+            <a:fld id="{B6F15528-21DE-4FAA-801E-634DDDAF4B2B}" type="slidenum">
+              <a:rPr lang="en-US" smtClean="0"/>
+              <a:pPr/>
+              <a:t>16</a:t>
+            </a:fld>
+            <a:endParaRPr lang="en-US"/>
+          </a:p>
+        </p:txBody>
+      </p:sp>
+    </p:spTree>
+  </p:cSld>
+  <p:clrMapOvr>
+    <a:masterClrMapping/>
+  </p:clrMapOvr>
+  <p:timing>
+    <p:tnLst>
+      <p:par>
+        <p:cTn id="1" dur="indefinite" restart="never" nodeType="tmRoot"/>
+      </p:par>
+    </p:tnLst>
+  </p:timing>
+</p:sld>
+</file>
+
+<file path=ppt/slides/slide17.xml><?xml version="1.0" encoding="utf-8"?>
+<p:sld xmlns:a="http://schemas.openxmlformats.org/drawingml/2006/main" xmlns:r="http://schemas.openxmlformats.org/officeDocument/2006/relationships" xmlns:p="http://schemas.openxmlformats.org/presentationml/2006/main">
+  <p:cSld>
+    <p:spTree>
+      <p:nvGrpSpPr>
+        <p:cNvPr id="1" name=""/>
+        <p:cNvGrpSpPr/>
+        <p:nvPr/>
+      </p:nvGrpSpPr>
+      <p:grpSpPr>
+        <a:xfrm>
+          <a:off x="0" y="0"/>
+          <a:ext cx="0" cy="0"/>
+          <a:chOff x="0" y="0"/>
+          <a:chExt cx="0" cy="0"/>
+        </a:xfrm>
+      </p:grpSpPr>
+      <p:sp>
+        <p:nvSpPr>
           <p:cNvPr id="2" name="Title 1"/>
           <p:cNvSpPr>
             <a:spLocks noGrp="1"/>
@@ -6448,22 +7342,17 @@
             <p:ph type="title"/>
           </p:nvPr>
         </p:nvSpPr>
-        <p:spPr>
-          <a:xfrm>
-            <a:off x="457200" y="381000"/>
-            <a:ext cx="8686800" cy="838200"/>
-          </a:xfrm>
-        </p:spPr>
+        <p:spPr/>
         <p:txBody>
           <a:bodyPr/>
           <a:lstStyle/>
           <a:p>
             <a:r>
-              <a:rPr lang="en-US" dirty="0" smtClean="0">
-                <a:latin typeface="Times New Roman" pitchFamily="18" charset="0"/>
-                <a:cs typeface="Times New Roman" pitchFamily="18" charset="0"/>
-              </a:rPr>
-              <a:t>DBLP</a:t>
+              <a:rPr lang="en-US" dirty="0" err="1" smtClean="0">
+                <a:latin typeface="Times New Roman" pitchFamily="18" charset="0"/>
+                <a:cs typeface="Times New Roman" pitchFamily="18" charset="0"/>
+              </a:rPr>
+              <a:t>Jabref</a:t>
             </a:r>
             <a:endParaRPr lang="en-US" dirty="0"/>
           </a:p>
@@ -6479,6 +7368,1509 @@
             <p:ph idx="1"/>
           </p:nvPr>
         </p:nvSpPr>
+        <p:spPr/>
+        <p:txBody>
+          <a:bodyPr>
+            <a:normAutofit/>
+          </a:bodyPr>
+          <a:lstStyle/>
+          <a:p>
+            <a:pPr algn="just"/>
+            <a:r>
+              <a:rPr lang="en-US" sz="2600" smtClean="0">
+                <a:latin typeface="Times New Roman" pitchFamily="18" charset="0"/>
+                <a:cs typeface="Times New Roman" pitchFamily="18" charset="0"/>
+              </a:rPr>
+              <a:t>Jabref là một phần mềm quản lý tài liệu tham khảo của các bài báo khoa học, bằng cách sử dụng định dạng file Bibtex để lưu trữ thông tin</a:t>
+            </a:r>
+            <a:r>
+              <a:rPr lang="en-US" sz="2600" smtClean="0">
+                <a:latin typeface="Times New Roman" pitchFamily="18" charset="0"/>
+                <a:cs typeface="Times New Roman" pitchFamily="18" charset="0"/>
+              </a:rPr>
+              <a:t>. </a:t>
+            </a:r>
+            <a:endParaRPr lang="en-US" sz="2600" smtClean="0">
+              <a:latin typeface="Times New Roman" pitchFamily="18" charset="0"/>
+              <a:cs typeface="Times New Roman" pitchFamily="18" charset="0"/>
+            </a:endParaRPr>
+          </a:p>
+          <a:p>
+            <a:pPr algn="just"/>
+            <a:r>
+              <a:rPr lang="en-US" sz="2600" smtClean="0">
+                <a:latin typeface="Times New Roman" pitchFamily="18" charset="0"/>
+                <a:cs typeface="Times New Roman" pitchFamily="18" charset="0"/>
+              </a:rPr>
+              <a:t>Các </a:t>
+            </a:r>
+            <a:r>
+              <a:rPr lang="en-US" sz="2600" smtClean="0">
+                <a:latin typeface="Times New Roman" pitchFamily="18" charset="0"/>
+                <a:cs typeface="Times New Roman" pitchFamily="18" charset="0"/>
+              </a:rPr>
+              <a:t>thông tin ở đây bao gồm các phần reference của một bài báo khoa học như: tên bài báo, tên tác giả, tên hội thảo của bài báo, năm công bố, tóm tắt của bài </a:t>
+            </a:r>
+            <a:r>
+              <a:rPr lang="en-US" sz="2600" smtClean="0">
+                <a:latin typeface="Times New Roman" pitchFamily="18" charset="0"/>
+                <a:cs typeface="Times New Roman" pitchFamily="18" charset="0"/>
+              </a:rPr>
+              <a:t>báo … </a:t>
+            </a:r>
+            <a:endParaRPr lang="en-US" sz="2600" smtClean="0">
+              <a:latin typeface="Times New Roman" pitchFamily="18" charset="0"/>
+              <a:cs typeface="Times New Roman" pitchFamily="18" charset="0"/>
+            </a:endParaRPr>
+          </a:p>
+          <a:p>
+            <a:pPr algn="just"/>
+            <a:r>
+              <a:rPr lang="en-US" sz="2400" smtClean="0">
+                <a:latin typeface="Times New Roman" pitchFamily="18" charset="0"/>
+                <a:cs typeface="Times New Roman" pitchFamily="18" charset="0"/>
+              </a:rPr>
+              <a:t>Phiên bản đầu tiên của Jabref được công bố vào năm 2003 bởi Morten O. Alver and Nizar Batada và Jabref là viết tắt của “</a:t>
+            </a:r>
+            <a:r>
+              <a:rPr lang="en-US" sz="2400" b="1" smtClean="0">
+                <a:latin typeface="Times New Roman" pitchFamily="18" charset="0"/>
+                <a:cs typeface="Times New Roman" pitchFamily="18" charset="0"/>
+              </a:rPr>
+              <a:t>J</a:t>
+            </a:r>
+            <a:r>
+              <a:rPr lang="en-US" sz="2400" smtClean="0">
+                <a:latin typeface="Times New Roman" pitchFamily="18" charset="0"/>
+                <a:cs typeface="Times New Roman" pitchFamily="18" charset="0"/>
+              </a:rPr>
+              <a:t>ava, </a:t>
+            </a:r>
+            <a:r>
+              <a:rPr lang="en-US" sz="2400" b="1" smtClean="0">
+                <a:latin typeface="Times New Roman" pitchFamily="18" charset="0"/>
+                <a:cs typeface="Times New Roman" pitchFamily="18" charset="0"/>
+              </a:rPr>
+              <a:t>A</a:t>
+            </a:r>
+            <a:r>
+              <a:rPr lang="en-US" sz="2400" smtClean="0">
+                <a:latin typeface="Times New Roman" pitchFamily="18" charset="0"/>
+                <a:cs typeface="Times New Roman" pitchFamily="18" charset="0"/>
+              </a:rPr>
+              <a:t>lver, </a:t>
+            </a:r>
+            <a:r>
+              <a:rPr lang="en-US" sz="2400" b="1" smtClean="0">
+                <a:latin typeface="Times New Roman" pitchFamily="18" charset="0"/>
+                <a:cs typeface="Times New Roman" pitchFamily="18" charset="0"/>
+              </a:rPr>
+              <a:t>B</a:t>
+            </a:r>
+            <a:r>
+              <a:rPr lang="en-US" sz="2400" smtClean="0">
+                <a:latin typeface="Times New Roman" pitchFamily="18" charset="0"/>
+                <a:cs typeface="Times New Roman" pitchFamily="18" charset="0"/>
+              </a:rPr>
+              <a:t>atada, </a:t>
+            </a:r>
+            <a:r>
+              <a:rPr lang="en-US" sz="2400" b="1" smtClean="0">
+                <a:latin typeface="Times New Roman" pitchFamily="18" charset="0"/>
+                <a:cs typeface="Times New Roman" pitchFamily="18" charset="0"/>
+              </a:rPr>
+              <a:t>Ref</a:t>
+            </a:r>
+            <a:r>
+              <a:rPr lang="en-US" sz="2400" smtClean="0">
+                <a:latin typeface="Times New Roman" pitchFamily="18" charset="0"/>
+                <a:cs typeface="Times New Roman" pitchFamily="18" charset="0"/>
+              </a:rPr>
+              <a:t>erence”</a:t>
+            </a:r>
+            <a:r>
+              <a:rPr lang="en-US" sz="2400" smtClean="0"/>
+              <a:t>.</a:t>
+            </a:r>
+          </a:p>
+          <a:p>
+            <a:pPr algn="r">
+              <a:buNone/>
+            </a:pPr>
+            <a:r>
+              <a:rPr lang="en-US" sz="2400" smtClean="0">
+                <a:solidFill>
+                  <a:srgbClr val="00B0F0"/>
+                </a:solidFill>
+              </a:rPr>
+              <a:t>(</a:t>
+            </a:r>
+            <a:r>
+              <a:rPr lang="en-US" sz="1600" smtClean="0">
+                <a:solidFill>
+                  <a:srgbClr val="00B0F0"/>
+                </a:solidFill>
+              </a:rPr>
+              <a:t>http</a:t>
+            </a:r>
+            <a:r>
+              <a:rPr lang="en-US" sz="1600" smtClean="0">
+                <a:solidFill>
+                  <a:srgbClr val="00B0F0"/>
+                </a:solidFill>
+              </a:rPr>
+              <a:t>://</a:t>
+            </a:r>
+            <a:r>
+              <a:rPr lang="en-US" sz="1600" smtClean="0">
+                <a:solidFill>
+                  <a:srgbClr val="00B0F0"/>
+                </a:solidFill>
+              </a:rPr>
+              <a:t>en.wikipedia.org/wiki/JabRef, http://</a:t>
+            </a:r>
+            <a:r>
+              <a:rPr lang="en-US" sz="1600" smtClean="0">
+                <a:solidFill>
+                  <a:srgbClr val="00B0F0"/>
+                </a:solidFill>
+              </a:rPr>
+              <a:t>jabref.sourceforge.net</a:t>
+            </a:r>
+            <a:r>
+              <a:rPr lang="en-US" sz="1600" smtClean="0">
+                <a:solidFill>
+                  <a:srgbClr val="00B0F0"/>
+                </a:solidFill>
+              </a:rPr>
+              <a:t>/)</a:t>
+            </a:r>
+            <a:endParaRPr lang="en-US" sz="1600" smtClean="0">
+              <a:solidFill>
+                <a:srgbClr val="00B0F0"/>
+              </a:solidFill>
+            </a:endParaRPr>
+          </a:p>
+        </p:txBody>
+      </p:sp>
+      <p:sp>
+        <p:nvSpPr>
+          <p:cNvPr id="5" name="Slide Number Placeholder 4"/>
+          <p:cNvSpPr>
+            <a:spLocks noGrp="1"/>
+          </p:cNvSpPr>
+          <p:nvPr>
+            <p:ph type="sldNum" sz="quarter" idx="12"/>
+          </p:nvPr>
+        </p:nvSpPr>
+        <p:spPr/>
+        <p:txBody>
+          <a:bodyPr/>
+          <a:lstStyle/>
+          <a:p>
+            <a:fld id="{B6F15528-21DE-4FAA-801E-634DDDAF4B2B}" type="slidenum">
+              <a:rPr lang="en-US" smtClean="0"/>
+              <a:pPr/>
+              <a:t>17</a:t>
+            </a:fld>
+            <a:endParaRPr lang="en-US"/>
+          </a:p>
+        </p:txBody>
+      </p:sp>
+    </p:spTree>
+  </p:cSld>
+  <p:clrMapOvr>
+    <a:masterClrMapping/>
+  </p:clrMapOvr>
+  <p:timing>
+    <p:tnLst>
+      <p:par>
+        <p:cTn id="1" dur="indefinite" restart="never" nodeType="tmRoot"/>
+      </p:par>
+    </p:tnLst>
+  </p:timing>
+</p:sld>
+</file>
+
+<file path=ppt/slides/slide18.xml><?xml version="1.0" encoding="utf-8"?>
+<p:sld xmlns:a="http://schemas.openxmlformats.org/drawingml/2006/main" xmlns:r="http://schemas.openxmlformats.org/officeDocument/2006/relationships" xmlns:p="http://schemas.openxmlformats.org/presentationml/2006/main">
+  <p:cSld>
+    <p:spTree>
+      <p:nvGrpSpPr>
+        <p:cNvPr id="1" name=""/>
+        <p:cNvGrpSpPr/>
+        <p:nvPr/>
+      </p:nvGrpSpPr>
+      <p:grpSpPr>
+        <a:xfrm>
+          <a:off x="0" y="0"/>
+          <a:ext cx="0" cy="0"/>
+          <a:chOff x="0" y="0"/>
+          <a:chExt cx="0" cy="0"/>
+        </a:xfrm>
+      </p:grpSpPr>
+      <p:sp>
+        <p:nvSpPr>
+          <p:cNvPr id="3" name="Content Placeholder 2"/>
+          <p:cNvSpPr>
+            <a:spLocks noGrp="1"/>
+          </p:cNvSpPr>
+          <p:nvPr>
+            <p:ph idx="1"/>
+          </p:nvPr>
+        </p:nvSpPr>
+        <p:spPr/>
+        <p:txBody>
+          <a:bodyPr>
+            <a:normAutofit fontScale="92500" lnSpcReduction="10000"/>
+          </a:bodyPr>
+          <a:lstStyle/>
+          <a:p>
+            <a:pPr algn="just"/>
+            <a:r>
+              <a:rPr lang="en-US" smtClean="0">
+                <a:latin typeface="Times New Roman" pitchFamily="18" charset="0"/>
+                <a:cs typeface="Times New Roman" pitchFamily="18" charset="0"/>
+              </a:rPr>
+              <a:t>Jabref  được viết bằng java nên chạy tốt trên các hệ điều hành khác nhau.</a:t>
+            </a:r>
+          </a:p>
+          <a:p>
+            <a:pPr algn="just"/>
+            <a:r>
+              <a:rPr lang="en-US" smtClean="0">
+                <a:latin typeface="Times New Roman" pitchFamily="18" charset="0"/>
+                <a:cs typeface="Times New Roman" pitchFamily="18" charset="0"/>
+              </a:rPr>
+              <a:t>Chức năng chính của Jabref là tìm kiếm và tạo cơ sở dữ liệu thông tin về các bài báo khoa học.</a:t>
+            </a:r>
+          </a:p>
+          <a:p>
+            <a:pPr algn="just"/>
+            <a:r>
+              <a:rPr lang="en-US" smtClean="0">
+                <a:latin typeface="Times New Roman" pitchFamily="18" charset="0"/>
+                <a:cs typeface="Times New Roman" pitchFamily="18" charset="0"/>
+              </a:rPr>
+              <a:t>Hệ thống này tìm kiếm các bài báo từ các thư viện số như: </a:t>
+            </a:r>
+            <a:r>
+              <a:rPr lang="en-US" smtClean="0"/>
+              <a:t>ACM</a:t>
+            </a:r>
+            <a:r>
+              <a:rPr lang="en-US" smtClean="0"/>
+              <a:t>, Citeseer, IEEExplore </a:t>
+            </a:r>
+            <a:r>
+              <a:rPr lang="en-US" smtClean="0"/>
+              <a:t>và </a:t>
+            </a:r>
+            <a:r>
+              <a:rPr lang="en-US" smtClean="0"/>
+              <a:t>arXIV.</a:t>
+            </a:r>
+          </a:p>
+          <a:p>
+            <a:pPr algn="just"/>
+            <a:r>
+              <a:rPr lang="en-US" smtClean="0">
+                <a:latin typeface="Times New Roman" pitchFamily="18" charset="0"/>
+                <a:cs typeface="Times New Roman" pitchFamily="18" charset="0"/>
+              </a:rPr>
+              <a:t>Cho Import và Export nhiều loại định dạng cơ sở dữ liệu khác nhau như: Bibtex, RDF, TXT, XML, ...</a:t>
+            </a:r>
+          </a:p>
+          <a:p>
+            <a:pPr lvl="1" algn="just"/>
+            <a:r>
+              <a:rPr lang="en-US" smtClean="0">
+                <a:latin typeface="Times New Roman" pitchFamily="18" charset="0"/>
+                <a:cs typeface="Times New Roman" pitchFamily="18" charset="0"/>
+              </a:rPr>
+              <a:t>Có thể xuất ra file SQL nhưng không cho nhập dữ liệu từ file này.</a:t>
+            </a:r>
+          </a:p>
+        </p:txBody>
+      </p:sp>
+      <p:sp>
+        <p:nvSpPr>
+          <p:cNvPr id="4" name="Title 1"/>
+          <p:cNvSpPr>
+            <a:spLocks noGrp="1"/>
+          </p:cNvSpPr>
+          <p:nvPr>
+            <p:ph type="title"/>
+          </p:nvPr>
+        </p:nvSpPr>
+        <p:spPr/>
+        <p:txBody>
+          <a:bodyPr/>
+          <a:lstStyle/>
+          <a:p>
+            <a:r>
+              <a:rPr lang="en-US" dirty="0" err="1" smtClean="0">
+                <a:latin typeface="Times New Roman" pitchFamily="18" charset="0"/>
+                <a:cs typeface="Times New Roman" pitchFamily="18" charset="0"/>
+              </a:rPr>
+              <a:t>Jabref</a:t>
+            </a:r>
+            <a:endParaRPr lang="en-US" dirty="0"/>
+          </a:p>
+        </p:txBody>
+      </p:sp>
+      <p:sp>
+        <p:nvSpPr>
+          <p:cNvPr id="5" name="Slide Number Placeholder 4"/>
+          <p:cNvSpPr>
+            <a:spLocks noGrp="1"/>
+          </p:cNvSpPr>
+          <p:nvPr>
+            <p:ph type="sldNum" sz="quarter" idx="12"/>
+          </p:nvPr>
+        </p:nvSpPr>
+        <p:spPr/>
+        <p:txBody>
+          <a:bodyPr/>
+          <a:lstStyle/>
+          <a:p>
+            <a:fld id="{B6F15528-21DE-4FAA-801E-634DDDAF4B2B}" type="slidenum">
+              <a:rPr lang="en-US" smtClean="0"/>
+              <a:pPr/>
+              <a:t>18</a:t>
+            </a:fld>
+            <a:endParaRPr lang="en-US"/>
+          </a:p>
+        </p:txBody>
+      </p:sp>
+    </p:spTree>
+  </p:cSld>
+  <p:clrMapOvr>
+    <a:masterClrMapping/>
+  </p:clrMapOvr>
+  <p:timing>
+    <p:tnLst>
+      <p:par>
+        <p:cTn id="1" dur="indefinite" restart="never" nodeType="tmRoot"/>
+      </p:par>
+    </p:tnLst>
+  </p:timing>
+</p:sld>
+</file>
+
+<file path=ppt/slides/slide19.xml><?xml version="1.0" encoding="utf-8"?>
+<p:sld xmlns:a="http://schemas.openxmlformats.org/drawingml/2006/main" xmlns:r="http://schemas.openxmlformats.org/officeDocument/2006/relationships" xmlns:p="http://schemas.openxmlformats.org/presentationml/2006/main">
+  <p:cSld>
+    <p:spTree>
+      <p:nvGrpSpPr>
+        <p:cNvPr id="1" name=""/>
+        <p:cNvGrpSpPr/>
+        <p:nvPr/>
+      </p:nvGrpSpPr>
+      <p:grpSpPr>
+        <a:xfrm>
+          <a:off x="0" y="0"/>
+          <a:ext cx="0" cy="0"/>
+          <a:chOff x="0" y="0"/>
+          <a:chExt cx="0" cy="0"/>
+        </a:xfrm>
+      </p:grpSpPr>
+      <p:sp>
+        <p:nvSpPr>
+          <p:cNvPr id="3" name="Content Placeholder 2"/>
+          <p:cNvSpPr>
+            <a:spLocks noGrp="1"/>
+          </p:cNvSpPr>
+          <p:nvPr>
+            <p:ph idx="1"/>
+          </p:nvPr>
+        </p:nvSpPr>
+        <p:spPr/>
+        <p:txBody>
+          <a:bodyPr/>
+          <a:lstStyle/>
+          <a:p>
+            <a:r>
+              <a:rPr lang="en-US" smtClean="0">
+                <a:latin typeface="Times New Roman" pitchFamily="18" charset="0"/>
+                <a:cs typeface="Times New Roman" pitchFamily="18" charset="0"/>
+              </a:rPr>
+              <a:t>Kết quả hiển thị sau khi tìm kiếm trên Internet.</a:t>
+            </a:r>
+          </a:p>
+          <a:p>
+            <a:endParaRPr lang="en-US">
+              <a:latin typeface="Times New Roman" pitchFamily="18" charset="0"/>
+              <a:cs typeface="Times New Roman" pitchFamily="18" charset="0"/>
+            </a:endParaRPr>
+          </a:p>
+        </p:txBody>
+      </p:sp>
+      <p:sp>
+        <p:nvSpPr>
+          <p:cNvPr id="4" name="Title 1"/>
+          <p:cNvSpPr>
+            <a:spLocks noGrp="1"/>
+          </p:cNvSpPr>
+          <p:nvPr>
+            <p:ph type="title"/>
+          </p:nvPr>
+        </p:nvSpPr>
+        <p:spPr/>
+        <p:txBody>
+          <a:bodyPr/>
+          <a:lstStyle/>
+          <a:p>
+            <a:r>
+              <a:rPr lang="en-US" dirty="0" err="1" smtClean="0">
+                <a:latin typeface="Times New Roman" pitchFamily="18" charset="0"/>
+                <a:cs typeface="Times New Roman" pitchFamily="18" charset="0"/>
+              </a:rPr>
+              <a:t>Jabref</a:t>
+            </a:r>
+            <a:endParaRPr lang="en-US" dirty="0"/>
+          </a:p>
+        </p:txBody>
+      </p:sp>
+      <p:pic>
+        <p:nvPicPr>
+          <p:cNvPr id="5" name="Picture 4"/>
+          <p:cNvPicPr/>
+          <p:nvPr/>
+        </p:nvPicPr>
+        <p:blipFill>
+          <a:blip r:embed="rId2"/>
+          <a:srcRect/>
+          <a:stretch>
+            <a:fillRect/>
+          </a:stretch>
+        </p:blipFill>
+        <p:spPr bwMode="auto">
+          <a:xfrm>
+            <a:off x="1371600" y="2133600"/>
+            <a:ext cx="6705600" cy="4191000"/>
+          </a:xfrm>
+          <a:prstGeom prst="rect">
+            <a:avLst/>
+          </a:prstGeom>
+          <a:noFill/>
+          <a:ln w="9525">
+            <a:noFill/>
+            <a:miter lim="800000"/>
+            <a:headEnd/>
+            <a:tailEnd/>
+          </a:ln>
+        </p:spPr>
+      </p:pic>
+      <p:sp>
+        <p:nvSpPr>
+          <p:cNvPr id="6" name="Slide Number Placeholder 5"/>
+          <p:cNvSpPr>
+            <a:spLocks noGrp="1"/>
+          </p:cNvSpPr>
+          <p:nvPr>
+            <p:ph type="sldNum" sz="quarter" idx="12"/>
+          </p:nvPr>
+        </p:nvSpPr>
+        <p:spPr/>
+        <p:txBody>
+          <a:bodyPr/>
+          <a:lstStyle/>
+          <a:p>
+            <a:fld id="{B6F15528-21DE-4FAA-801E-634DDDAF4B2B}" type="slidenum">
+              <a:rPr lang="en-US" smtClean="0"/>
+              <a:pPr/>
+              <a:t>19</a:t>
+            </a:fld>
+            <a:endParaRPr lang="en-US"/>
+          </a:p>
+        </p:txBody>
+      </p:sp>
+    </p:spTree>
+  </p:cSld>
+  <p:clrMapOvr>
+    <a:masterClrMapping/>
+  </p:clrMapOvr>
+  <p:timing>
+    <p:tnLst>
+      <p:par>
+        <p:cTn id="1" dur="indefinite" restart="never" nodeType="tmRoot"/>
+      </p:par>
+    </p:tnLst>
+  </p:timing>
+</p:sld>
+</file>
+
+<file path=ppt/slides/slide2.xml><?xml version="1.0" encoding="utf-8"?>
+<p:sld xmlns:a="http://schemas.openxmlformats.org/drawingml/2006/main" xmlns:r="http://schemas.openxmlformats.org/officeDocument/2006/relationships" xmlns:p="http://schemas.openxmlformats.org/presentationml/2006/main">
+  <p:cSld>
+    <p:spTree>
+      <p:nvGrpSpPr>
+        <p:cNvPr id="1" name=""/>
+        <p:cNvGrpSpPr/>
+        <p:nvPr/>
+      </p:nvGrpSpPr>
+      <p:grpSpPr>
+        <a:xfrm>
+          <a:off x="0" y="0"/>
+          <a:ext cx="0" cy="0"/>
+          <a:chOff x="0" y="0"/>
+          <a:chExt cx="0" cy="0"/>
+        </a:xfrm>
+      </p:grpSpPr>
+      <p:sp>
+        <p:nvSpPr>
+          <p:cNvPr id="2" name="Title 1"/>
+          <p:cNvSpPr>
+            <a:spLocks noGrp="1"/>
+          </p:cNvSpPr>
+          <p:nvPr>
+            <p:ph type="title"/>
+          </p:nvPr>
+        </p:nvSpPr>
+        <p:spPr>
+          <a:xfrm>
+            <a:off x="152400" y="228600"/>
+            <a:ext cx="8686800" cy="533400"/>
+          </a:xfrm>
+        </p:spPr>
+        <p:txBody>
+          <a:bodyPr>
+            <a:normAutofit fontScale="90000"/>
+          </a:bodyPr>
+          <a:lstStyle/>
+          <a:p>
+            <a:r>
+              <a:rPr lang="en-US" dirty="0" err="1" smtClean="0">
+                <a:latin typeface="Times New Roman" pitchFamily="18" charset="0"/>
+                <a:cs typeface="Times New Roman" pitchFamily="18" charset="0"/>
+              </a:rPr>
+              <a:t>Nội</a:t>
+            </a:r>
+            <a:r>
+              <a:rPr lang="en-US" dirty="0" smtClean="0">
+                <a:latin typeface="Times New Roman" pitchFamily="18" charset="0"/>
+                <a:cs typeface="Times New Roman" pitchFamily="18" charset="0"/>
+              </a:rPr>
+              <a:t> dung </a:t>
+            </a:r>
+            <a:r>
+              <a:rPr lang="en-US" dirty="0" err="1" smtClean="0">
+                <a:latin typeface="Times New Roman" pitchFamily="18" charset="0"/>
+                <a:cs typeface="Times New Roman" pitchFamily="18" charset="0"/>
+              </a:rPr>
+              <a:t>báo</a:t>
+            </a:r>
+            <a:r>
+              <a:rPr lang="en-US" dirty="0" smtClean="0">
+                <a:latin typeface="Times New Roman" pitchFamily="18" charset="0"/>
+                <a:cs typeface="Times New Roman" pitchFamily="18" charset="0"/>
+              </a:rPr>
+              <a:t> </a:t>
+            </a:r>
+            <a:r>
+              <a:rPr lang="en-US" dirty="0" err="1" smtClean="0">
+                <a:latin typeface="Times New Roman" pitchFamily="18" charset="0"/>
+                <a:cs typeface="Times New Roman" pitchFamily="18" charset="0"/>
+              </a:rPr>
+              <a:t>cáo</a:t>
+            </a:r>
+            <a:endParaRPr lang="en-US" dirty="0">
+              <a:latin typeface="Times New Roman" pitchFamily="18" charset="0"/>
+              <a:cs typeface="Times New Roman" pitchFamily="18" charset="0"/>
+            </a:endParaRPr>
+          </a:p>
+        </p:txBody>
+      </p:sp>
+      <p:sp>
+        <p:nvSpPr>
+          <p:cNvPr id="3" name="Content Placeholder 2"/>
+          <p:cNvSpPr>
+            <a:spLocks noGrp="1"/>
+          </p:cNvSpPr>
+          <p:nvPr>
+            <p:ph idx="1"/>
+          </p:nvPr>
+        </p:nvSpPr>
+        <p:spPr>
+          <a:xfrm>
+            <a:off x="304800" y="1371600"/>
+            <a:ext cx="8686800" cy="4876800"/>
+          </a:xfrm>
+        </p:spPr>
+        <p:txBody>
+          <a:bodyPr>
+            <a:normAutofit/>
+          </a:bodyPr>
+          <a:lstStyle/>
+          <a:p>
+            <a:pPr lvl="0"/>
+            <a:r>
+              <a:rPr lang="en-US" dirty="0" err="1" smtClean="0">
+                <a:latin typeface="Times New Roman" pitchFamily="18" charset="0"/>
+                <a:cs typeface="Times New Roman" pitchFamily="18" charset="0"/>
+              </a:rPr>
+              <a:t>Đặt</a:t>
+            </a:r>
+            <a:r>
+              <a:rPr lang="en-US" dirty="0" smtClean="0">
+                <a:latin typeface="Times New Roman" pitchFamily="18" charset="0"/>
+                <a:cs typeface="Times New Roman" pitchFamily="18" charset="0"/>
+              </a:rPr>
+              <a:t> </a:t>
+            </a:r>
+            <a:r>
+              <a:rPr lang="en-US" dirty="0" err="1" smtClean="0">
+                <a:latin typeface="Times New Roman" pitchFamily="18" charset="0"/>
+                <a:cs typeface="Times New Roman" pitchFamily="18" charset="0"/>
+              </a:rPr>
+              <a:t>vấn</a:t>
+            </a:r>
+            <a:r>
+              <a:rPr lang="en-US" dirty="0" smtClean="0">
+                <a:latin typeface="Times New Roman" pitchFamily="18" charset="0"/>
+                <a:cs typeface="Times New Roman" pitchFamily="18" charset="0"/>
+              </a:rPr>
+              <a:t> </a:t>
+            </a:r>
+            <a:r>
+              <a:rPr lang="en-US" dirty="0" err="1" smtClean="0">
+                <a:latin typeface="Times New Roman" pitchFamily="18" charset="0"/>
+                <a:cs typeface="Times New Roman" pitchFamily="18" charset="0"/>
+              </a:rPr>
+              <a:t>đề</a:t>
+            </a:r>
+            <a:r>
+              <a:rPr lang="en-US" dirty="0" smtClean="0">
+                <a:latin typeface="Times New Roman" pitchFamily="18" charset="0"/>
+                <a:cs typeface="Times New Roman" pitchFamily="18" charset="0"/>
+              </a:rPr>
+              <a:t>.</a:t>
+            </a:r>
+            <a:endParaRPr lang="en-US" sz="2400" dirty="0" smtClean="0">
+              <a:latin typeface="Times New Roman" pitchFamily="18" charset="0"/>
+              <a:cs typeface="Times New Roman" pitchFamily="18" charset="0"/>
+            </a:endParaRPr>
+          </a:p>
+          <a:p>
+            <a:pPr lvl="0"/>
+            <a:r>
+              <a:rPr lang="en-US" dirty="0" err="1" smtClean="0">
+                <a:latin typeface="Times New Roman" pitchFamily="18" charset="0"/>
+                <a:cs typeface="Times New Roman" pitchFamily="18" charset="0"/>
+              </a:rPr>
+              <a:t>Mục</a:t>
+            </a:r>
+            <a:r>
+              <a:rPr lang="en-US" dirty="0" smtClean="0">
+                <a:latin typeface="Times New Roman" pitchFamily="18" charset="0"/>
+                <a:cs typeface="Times New Roman" pitchFamily="18" charset="0"/>
+              </a:rPr>
+              <a:t> </a:t>
+            </a:r>
+            <a:r>
+              <a:rPr lang="en-US" dirty="0" err="1" smtClean="0">
+                <a:latin typeface="Times New Roman" pitchFamily="18" charset="0"/>
+                <a:cs typeface="Times New Roman" pitchFamily="18" charset="0"/>
+              </a:rPr>
+              <a:t>tiêu</a:t>
+            </a:r>
+            <a:r>
+              <a:rPr lang="en-US" dirty="0" smtClean="0">
+                <a:latin typeface="Times New Roman" pitchFamily="18" charset="0"/>
+                <a:cs typeface="Times New Roman" pitchFamily="18" charset="0"/>
+              </a:rPr>
+              <a:t> </a:t>
+            </a:r>
+            <a:r>
+              <a:rPr lang="en-US" dirty="0" err="1" smtClean="0">
+                <a:latin typeface="Times New Roman" pitchFamily="18" charset="0"/>
+                <a:cs typeface="Times New Roman" pitchFamily="18" charset="0"/>
+              </a:rPr>
+              <a:t>và</a:t>
+            </a:r>
+            <a:r>
+              <a:rPr lang="en-US" dirty="0" smtClean="0">
+                <a:latin typeface="Times New Roman" pitchFamily="18" charset="0"/>
+                <a:cs typeface="Times New Roman" pitchFamily="18" charset="0"/>
+              </a:rPr>
+              <a:t> </a:t>
+            </a:r>
+            <a:r>
+              <a:rPr lang="en-US" dirty="0" err="1" smtClean="0">
+                <a:latin typeface="Times New Roman" pitchFamily="18" charset="0"/>
+                <a:cs typeface="Times New Roman" pitchFamily="18" charset="0"/>
+              </a:rPr>
+              <a:t>phạm</a:t>
+            </a:r>
+            <a:r>
+              <a:rPr lang="en-US" dirty="0" smtClean="0">
+                <a:latin typeface="Times New Roman" pitchFamily="18" charset="0"/>
+                <a:cs typeface="Times New Roman" pitchFamily="18" charset="0"/>
+              </a:rPr>
+              <a:t> vi </a:t>
+            </a:r>
+            <a:r>
+              <a:rPr lang="en-US" dirty="0" err="1" smtClean="0">
+                <a:latin typeface="Times New Roman" pitchFamily="18" charset="0"/>
+                <a:cs typeface="Times New Roman" pitchFamily="18" charset="0"/>
+              </a:rPr>
+              <a:t>của</a:t>
+            </a:r>
+            <a:r>
+              <a:rPr lang="en-US" dirty="0" smtClean="0">
+                <a:latin typeface="Times New Roman" pitchFamily="18" charset="0"/>
+                <a:cs typeface="Times New Roman" pitchFamily="18" charset="0"/>
+              </a:rPr>
+              <a:t> </a:t>
+            </a:r>
+            <a:r>
+              <a:rPr lang="en-US" dirty="0" err="1" smtClean="0">
+                <a:latin typeface="Times New Roman" pitchFamily="18" charset="0"/>
+                <a:cs typeface="Times New Roman" pitchFamily="18" charset="0"/>
+              </a:rPr>
+              <a:t>đề</a:t>
+            </a:r>
+            <a:r>
+              <a:rPr lang="en-US" dirty="0" smtClean="0">
+                <a:latin typeface="Times New Roman" pitchFamily="18" charset="0"/>
+                <a:cs typeface="Times New Roman" pitchFamily="18" charset="0"/>
+              </a:rPr>
+              <a:t> </a:t>
+            </a:r>
+            <a:r>
+              <a:rPr lang="en-US" dirty="0" err="1" smtClean="0">
+                <a:latin typeface="Times New Roman" pitchFamily="18" charset="0"/>
+                <a:cs typeface="Times New Roman" pitchFamily="18" charset="0"/>
+              </a:rPr>
+              <a:t>tài</a:t>
+            </a:r>
+            <a:r>
+              <a:rPr lang="en-US" dirty="0" smtClean="0">
+                <a:latin typeface="Times New Roman" pitchFamily="18" charset="0"/>
+                <a:cs typeface="Times New Roman" pitchFamily="18" charset="0"/>
+              </a:rPr>
+              <a:t>.</a:t>
+            </a:r>
+          </a:p>
+          <a:p>
+            <a:r>
+              <a:rPr lang="en-US" dirty="0" err="1" smtClean="0">
+                <a:latin typeface="Times New Roman" pitchFamily="18" charset="0"/>
+                <a:cs typeface="Times New Roman" pitchFamily="18" charset="0"/>
+              </a:rPr>
+              <a:t>Kiến</a:t>
+            </a:r>
+            <a:r>
+              <a:rPr lang="en-US" dirty="0" smtClean="0">
+                <a:latin typeface="Times New Roman" pitchFamily="18" charset="0"/>
+                <a:cs typeface="Times New Roman" pitchFamily="18" charset="0"/>
+              </a:rPr>
+              <a:t> </a:t>
+            </a:r>
+            <a:r>
+              <a:rPr lang="en-US" dirty="0" err="1" smtClean="0">
+                <a:latin typeface="Times New Roman" pitchFamily="18" charset="0"/>
+                <a:cs typeface="Times New Roman" pitchFamily="18" charset="0"/>
+              </a:rPr>
+              <a:t>trúc</a:t>
+            </a:r>
+            <a:r>
+              <a:rPr lang="en-US" dirty="0" smtClean="0">
+                <a:latin typeface="Times New Roman" pitchFamily="18" charset="0"/>
+                <a:cs typeface="Times New Roman" pitchFamily="18" charset="0"/>
+              </a:rPr>
+              <a:t> </a:t>
+            </a:r>
+            <a:r>
+              <a:rPr lang="en-US" dirty="0" err="1" smtClean="0">
+                <a:latin typeface="Times New Roman" pitchFamily="18" charset="0"/>
+                <a:cs typeface="Times New Roman" pitchFamily="18" charset="0"/>
+              </a:rPr>
+              <a:t>và</a:t>
+            </a:r>
+            <a:r>
+              <a:rPr lang="en-US" dirty="0" smtClean="0">
+                <a:latin typeface="Times New Roman" pitchFamily="18" charset="0"/>
+                <a:cs typeface="Times New Roman" pitchFamily="18" charset="0"/>
+              </a:rPr>
+              <a:t> </a:t>
+            </a:r>
+            <a:r>
+              <a:rPr lang="en-US" dirty="0" err="1" smtClean="0">
+                <a:latin typeface="Times New Roman" pitchFamily="18" charset="0"/>
+                <a:cs typeface="Times New Roman" pitchFamily="18" charset="0"/>
+              </a:rPr>
+              <a:t>chức</a:t>
+            </a:r>
+            <a:r>
+              <a:rPr lang="en-US" dirty="0" smtClean="0">
+                <a:latin typeface="Times New Roman" pitchFamily="18" charset="0"/>
+                <a:cs typeface="Times New Roman" pitchFamily="18" charset="0"/>
+              </a:rPr>
+              <a:t> </a:t>
+            </a:r>
+            <a:r>
+              <a:rPr lang="en-US" dirty="0" err="1" smtClean="0">
+                <a:latin typeface="Times New Roman" pitchFamily="18" charset="0"/>
+                <a:cs typeface="Times New Roman" pitchFamily="18" charset="0"/>
+              </a:rPr>
+              <a:t>năng</a:t>
+            </a:r>
+            <a:r>
+              <a:rPr lang="en-US" dirty="0" smtClean="0">
+                <a:latin typeface="Times New Roman" pitchFamily="18" charset="0"/>
+                <a:cs typeface="Times New Roman" pitchFamily="18" charset="0"/>
+              </a:rPr>
+              <a:t> </a:t>
+            </a:r>
+            <a:r>
+              <a:rPr lang="en-US" dirty="0" err="1" smtClean="0">
+                <a:latin typeface="Times New Roman" pitchFamily="18" charset="0"/>
+                <a:cs typeface="Times New Roman" pitchFamily="18" charset="0"/>
+              </a:rPr>
+              <a:t>của</a:t>
+            </a:r>
+            <a:r>
+              <a:rPr lang="en-US" dirty="0" smtClean="0">
+                <a:latin typeface="Times New Roman" pitchFamily="18" charset="0"/>
+                <a:cs typeface="Times New Roman" pitchFamily="18" charset="0"/>
+              </a:rPr>
+              <a:t> </a:t>
+            </a:r>
+            <a:r>
+              <a:rPr lang="en-US" dirty="0" err="1" smtClean="0">
+                <a:latin typeface="Times New Roman" pitchFamily="18" charset="0"/>
+                <a:cs typeface="Times New Roman" pitchFamily="18" charset="0"/>
+              </a:rPr>
+              <a:t>hệ</a:t>
+            </a:r>
+            <a:r>
+              <a:rPr lang="en-US" dirty="0" smtClean="0">
+                <a:latin typeface="Times New Roman" pitchFamily="18" charset="0"/>
+                <a:cs typeface="Times New Roman" pitchFamily="18" charset="0"/>
+              </a:rPr>
+              <a:t> </a:t>
+            </a:r>
+            <a:r>
+              <a:rPr lang="en-US" dirty="0" err="1" smtClean="0">
+                <a:latin typeface="Times New Roman" pitchFamily="18" charset="0"/>
+                <a:cs typeface="Times New Roman" pitchFamily="18" charset="0"/>
+              </a:rPr>
+              <a:t>thống</a:t>
+            </a:r>
+            <a:r>
+              <a:rPr lang="en-US" dirty="0" smtClean="0">
+                <a:latin typeface="Times New Roman" pitchFamily="18" charset="0"/>
+                <a:cs typeface="Times New Roman" pitchFamily="18" charset="0"/>
+              </a:rPr>
+              <a:t>.</a:t>
+            </a:r>
+          </a:p>
+          <a:p>
+            <a:pPr lvl="0"/>
+            <a:r>
+              <a:rPr lang="en-US" dirty="0" err="1" smtClean="0">
+                <a:latin typeface="Times New Roman" pitchFamily="18" charset="0"/>
+                <a:cs typeface="Times New Roman" pitchFamily="18" charset="0"/>
+              </a:rPr>
+              <a:t>Các</a:t>
+            </a:r>
+            <a:r>
+              <a:rPr lang="en-US" dirty="0" smtClean="0">
+                <a:latin typeface="Times New Roman" pitchFamily="18" charset="0"/>
+                <a:cs typeface="Times New Roman" pitchFamily="18" charset="0"/>
+              </a:rPr>
+              <a:t> </a:t>
+            </a:r>
+            <a:r>
+              <a:rPr lang="en-US" dirty="0" err="1" smtClean="0">
+                <a:latin typeface="Times New Roman" pitchFamily="18" charset="0"/>
+                <a:cs typeface="Times New Roman" pitchFamily="18" charset="0"/>
+              </a:rPr>
+              <a:t>ứng</a:t>
+            </a:r>
+            <a:r>
+              <a:rPr lang="en-US" dirty="0" smtClean="0">
+                <a:latin typeface="Times New Roman" pitchFamily="18" charset="0"/>
+                <a:cs typeface="Times New Roman" pitchFamily="18" charset="0"/>
+              </a:rPr>
+              <a:t> </a:t>
+            </a:r>
+            <a:r>
+              <a:rPr lang="en-US" dirty="0" err="1" smtClean="0">
+                <a:latin typeface="Times New Roman" pitchFamily="18" charset="0"/>
+                <a:cs typeface="Times New Roman" pitchFamily="18" charset="0"/>
+              </a:rPr>
+              <a:t>dụng</a:t>
+            </a:r>
+            <a:r>
+              <a:rPr lang="en-US" dirty="0" smtClean="0">
+                <a:latin typeface="Times New Roman" pitchFamily="18" charset="0"/>
+                <a:cs typeface="Times New Roman" pitchFamily="18" charset="0"/>
+              </a:rPr>
+              <a:t> </a:t>
+            </a:r>
+            <a:r>
+              <a:rPr lang="en-US" dirty="0" err="1" smtClean="0">
+                <a:latin typeface="Times New Roman" pitchFamily="18" charset="0"/>
+                <a:cs typeface="Times New Roman" pitchFamily="18" charset="0"/>
+              </a:rPr>
+              <a:t>và</a:t>
+            </a:r>
+            <a:r>
+              <a:rPr lang="en-US" dirty="0" smtClean="0">
+                <a:latin typeface="Times New Roman" pitchFamily="18" charset="0"/>
+                <a:cs typeface="Times New Roman" pitchFamily="18" charset="0"/>
+              </a:rPr>
+              <a:t> </a:t>
+            </a:r>
+            <a:r>
+              <a:rPr lang="en-US" dirty="0" err="1" smtClean="0">
+                <a:latin typeface="Times New Roman" pitchFamily="18" charset="0"/>
+                <a:cs typeface="Times New Roman" pitchFamily="18" charset="0"/>
+              </a:rPr>
+              <a:t>nghiên</a:t>
+            </a:r>
+            <a:r>
+              <a:rPr lang="en-US" dirty="0" smtClean="0">
+                <a:latin typeface="Times New Roman" pitchFamily="18" charset="0"/>
+                <a:cs typeface="Times New Roman" pitchFamily="18" charset="0"/>
+              </a:rPr>
+              <a:t> </a:t>
+            </a:r>
+            <a:r>
+              <a:rPr lang="en-US" dirty="0" err="1" smtClean="0">
+                <a:latin typeface="Times New Roman" pitchFamily="18" charset="0"/>
+                <a:cs typeface="Times New Roman" pitchFamily="18" charset="0"/>
+              </a:rPr>
+              <a:t>cứu</a:t>
+            </a:r>
+            <a:r>
+              <a:rPr lang="en-US" dirty="0" smtClean="0">
+                <a:latin typeface="Times New Roman" pitchFamily="18" charset="0"/>
+                <a:cs typeface="Times New Roman" pitchFamily="18" charset="0"/>
+              </a:rPr>
+              <a:t> </a:t>
+            </a:r>
+            <a:r>
+              <a:rPr lang="en-US" dirty="0" err="1" smtClean="0">
+                <a:latin typeface="Times New Roman" pitchFamily="18" charset="0"/>
+                <a:cs typeface="Times New Roman" pitchFamily="18" charset="0"/>
+              </a:rPr>
+              <a:t>liên</a:t>
+            </a:r>
+            <a:r>
+              <a:rPr lang="en-US" dirty="0" smtClean="0">
+                <a:latin typeface="Times New Roman" pitchFamily="18" charset="0"/>
+                <a:cs typeface="Times New Roman" pitchFamily="18" charset="0"/>
+              </a:rPr>
+              <a:t> </a:t>
+            </a:r>
+            <a:r>
+              <a:rPr lang="en-US" dirty="0" err="1" smtClean="0">
+                <a:latin typeface="Times New Roman" pitchFamily="18" charset="0"/>
+                <a:cs typeface="Times New Roman" pitchFamily="18" charset="0"/>
+              </a:rPr>
+              <a:t>quan</a:t>
+            </a:r>
+            <a:r>
+              <a:rPr lang="en-US" dirty="0" smtClean="0">
+                <a:latin typeface="Times New Roman" pitchFamily="18" charset="0"/>
+                <a:cs typeface="Times New Roman" pitchFamily="18" charset="0"/>
+              </a:rPr>
+              <a:t>.</a:t>
+            </a:r>
+            <a:endParaRPr lang="en-US" sz="2400" dirty="0" smtClean="0">
+              <a:latin typeface="Times New Roman" pitchFamily="18" charset="0"/>
+              <a:cs typeface="Times New Roman" pitchFamily="18" charset="0"/>
+            </a:endParaRPr>
+          </a:p>
+          <a:p>
+            <a:pPr lvl="0"/>
+            <a:r>
+              <a:rPr lang="en-US" dirty="0" err="1" smtClean="0">
+                <a:latin typeface="Times New Roman" pitchFamily="18" charset="0"/>
+                <a:cs typeface="Times New Roman" pitchFamily="18" charset="0"/>
+              </a:rPr>
+              <a:t>Kế</a:t>
+            </a:r>
+            <a:r>
+              <a:rPr lang="en-US" dirty="0" smtClean="0">
+                <a:latin typeface="Times New Roman" pitchFamily="18" charset="0"/>
+                <a:cs typeface="Times New Roman" pitchFamily="18" charset="0"/>
+              </a:rPr>
+              <a:t> </a:t>
+            </a:r>
+            <a:r>
+              <a:rPr lang="en-US" dirty="0" err="1" smtClean="0">
+                <a:latin typeface="Times New Roman" pitchFamily="18" charset="0"/>
+                <a:cs typeface="Times New Roman" pitchFamily="18" charset="0"/>
+              </a:rPr>
+              <a:t>hoạch</a:t>
+            </a:r>
+            <a:r>
+              <a:rPr lang="en-US" dirty="0" smtClean="0">
+                <a:latin typeface="Times New Roman" pitchFamily="18" charset="0"/>
+                <a:cs typeface="Times New Roman" pitchFamily="18" charset="0"/>
+              </a:rPr>
+              <a:t> </a:t>
+            </a:r>
+            <a:r>
+              <a:rPr lang="en-US" dirty="0" err="1" smtClean="0">
+                <a:latin typeface="Times New Roman" pitchFamily="18" charset="0"/>
+                <a:cs typeface="Times New Roman" pitchFamily="18" charset="0"/>
+              </a:rPr>
+              <a:t>triển</a:t>
+            </a:r>
+            <a:r>
+              <a:rPr lang="en-US" dirty="0" smtClean="0">
+                <a:latin typeface="Times New Roman" pitchFamily="18" charset="0"/>
+                <a:cs typeface="Times New Roman" pitchFamily="18" charset="0"/>
+              </a:rPr>
+              <a:t> </a:t>
+            </a:r>
+            <a:r>
+              <a:rPr lang="en-US" dirty="0" err="1" smtClean="0">
+                <a:latin typeface="Times New Roman" pitchFamily="18" charset="0"/>
+                <a:cs typeface="Times New Roman" pitchFamily="18" charset="0"/>
+              </a:rPr>
+              <a:t>khai</a:t>
+            </a:r>
+            <a:r>
+              <a:rPr lang="en-US" dirty="0" smtClean="0">
+                <a:latin typeface="Times New Roman" pitchFamily="18" charset="0"/>
+                <a:cs typeface="Times New Roman" pitchFamily="18" charset="0"/>
+              </a:rPr>
+              <a:t>.</a:t>
+            </a:r>
+            <a:endParaRPr lang="en-US" sz="2000" dirty="0" smtClean="0">
+              <a:latin typeface="Times New Roman" pitchFamily="18" charset="0"/>
+              <a:cs typeface="Times New Roman" pitchFamily="18" charset="0"/>
+            </a:endParaRPr>
+          </a:p>
+          <a:p>
+            <a:pPr lvl="0"/>
+            <a:r>
+              <a:rPr lang="en-US" dirty="0" err="1" smtClean="0">
+                <a:latin typeface="Times New Roman" pitchFamily="18" charset="0"/>
+                <a:cs typeface="Times New Roman" pitchFamily="18" charset="0"/>
+              </a:rPr>
+              <a:t>Kết</a:t>
+            </a:r>
+            <a:r>
+              <a:rPr lang="en-US" dirty="0" smtClean="0">
+                <a:latin typeface="Times New Roman" pitchFamily="18" charset="0"/>
+                <a:cs typeface="Times New Roman" pitchFamily="18" charset="0"/>
+              </a:rPr>
+              <a:t> </a:t>
+            </a:r>
+            <a:r>
+              <a:rPr lang="en-US" dirty="0" err="1" smtClean="0">
+                <a:latin typeface="Times New Roman" pitchFamily="18" charset="0"/>
+                <a:cs typeface="Times New Roman" pitchFamily="18" charset="0"/>
+              </a:rPr>
+              <a:t>quả</a:t>
+            </a:r>
+            <a:r>
+              <a:rPr lang="en-US" dirty="0" smtClean="0">
+                <a:latin typeface="Times New Roman" pitchFamily="18" charset="0"/>
+                <a:cs typeface="Times New Roman" pitchFamily="18" charset="0"/>
+              </a:rPr>
+              <a:t> </a:t>
+            </a:r>
+            <a:r>
+              <a:rPr lang="en-US" dirty="0" err="1" smtClean="0">
+                <a:latin typeface="Times New Roman" pitchFamily="18" charset="0"/>
+                <a:cs typeface="Times New Roman" pitchFamily="18" charset="0"/>
+              </a:rPr>
+              <a:t>dự</a:t>
+            </a:r>
+            <a:r>
+              <a:rPr lang="en-US" dirty="0" smtClean="0">
+                <a:latin typeface="Times New Roman" pitchFamily="18" charset="0"/>
+                <a:cs typeface="Times New Roman" pitchFamily="18" charset="0"/>
+              </a:rPr>
+              <a:t> </a:t>
+            </a:r>
+            <a:r>
+              <a:rPr lang="en-US" dirty="0" err="1" smtClean="0">
+                <a:latin typeface="Times New Roman" pitchFamily="18" charset="0"/>
+                <a:cs typeface="Times New Roman" pitchFamily="18" charset="0"/>
+              </a:rPr>
+              <a:t>kiến</a:t>
+            </a:r>
+            <a:r>
+              <a:rPr lang="en-US" dirty="0" smtClean="0">
+                <a:latin typeface="Times New Roman" pitchFamily="18" charset="0"/>
+                <a:cs typeface="Times New Roman" pitchFamily="18" charset="0"/>
+              </a:rPr>
+              <a:t>.</a:t>
+            </a:r>
+            <a:endParaRPr lang="en-US" sz="2400" dirty="0" smtClean="0">
+              <a:latin typeface="Times New Roman" pitchFamily="18" charset="0"/>
+              <a:cs typeface="Times New Roman" pitchFamily="18" charset="0"/>
+            </a:endParaRPr>
+          </a:p>
+          <a:p>
+            <a:pPr lvl="0"/>
+            <a:r>
+              <a:rPr lang="en-US" dirty="0" err="1" smtClean="0">
+                <a:latin typeface="Times New Roman" pitchFamily="18" charset="0"/>
+                <a:cs typeface="Times New Roman" pitchFamily="18" charset="0"/>
+              </a:rPr>
+              <a:t>Các</a:t>
+            </a:r>
+            <a:r>
+              <a:rPr lang="en-US" dirty="0" smtClean="0">
+                <a:latin typeface="Times New Roman" pitchFamily="18" charset="0"/>
+                <a:cs typeface="Times New Roman" pitchFamily="18" charset="0"/>
+              </a:rPr>
+              <a:t> </a:t>
+            </a:r>
+            <a:r>
+              <a:rPr lang="en-US" dirty="0" err="1" smtClean="0">
+                <a:latin typeface="Times New Roman" pitchFamily="18" charset="0"/>
+                <a:cs typeface="Times New Roman" pitchFamily="18" charset="0"/>
+              </a:rPr>
+              <a:t>tài</a:t>
+            </a:r>
+            <a:r>
+              <a:rPr lang="en-US" dirty="0" smtClean="0">
+                <a:latin typeface="Times New Roman" pitchFamily="18" charset="0"/>
+                <a:cs typeface="Times New Roman" pitchFamily="18" charset="0"/>
+              </a:rPr>
+              <a:t> </a:t>
+            </a:r>
+            <a:r>
+              <a:rPr lang="en-US" dirty="0" err="1" smtClean="0">
+                <a:latin typeface="Times New Roman" pitchFamily="18" charset="0"/>
+                <a:cs typeface="Times New Roman" pitchFamily="18" charset="0"/>
+              </a:rPr>
+              <a:t>liệu</a:t>
+            </a:r>
+            <a:r>
+              <a:rPr lang="en-US" dirty="0" smtClean="0">
+                <a:latin typeface="Times New Roman" pitchFamily="18" charset="0"/>
+                <a:cs typeface="Times New Roman" pitchFamily="18" charset="0"/>
+              </a:rPr>
+              <a:t> </a:t>
+            </a:r>
+            <a:r>
+              <a:rPr lang="en-US" dirty="0" err="1" smtClean="0">
+                <a:latin typeface="Times New Roman" pitchFamily="18" charset="0"/>
+                <a:cs typeface="Times New Roman" pitchFamily="18" charset="0"/>
+              </a:rPr>
+              <a:t>tham</a:t>
+            </a:r>
+            <a:r>
+              <a:rPr lang="en-US" dirty="0" smtClean="0">
+                <a:latin typeface="Times New Roman" pitchFamily="18" charset="0"/>
+                <a:cs typeface="Times New Roman" pitchFamily="18" charset="0"/>
+              </a:rPr>
+              <a:t> </a:t>
+            </a:r>
+            <a:r>
+              <a:rPr lang="en-US" dirty="0" err="1" smtClean="0">
+                <a:latin typeface="Times New Roman" pitchFamily="18" charset="0"/>
+                <a:cs typeface="Times New Roman" pitchFamily="18" charset="0"/>
+              </a:rPr>
+              <a:t>khảo</a:t>
+            </a:r>
+            <a:r>
+              <a:rPr lang="en-US" dirty="0" smtClean="0">
+                <a:latin typeface="Times New Roman" pitchFamily="18" charset="0"/>
+                <a:cs typeface="Times New Roman" pitchFamily="18" charset="0"/>
+              </a:rPr>
+              <a:t> </a:t>
+            </a:r>
+            <a:r>
+              <a:rPr lang="en-US" dirty="0" err="1" smtClean="0">
+                <a:latin typeface="Times New Roman" pitchFamily="18" charset="0"/>
+                <a:cs typeface="Times New Roman" pitchFamily="18" charset="0"/>
+              </a:rPr>
+              <a:t>chính</a:t>
+            </a:r>
+            <a:r>
+              <a:rPr lang="en-US" dirty="0" smtClean="0">
+                <a:latin typeface="Times New Roman" pitchFamily="18" charset="0"/>
+                <a:cs typeface="Times New Roman" pitchFamily="18" charset="0"/>
+              </a:rPr>
+              <a:t> </a:t>
+            </a:r>
+            <a:r>
+              <a:rPr lang="en-US" dirty="0" err="1" smtClean="0">
+                <a:latin typeface="Times New Roman" pitchFamily="18" charset="0"/>
+                <a:cs typeface="Times New Roman" pitchFamily="18" charset="0"/>
+              </a:rPr>
+              <a:t>dự</a:t>
+            </a:r>
+            <a:r>
+              <a:rPr lang="en-US" dirty="0" smtClean="0">
+                <a:latin typeface="Times New Roman" pitchFamily="18" charset="0"/>
+                <a:cs typeface="Times New Roman" pitchFamily="18" charset="0"/>
+              </a:rPr>
+              <a:t> </a:t>
+            </a:r>
+            <a:r>
+              <a:rPr lang="en-US" dirty="0" err="1" smtClean="0">
+                <a:latin typeface="Times New Roman" pitchFamily="18" charset="0"/>
+                <a:cs typeface="Times New Roman" pitchFamily="18" charset="0"/>
+              </a:rPr>
+              <a:t>kiến</a:t>
+            </a:r>
+            <a:r>
+              <a:rPr lang="en-US" dirty="0" smtClean="0">
+                <a:latin typeface="Times New Roman" pitchFamily="18" charset="0"/>
+                <a:cs typeface="Times New Roman" pitchFamily="18" charset="0"/>
+              </a:rPr>
+              <a:t>.</a:t>
+            </a:r>
+            <a:endParaRPr lang="en-US" sz="2400" dirty="0" smtClean="0">
+              <a:latin typeface="Times New Roman" pitchFamily="18" charset="0"/>
+              <a:cs typeface="Times New Roman" pitchFamily="18" charset="0"/>
+            </a:endParaRPr>
+          </a:p>
+          <a:p>
+            <a:endParaRPr lang="en-US" dirty="0">
+              <a:latin typeface="Times New Roman" pitchFamily="18" charset="0"/>
+              <a:cs typeface="Times New Roman" pitchFamily="18" charset="0"/>
+            </a:endParaRPr>
+          </a:p>
+        </p:txBody>
+      </p:sp>
+      <p:sp>
+        <p:nvSpPr>
+          <p:cNvPr id="4" name="Slide Number Placeholder 3"/>
+          <p:cNvSpPr>
+            <a:spLocks noGrp="1"/>
+          </p:cNvSpPr>
+          <p:nvPr>
+            <p:ph type="sldNum" sz="quarter" idx="12"/>
+          </p:nvPr>
+        </p:nvSpPr>
+        <p:spPr/>
+        <p:txBody>
+          <a:bodyPr/>
+          <a:lstStyle/>
+          <a:p>
+            <a:fld id="{B6F15528-21DE-4FAA-801E-634DDDAF4B2B}" type="slidenum">
+              <a:rPr lang="en-US" smtClean="0"/>
+              <a:pPr/>
+              <a:t>2</a:t>
+            </a:fld>
+            <a:endParaRPr lang="en-US"/>
+          </a:p>
+        </p:txBody>
+      </p:sp>
+    </p:spTree>
+  </p:cSld>
+  <p:clrMapOvr>
+    <a:masterClrMapping/>
+  </p:clrMapOvr>
+  <p:timing>
+    <p:tnLst>
+      <p:par>
+        <p:cTn id="1" dur="indefinite" restart="never" nodeType="tmRoot"/>
+      </p:par>
+    </p:tnLst>
+  </p:timing>
+</p:sld>
+</file>
+
+<file path=ppt/slides/slide20.xml><?xml version="1.0" encoding="utf-8"?>
+<p:sld xmlns:a="http://schemas.openxmlformats.org/drawingml/2006/main" xmlns:r="http://schemas.openxmlformats.org/officeDocument/2006/relationships" xmlns:p="http://schemas.openxmlformats.org/presentationml/2006/main">
+  <p:cSld>
+    <p:spTree>
+      <p:nvGrpSpPr>
+        <p:cNvPr id="1" name=""/>
+        <p:cNvGrpSpPr/>
+        <p:nvPr/>
+      </p:nvGrpSpPr>
+      <p:grpSpPr>
+        <a:xfrm>
+          <a:off x="0" y="0"/>
+          <a:ext cx="0" cy="0"/>
+          <a:chOff x="0" y="0"/>
+          <a:chExt cx="0" cy="0"/>
+        </a:xfrm>
+      </p:grpSpPr>
+      <p:sp>
+        <p:nvSpPr>
+          <p:cNvPr id="3" name="Content Placeholder 2"/>
+          <p:cNvSpPr>
+            <a:spLocks noGrp="1"/>
+          </p:cNvSpPr>
+          <p:nvPr>
+            <p:ph idx="1"/>
+          </p:nvPr>
+        </p:nvSpPr>
+        <p:spPr/>
+        <p:txBody>
+          <a:bodyPr/>
+          <a:lstStyle/>
+          <a:p>
+            <a:pPr algn="just"/>
+            <a:r>
+              <a:rPr lang="en-US" smtClean="0">
+                <a:latin typeface="Times New Roman" pitchFamily="18" charset="0"/>
+                <a:cs typeface="Times New Roman" pitchFamily="18" charset="0"/>
+              </a:rPr>
+              <a:t>Kết quả tìm kiếm là thông tin của các bài báo khoa học được tìm thấy từ các thư viện số.</a:t>
+            </a:r>
+          </a:p>
+          <a:p>
+            <a:pPr algn="just"/>
+            <a:r>
+              <a:rPr lang="en-US" smtClean="0">
+                <a:latin typeface="Times New Roman" pitchFamily="18" charset="0"/>
+                <a:cs typeface="Times New Roman" pitchFamily="18" charset="0"/>
+              </a:rPr>
+              <a:t>Những tài liệu trùng lặp với database hiện có sẽ được đánh dấu bằng kí tự "D", cho phép người dùng lọc bỏ.</a:t>
+            </a:r>
+          </a:p>
+          <a:p>
+            <a:pPr algn="just"/>
+            <a:r>
+              <a:rPr lang="en-US" smtClean="0">
+                <a:latin typeface="Times New Roman" pitchFamily="18" charset="0"/>
+                <a:cs typeface="Times New Roman" pitchFamily="18" charset="0"/>
+              </a:rPr>
+              <a:t>Chương trình còn có chức năng tìm kiếm và gom nhóm các bài báo trong cơ sở dữ liệu đã có.</a:t>
+            </a:r>
+          </a:p>
+          <a:p>
+            <a:pPr algn="just"/>
+            <a:endParaRPr lang="en-US">
+              <a:latin typeface="Times New Roman" pitchFamily="18" charset="0"/>
+              <a:cs typeface="Times New Roman" pitchFamily="18" charset="0"/>
+            </a:endParaRPr>
+          </a:p>
+        </p:txBody>
+      </p:sp>
+      <p:sp>
+        <p:nvSpPr>
+          <p:cNvPr id="4" name="Title 1"/>
+          <p:cNvSpPr>
+            <a:spLocks noGrp="1"/>
+          </p:cNvSpPr>
+          <p:nvPr>
+            <p:ph type="title"/>
+          </p:nvPr>
+        </p:nvSpPr>
+        <p:spPr/>
+        <p:txBody>
+          <a:bodyPr/>
+          <a:lstStyle/>
+          <a:p>
+            <a:r>
+              <a:rPr lang="en-US" dirty="0" err="1" smtClean="0">
+                <a:latin typeface="Times New Roman" pitchFamily="18" charset="0"/>
+                <a:cs typeface="Times New Roman" pitchFamily="18" charset="0"/>
+              </a:rPr>
+              <a:t>Jabref</a:t>
+            </a:r>
+            <a:endParaRPr lang="en-US" dirty="0"/>
+          </a:p>
+        </p:txBody>
+      </p:sp>
+      <p:sp>
+        <p:nvSpPr>
+          <p:cNvPr id="6" name="Slide Number Placeholder 5"/>
+          <p:cNvSpPr>
+            <a:spLocks noGrp="1"/>
+          </p:cNvSpPr>
+          <p:nvPr>
+            <p:ph type="sldNum" sz="quarter" idx="12"/>
+          </p:nvPr>
+        </p:nvSpPr>
+        <p:spPr/>
+        <p:txBody>
+          <a:bodyPr/>
+          <a:lstStyle/>
+          <a:p>
+            <a:fld id="{B6F15528-21DE-4FAA-801E-634DDDAF4B2B}" type="slidenum">
+              <a:rPr lang="en-US" smtClean="0"/>
+              <a:pPr/>
+              <a:t>20</a:t>
+            </a:fld>
+            <a:endParaRPr lang="en-US"/>
+          </a:p>
+        </p:txBody>
+      </p:sp>
+    </p:spTree>
+  </p:cSld>
+  <p:clrMapOvr>
+    <a:masterClrMapping/>
+  </p:clrMapOvr>
+  <p:timing>
+    <p:tnLst>
+      <p:par>
+        <p:cTn id="1" dur="indefinite" restart="never" nodeType="tmRoot"/>
+      </p:par>
+    </p:tnLst>
+  </p:timing>
+</p:sld>
+</file>
+
+<file path=ppt/slides/slide21.xml><?xml version="1.0" encoding="utf-8"?>
+<p:sld xmlns:a="http://schemas.openxmlformats.org/drawingml/2006/main" xmlns:r="http://schemas.openxmlformats.org/officeDocument/2006/relationships" xmlns:p="http://schemas.openxmlformats.org/presentationml/2006/main">
+  <p:cSld>
+    <p:spTree>
+      <p:nvGrpSpPr>
+        <p:cNvPr id="1" name=""/>
+        <p:cNvGrpSpPr/>
+        <p:nvPr/>
+      </p:nvGrpSpPr>
+      <p:grpSpPr>
+        <a:xfrm>
+          <a:off x="0" y="0"/>
+          <a:ext cx="0" cy="0"/>
+          <a:chOff x="0" y="0"/>
+          <a:chExt cx="0" cy="0"/>
+        </a:xfrm>
+      </p:grpSpPr>
+      <p:sp>
+        <p:nvSpPr>
+          <p:cNvPr id="2" name="Title 1"/>
+          <p:cNvSpPr>
+            <a:spLocks noGrp="1"/>
+          </p:cNvSpPr>
+          <p:nvPr>
+            <p:ph type="title"/>
+          </p:nvPr>
+        </p:nvSpPr>
+        <p:spPr>
+          <a:xfrm>
+            <a:off x="457200" y="381000"/>
+            <a:ext cx="8686800" cy="838200"/>
+          </a:xfrm>
+        </p:spPr>
+        <p:txBody>
+          <a:bodyPr/>
+          <a:lstStyle/>
+          <a:p>
+            <a:r>
+              <a:rPr lang="en-US" dirty="0" smtClean="0">
+                <a:latin typeface="Times New Roman" pitchFamily="18" charset="0"/>
+                <a:cs typeface="Times New Roman" pitchFamily="18" charset="0"/>
+              </a:rPr>
+              <a:t>DBLP</a:t>
+            </a:r>
+            <a:endParaRPr lang="en-US" dirty="0"/>
+          </a:p>
+        </p:txBody>
+      </p:sp>
+      <p:sp>
+        <p:nvSpPr>
+          <p:cNvPr id="3" name="Content Placeholder 2"/>
+          <p:cNvSpPr>
+            <a:spLocks noGrp="1"/>
+          </p:cNvSpPr>
+          <p:nvPr>
+            <p:ph idx="1"/>
+          </p:nvPr>
+        </p:nvSpPr>
         <p:spPr>
           <a:xfrm>
             <a:off x="304800" y="1371600"/>
@@ -7513,15 +9905,46 @@
           </a:p>
         </p:txBody>
       </p:sp>
+      <p:sp>
+        <p:nvSpPr>
+          <p:cNvPr id="4" name="Slide Number Placeholder 3"/>
+          <p:cNvSpPr>
+            <a:spLocks noGrp="1"/>
+          </p:cNvSpPr>
+          <p:nvPr>
+            <p:ph type="sldNum" sz="quarter" idx="12"/>
+          </p:nvPr>
+        </p:nvSpPr>
+        <p:spPr/>
+        <p:txBody>
+          <a:bodyPr/>
+          <a:lstStyle/>
+          <a:p>
+            <a:fld id="{B6F15528-21DE-4FAA-801E-634DDDAF4B2B}" type="slidenum">
+              <a:rPr lang="en-US" smtClean="0"/>
+              <a:pPr/>
+              <a:t>21</a:t>
+            </a:fld>
+            <a:endParaRPr lang="en-US"/>
+          </a:p>
+        </p:txBody>
+      </p:sp>
     </p:spTree>
   </p:cSld>
   <p:clrMapOvr>
     <a:masterClrMapping/>
   </p:clrMapOvr>
+  <p:timing>
+    <p:tnLst>
+      <p:par>
+        <p:cTn id="1" dur="indefinite" restart="never" nodeType="tmRoot"/>
+      </p:par>
+    </p:tnLst>
+  </p:timing>
 </p:sld>
 </file>
 
-<file path=ppt/slides/slide17.xml><?xml version="1.0" encoding="utf-8"?>
+<file path=ppt/slides/slide22.xml><?xml version="1.0" encoding="utf-8"?>
 <p:sld xmlns:a="http://schemas.openxmlformats.org/drawingml/2006/main" xmlns:r="http://schemas.openxmlformats.org/officeDocument/2006/relationships" xmlns:p="http://schemas.openxmlformats.org/presentationml/2006/main">
   <p:cSld>
     <p:spTree>
@@ -8120,6 +10543,30 @@
           </a:p>
         </p:txBody>
       </p:sp>
+      <p:sp>
+        <p:nvSpPr>
+          <p:cNvPr id="16" name="Slide Number Placeholder 15"/>
+          <p:cNvSpPr>
+            <a:spLocks noGrp="1"/>
+          </p:cNvSpPr>
+          <p:nvPr>
+            <p:ph type="sldNum" sz="quarter" idx="12"/>
+          </p:nvPr>
+        </p:nvSpPr>
+        <p:spPr/>
+        <p:txBody>
+          <a:bodyPr/>
+          <a:lstStyle/>
+          <a:p>
+            <a:fld id="{B6F15528-21DE-4FAA-801E-634DDDAF4B2B}" type="slidenum">
+              <a:rPr lang="en-US" smtClean="0"/>
+              <a:pPr/>
+              <a:t>22</a:t>
+            </a:fld>
+            <a:endParaRPr lang="en-US"/>
+          </a:p>
+        </p:txBody>
+      </p:sp>
     </p:spTree>
   </p:cSld>
   <p:clrMapOvr>
@@ -8128,7 +10575,7 @@
 </p:sld>
 </file>
 
-<file path=ppt/slides/slide18.xml><?xml version="1.0" encoding="utf-8"?>
+<file path=ppt/slides/slide23.xml><?xml version="1.0" encoding="utf-8"?>
 <p:sld xmlns:a="http://schemas.openxmlformats.org/drawingml/2006/main" xmlns:r="http://schemas.openxmlformats.org/officeDocument/2006/relationships" xmlns:p="http://schemas.openxmlformats.org/presentationml/2006/main">
   <p:cSld>
     <p:spTree>
@@ -8255,6 +10702,30 @@
           </a:p>
         </p:txBody>
       </p:sp>
+      <p:sp>
+        <p:nvSpPr>
+          <p:cNvPr id="4" name="Slide Number Placeholder 3"/>
+          <p:cNvSpPr>
+            <a:spLocks noGrp="1"/>
+          </p:cNvSpPr>
+          <p:nvPr>
+            <p:ph type="sldNum" sz="quarter" idx="12"/>
+          </p:nvPr>
+        </p:nvSpPr>
+        <p:spPr/>
+        <p:txBody>
+          <a:bodyPr/>
+          <a:lstStyle/>
+          <a:p>
+            <a:fld id="{B6F15528-21DE-4FAA-801E-634DDDAF4B2B}" type="slidenum">
+              <a:rPr lang="en-US" smtClean="0"/>
+              <a:pPr/>
+              <a:t>23</a:t>
+            </a:fld>
+            <a:endParaRPr lang="en-US"/>
+          </a:p>
+        </p:txBody>
+      </p:sp>
     </p:spTree>
   </p:cSld>
   <p:clrMapOvr>
@@ -8263,7 +10734,7 @@
 </p:sld>
 </file>
 
-<file path=ppt/slides/slide19.xml><?xml version="1.0" encoding="utf-8"?>
+<file path=ppt/slides/slide24.xml><?xml version="1.0" encoding="utf-8"?>
 <p:sld xmlns:a="http://schemas.openxmlformats.org/drawingml/2006/main" xmlns:r="http://schemas.openxmlformats.org/officeDocument/2006/relationships" xmlns:p="http://schemas.openxmlformats.org/presentationml/2006/main">
   <p:cSld>
     <p:spTree>
@@ -8876,6 +11347,30 @@
           </a:p>
         </p:txBody>
       </p:sp>
+      <p:sp>
+        <p:nvSpPr>
+          <p:cNvPr id="4" name="Slide Number Placeholder 3"/>
+          <p:cNvSpPr>
+            <a:spLocks noGrp="1"/>
+          </p:cNvSpPr>
+          <p:nvPr>
+            <p:ph type="sldNum" sz="quarter" idx="12"/>
+          </p:nvPr>
+        </p:nvSpPr>
+        <p:spPr/>
+        <p:txBody>
+          <a:bodyPr/>
+          <a:lstStyle/>
+          <a:p>
+            <a:fld id="{B6F15528-21DE-4FAA-801E-634DDDAF4B2B}" type="slidenum">
+              <a:rPr lang="en-US" smtClean="0"/>
+              <a:pPr/>
+              <a:t>24</a:t>
+            </a:fld>
+            <a:endParaRPr lang="en-US"/>
+          </a:p>
+        </p:txBody>
+      </p:sp>
     </p:spTree>
   </p:cSld>
   <p:clrMapOvr>
@@ -8884,7 +11379,7 @@
 </p:sld>
 </file>
 
-<file path=ppt/slides/slide2.xml><?xml version="1.0" encoding="utf-8"?>
+<file path=ppt/slides/slide25.xml><?xml version="1.0" encoding="utf-8"?>
 <p:sld xmlns:a="http://schemas.openxmlformats.org/drawingml/2006/main" xmlns:r="http://schemas.openxmlformats.org/officeDocument/2006/relationships" xmlns:p="http://schemas.openxmlformats.org/presentationml/2006/main">
   <p:cSld>
     <p:spTree>
@@ -8911,57 +11406,140 @@
             <p:ph type="title"/>
           </p:nvPr>
         </p:nvSpPr>
-        <p:spPr>
-          <a:xfrm>
-            <a:off x="152400" y="228600"/>
-            <a:ext cx="8686800" cy="533400"/>
-          </a:xfrm>
-        </p:spPr>
+        <p:spPr/>
         <p:txBody>
           <a:bodyPr>
             <a:normAutofit fontScale="90000"/>
           </a:bodyPr>
           <a:lstStyle/>
           <a:p>
-            <a:r>
-              <a:rPr lang="en-US" dirty="0" err="1" smtClean="0">
-                <a:latin typeface="Times New Roman" pitchFamily="18" charset="0"/>
-                <a:cs typeface="Times New Roman" pitchFamily="18" charset="0"/>
-              </a:rPr>
-              <a:t>Nội</a:t>
-            </a:r>
-            <a:r>
-              <a:rPr lang="en-US" dirty="0" smtClean="0">
-                <a:latin typeface="Times New Roman" pitchFamily="18" charset="0"/>
-                <a:cs typeface="Times New Roman" pitchFamily="18" charset="0"/>
-              </a:rPr>
-              <a:t> dung </a:t>
-            </a:r>
-            <a:r>
-              <a:rPr lang="en-US" dirty="0" err="1" smtClean="0">
-                <a:latin typeface="Times New Roman" pitchFamily="18" charset="0"/>
-                <a:cs typeface="Times New Roman" pitchFamily="18" charset="0"/>
-              </a:rPr>
-              <a:t>báo</a:t>
-            </a:r>
-            <a:r>
-              <a:rPr lang="en-US" dirty="0" smtClean="0">
-                <a:latin typeface="Times New Roman" pitchFamily="18" charset="0"/>
-                <a:cs typeface="Times New Roman" pitchFamily="18" charset="0"/>
-              </a:rPr>
-              <a:t> </a:t>
-            </a:r>
-            <a:r>
-              <a:rPr lang="en-US" dirty="0" err="1" smtClean="0">
-                <a:latin typeface="Times New Roman" pitchFamily="18" charset="0"/>
-                <a:cs typeface="Times New Roman" pitchFamily="18" charset="0"/>
-              </a:rPr>
-              <a:t>cáo</a:t>
-            </a:r>
-            <a:endParaRPr lang="en-US" dirty="0">
-              <a:latin typeface="Times New Roman" pitchFamily="18" charset="0"/>
-              <a:cs typeface="Times New Roman" pitchFamily="18" charset="0"/>
-            </a:endParaRPr>
+            <a:pPr lvl="0"/>
+            <a:r>
+              <a:rPr lang="en-US" dirty="0" err="1" smtClean="0">
+                <a:latin typeface="Times New Roman" pitchFamily="18" charset="0"/>
+                <a:cs typeface="Times New Roman" pitchFamily="18" charset="0"/>
+              </a:rPr>
+              <a:t>Các</a:t>
+            </a:r>
+            <a:r>
+              <a:rPr lang="en-US" dirty="0" smtClean="0">
+                <a:latin typeface="Times New Roman" pitchFamily="18" charset="0"/>
+                <a:cs typeface="Times New Roman" pitchFamily="18" charset="0"/>
+              </a:rPr>
+              <a:t> </a:t>
+            </a:r>
+            <a:r>
+              <a:rPr lang="en-US" dirty="0" err="1" smtClean="0">
+                <a:latin typeface="Times New Roman" pitchFamily="18" charset="0"/>
+                <a:cs typeface="Times New Roman" pitchFamily="18" charset="0"/>
+              </a:rPr>
+              <a:t>tài</a:t>
+            </a:r>
+            <a:r>
+              <a:rPr lang="en-US" dirty="0" smtClean="0">
+                <a:latin typeface="Times New Roman" pitchFamily="18" charset="0"/>
+                <a:cs typeface="Times New Roman" pitchFamily="18" charset="0"/>
+              </a:rPr>
+              <a:t> </a:t>
+            </a:r>
+            <a:r>
+              <a:rPr lang="en-US" dirty="0" err="1" smtClean="0">
+                <a:latin typeface="Times New Roman" pitchFamily="18" charset="0"/>
+                <a:cs typeface="Times New Roman" pitchFamily="18" charset="0"/>
+              </a:rPr>
+              <a:t>liệu</a:t>
+            </a:r>
+            <a:r>
+              <a:rPr lang="en-US" dirty="0" smtClean="0">
+                <a:latin typeface="Times New Roman" pitchFamily="18" charset="0"/>
+                <a:cs typeface="Times New Roman" pitchFamily="18" charset="0"/>
+              </a:rPr>
+              <a:t> </a:t>
+            </a:r>
+            <a:r>
+              <a:rPr lang="en-US" dirty="0" err="1" smtClean="0">
+                <a:latin typeface="Times New Roman" pitchFamily="18" charset="0"/>
+                <a:cs typeface="Times New Roman" pitchFamily="18" charset="0"/>
+              </a:rPr>
+              <a:t>tham</a:t>
+            </a:r>
+            <a:r>
+              <a:rPr lang="en-US" dirty="0" smtClean="0">
+                <a:latin typeface="Times New Roman" pitchFamily="18" charset="0"/>
+                <a:cs typeface="Times New Roman" pitchFamily="18" charset="0"/>
+              </a:rPr>
+              <a:t> </a:t>
+            </a:r>
+            <a:r>
+              <a:rPr lang="en-US" dirty="0" err="1" smtClean="0">
+                <a:latin typeface="Times New Roman" pitchFamily="18" charset="0"/>
+                <a:cs typeface="Times New Roman" pitchFamily="18" charset="0"/>
+              </a:rPr>
+              <a:t>khảo</a:t>
+            </a:r>
+            <a:r>
+              <a:rPr lang="en-US" dirty="0" smtClean="0">
+                <a:latin typeface="Times New Roman" pitchFamily="18" charset="0"/>
+                <a:cs typeface="Times New Roman" pitchFamily="18" charset="0"/>
+              </a:rPr>
+              <a:t> </a:t>
+            </a:r>
+            <a:r>
+              <a:rPr lang="en-US" dirty="0" err="1" smtClean="0">
+                <a:latin typeface="Times New Roman" pitchFamily="18" charset="0"/>
+                <a:cs typeface="Times New Roman" pitchFamily="18" charset="0"/>
+              </a:rPr>
+              <a:t>chính</a:t>
+            </a:r>
+            <a:r>
+              <a:rPr lang="en-US" dirty="0" smtClean="0">
+                <a:latin typeface="Times New Roman" pitchFamily="18" charset="0"/>
+                <a:cs typeface="Times New Roman" pitchFamily="18" charset="0"/>
+              </a:rPr>
+              <a:t> </a:t>
+            </a:r>
+            <a:r>
+              <a:rPr lang="en-US" dirty="0" err="1" smtClean="0">
+                <a:latin typeface="Times New Roman" pitchFamily="18" charset="0"/>
+                <a:cs typeface="Times New Roman" pitchFamily="18" charset="0"/>
+              </a:rPr>
+              <a:t>dự</a:t>
+            </a:r>
+            <a:r>
+              <a:rPr lang="en-US" dirty="0" smtClean="0">
+                <a:latin typeface="Times New Roman" pitchFamily="18" charset="0"/>
+                <a:cs typeface="Times New Roman" pitchFamily="18" charset="0"/>
+              </a:rPr>
+              <a:t> </a:t>
+            </a:r>
+            <a:r>
+              <a:rPr lang="en-US" dirty="0" err="1" smtClean="0">
+                <a:latin typeface="Times New Roman" pitchFamily="18" charset="0"/>
+                <a:cs typeface="Times New Roman" pitchFamily="18" charset="0"/>
+              </a:rPr>
+              <a:t>kiến</a:t>
+            </a:r>
+            <a:r>
+              <a:rPr lang="en-US" dirty="0" smtClean="0">
+                <a:latin typeface="Times New Roman" pitchFamily="18" charset="0"/>
+                <a:cs typeface="Times New Roman" pitchFamily="18" charset="0"/>
+              </a:rPr>
+              <a:t>.</a:t>
+            </a:r>
+            <a:r>
+              <a:rPr lang="en-US" sz="2800" dirty="0" smtClean="0">
+                <a:latin typeface="Times New Roman" pitchFamily="18" charset="0"/>
+                <a:cs typeface="Times New Roman" pitchFamily="18" charset="0"/>
+              </a:rPr>
+              <a:t/>
+            </a:r>
+            <a:br>
+              <a:rPr lang="en-US" sz="2800" dirty="0" smtClean="0">
+                <a:latin typeface="Times New Roman" pitchFamily="18" charset="0"/>
+                <a:cs typeface="Times New Roman" pitchFamily="18" charset="0"/>
+              </a:rPr>
+            </a:br>
+            <a:endParaRPr lang="en-US" dirty="0"/>
           </a:p>
         </p:txBody>
       </p:sp>
@@ -8977,652 +11555,504 @@
         </p:nvSpPr>
         <p:spPr>
           <a:xfrm>
-            <a:off x="304800" y="1371600"/>
-            <a:ext cx="8686800" cy="4876800"/>
+            <a:off x="228600" y="1295400"/>
+            <a:ext cx="8763000" cy="4784725"/>
           </a:xfrm>
         </p:spPr>
         <p:txBody>
           <a:bodyPr>
-            <a:normAutofit/>
+            <a:normAutofit lnSpcReduction="10000"/>
           </a:bodyPr>
           <a:lstStyle/>
           <a:p>
-            <a:pPr lvl="0"/>
-            <a:r>
-              <a:rPr lang="en-US" dirty="0" err="1" smtClean="0">
-                <a:latin typeface="Times New Roman" pitchFamily="18" charset="0"/>
-                <a:cs typeface="Times New Roman" pitchFamily="18" charset="0"/>
-              </a:rPr>
-              <a:t>Đặt</a:t>
-            </a:r>
-            <a:r>
-              <a:rPr lang="en-US" dirty="0" smtClean="0">
-                <a:latin typeface="Times New Roman" pitchFamily="18" charset="0"/>
-                <a:cs typeface="Times New Roman" pitchFamily="18" charset="0"/>
-              </a:rPr>
-              <a:t> </a:t>
-            </a:r>
-            <a:r>
-              <a:rPr lang="en-US" dirty="0" err="1" smtClean="0">
-                <a:latin typeface="Times New Roman" pitchFamily="18" charset="0"/>
-                <a:cs typeface="Times New Roman" pitchFamily="18" charset="0"/>
-              </a:rPr>
-              <a:t>vấn</a:t>
-            </a:r>
-            <a:r>
-              <a:rPr lang="en-US" dirty="0" smtClean="0">
-                <a:latin typeface="Times New Roman" pitchFamily="18" charset="0"/>
-                <a:cs typeface="Times New Roman" pitchFamily="18" charset="0"/>
-              </a:rPr>
-              <a:t> </a:t>
-            </a:r>
-            <a:r>
-              <a:rPr lang="en-US" dirty="0" err="1" smtClean="0">
-                <a:latin typeface="Times New Roman" pitchFamily="18" charset="0"/>
-                <a:cs typeface="Times New Roman" pitchFamily="18" charset="0"/>
-              </a:rPr>
-              <a:t>đề</a:t>
-            </a:r>
-            <a:r>
-              <a:rPr lang="en-US" dirty="0" smtClean="0">
-                <a:latin typeface="Times New Roman" pitchFamily="18" charset="0"/>
-                <a:cs typeface="Times New Roman" pitchFamily="18" charset="0"/>
-              </a:rPr>
-              <a:t>.</a:t>
-            </a:r>
-            <a:endParaRPr lang="en-US" sz="2400" dirty="0" smtClean="0">
-              <a:latin typeface="Times New Roman" pitchFamily="18" charset="0"/>
-              <a:cs typeface="Times New Roman" pitchFamily="18" charset="0"/>
-            </a:endParaRPr>
-          </a:p>
-          <a:p>
-            <a:pPr lvl="0"/>
-            <a:r>
-              <a:rPr lang="en-US" dirty="0" err="1" smtClean="0">
-                <a:latin typeface="Times New Roman" pitchFamily="18" charset="0"/>
-                <a:cs typeface="Times New Roman" pitchFamily="18" charset="0"/>
-              </a:rPr>
-              <a:t>Mục</a:t>
-            </a:r>
-            <a:r>
-              <a:rPr lang="en-US" dirty="0" smtClean="0">
-                <a:latin typeface="Times New Roman" pitchFamily="18" charset="0"/>
-                <a:cs typeface="Times New Roman" pitchFamily="18" charset="0"/>
-              </a:rPr>
-              <a:t> </a:t>
-            </a:r>
-            <a:r>
-              <a:rPr lang="en-US" dirty="0" err="1" smtClean="0">
-                <a:latin typeface="Times New Roman" pitchFamily="18" charset="0"/>
-                <a:cs typeface="Times New Roman" pitchFamily="18" charset="0"/>
-              </a:rPr>
-              <a:t>tiêu</a:t>
-            </a:r>
-            <a:r>
-              <a:rPr lang="en-US" dirty="0" smtClean="0">
-                <a:latin typeface="Times New Roman" pitchFamily="18" charset="0"/>
-                <a:cs typeface="Times New Roman" pitchFamily="18" charset="0"/>
-              </a:rPr>
-              <a:t> </a:t>
-            </a:r>
-            <a:r>
-              <a:rPr lang="en-US" dirty="0" err="1" smtClean="0">
-                <a:latin typeface="Times New Roman" pitchFamily="18" charset="0"/>
-                <a:cs typeface="Times New Roman" pitchFamily="18" charset="0"/>
-              </a:rPr>
-              <a:t>và</a:t>
-            </a:r>
-            <a:r>
-              <a:rPr lang="en-US" dirty="0" smtClean="0">
-                <a:latin typeface="Times New Roman" pitchFamily="18" charset="0"/>
-                <a:cs typeface="Times New Roman" pitchFamily="18" charset="0"/>
-              </a:rPr>
-              <a:t> </a:t>
-            </a:r>
-            <a:r>
-              <a:rPr lang="en-US" dirty="0" err="1" smtClean="0">
-                <a:latin typeface="Times New Roman" pitchFamily="18" charset="0"/>
-                <a:cs typeface="Times New Roman" pitchFamily="18" charset="0"/>
-              </a:rPr>
-              <a:t>phạm</a:t>
-            </a:r>
-            <a:r>
-              <a:rPr lang="en-US" dirty="0" smtClean="0">
-                <a:latin typeface="Times New Roman" pitchFamily="18" charset="0"/>
-                <a:cs typeface="Times New Roman" pitchFamily="18" charset="0"/>
-              </a:rPr>
-              <a:t> vi </a:t>
-            </a:r>
-            <a:r>
-              <a:rPr lang="en-US" dirty="0" err="1" smtClean="0">
-                <a:latin typeface="Times New Roman" pitchFamily="18" charset="0"/>
-                <a:cs typeface="Times New Roman" pitchFamily="18" charset="0"/>
-              </a:rPr>
-              <a:t>của</a:t>
-            </a:r>
-            <a:r>
-              <a:rPr lang="en-US" dirty="0" smtClean="0">
-                <a:latin typeface="Times New Roman" pitchFamily="18" charset="0"/>
-                <a:cs typeface="Times New Roman" pitchFamily="18" charset="0"/>
-              </a:rPr>
-              <a:t> </a:t>
-            </a:r>
-            <a:r>
-              <a:rPr lang="en-US" dirty="0" err="1" smtClean="0">
-                <a:latin typeface="Times New Roman" pitchFamily="18" charset="0"/>
-                <a:cs typeface="Times New Roman" pitchFamily="18" charset="0"/>
-              </a:rPr>
-              <a:t>đề</a:t>
-            </a:r>
-            <a:r>
-              <a:rPr lang="en-US" dirty="0" smtClean="0">
-                <a:latin typeface="Times New Roman" pitchFamily="18" charset="0"/>
-                <a:cs typeface="Times New Roman" pitchFamily="18" charset="0"/>
-              </a:rPr>
-              <a:t> </a:t>
-            </a:r>
-            <a:r>
-              <a:rPr lang="en-US" dirty="0" err="1" smtClean="0">
-                <a:latin typeface="Times New Roman" pitchFamily="18" charset="0"/>
-                <a:cs typeface="Times New Roman" pitchFamily="18" charset="0"/>
-              </a:rPr>
-              <a:t>tài</a:t>
-            </a:r>
-            <a:r>
-              <a:rPr lang="en-US" dirty="0" smtClean="0">
-                <a:latin typeface="Times New Roman" pitchFamily="18" charset="0"/>
-                <a:cs typeface="Times New Roman" pitchFamily="18" charset="0"/>
-              </a:rPr>
-              <a:t>.</a:t>
-            </a:r>
-          </a:p>
-          <a:p>
-            <a:r>
-              <a:rPr lang="en-US" dirty="0" err="1" smtClean="0">
-                <a:latin typeface="Times New Roman" pitchFamily="18" charset="0"/>
-                <a:cs typeface="Times New Roman" pitchFamily="18" charset="0"/>
-              </a:rPr>
-              <a:t>Kiến</a:t>
-            </a:r>
-            <a:r>
-              <a:rPr lang="en-US" dirty="0" smtClean="0">
-                <a:latin typeface="Times New Roman" pitchFamily="18" charset="0"/>
-                <a:cs typeface="Times New Roman" pitchFamily="18" charset="0"/>
-              </a:rPr>
-              <a:t> </a:t>
-            </a:r>
-            <a:r>
-              <a:rPr lang="en-US" dirty="0" err="1" smtClean="0">
-                <a:latin typeface="Times New Roman" pitchFamily="18" charset="0"/>
-                <a:cs typeface="Times New Roman" pitchFamily="18" charset="0"/>
-              </a:rPr>
-              <a:t>trúc</a:t>
-            </a:r>
-            <a:r>
-              <a:rPr lang="en-US" dirty="0" smtClean="0">
-                <a:latin typeface="Times New Roman" pitchFamily="18" charset="0"/>
-                <a:cs typeface="Times New Roman" pitchFamily="18" charset="0"/>
-              </a:rPr>
-              <a:t> </a:t>
-            </a:r>
-            <a:r>
-              <a:rPr lang="en-US" dirty="0" err="1" smtClean="0">
-                <a:latin typeface="Times New Roman" pitchFamily="18" charset="0"/>
-                <a:cs typeface="Times New Roman" pitchFamily="18" charset="0"/>
-              </a:rPr>
-              <a:t>và</a:t>
-            </a:r>
-            <a:r>
-              <a:rPr lang="en-US" dirty="0" smtClean="0">
-                <a:latin typeface="Times New Roman" pitchFamily="18" charset="0"/>
-                <a:cs typeface="Times New Roman" pitchFamily="18" charset="0"/>
-              </a:rPr>
-              <a:t> </a:t>
-            </a:r>
-            <a:r>
-              <a:rPr lang="en-US" dirty="0" err="1" smtClean="0">
-                <a:latin typeface="Times New Roman" pitchFamily="18" charset="0"/>
-                <a:cs typeface="Times New Roman" pitchFamily="18" charset="0"/>
-              </a:rPr>
-              <a:t>chức</a:t>
-            </a:r>
-            <a:r>
-              <a:rPr lang="en-US" dirty="0" smtClean="0">
-                <a:latin typeface="Times New Roman" pitchFamily="18" charset="0"/>
-                <a:cs typeface="Times New Roman" pitchFamily="18" charset="0"/>
-              </a:rPr>
-              <a:t> </a:t>
-            </a:r>
-            <a:r>
-              <a:rPr lang="en-US" dirty="0" err="1" smtClean="0">
-                <a:latin typeface="Times New Roman" pitchFamily="18" charset="0"/>
-                <a:cs typeface="Times New Roman" pitchFamily="18" charset="0"/>
-              </a:rPr>
-              <a:t>năng</a:t>
-            </a:r>
-            <a:r>
-              <a:rPr lang="en-US" dirty="0" smtClean="0">
-                <a:latin typeface="Times New Roman" pitchFamily="18" charset="0"/>
-                <a:cs typeface="Times New Roman" pitchFamily="18" charset="0"/>
-              </a:rPr>
-              <a:t> </a:t>
-            </a:r>
-            <a:r>
-              <a:rPr lang="en-US" dirty="0" err="1" smtClean="0">
-                <a:latin typeface="Times New Roman" pitchFamily="18" charset="0"/>
-                <a:cs typeface="Times New Roman" pitchFamily="18" charset="0"/>
-              </a:rPr>
-              <a:t>của</a:t>
-            </a:r>
-            <a:r>
-              <a:rPr lang="en-US" dirty="0" smtClean="0">
-                <a:latin typeface="Times New Roman" pitchFamily="18" charset="0"/>
-                <a:cs typeface="Times New Roman" pitchFamily="18" charset="0"/>
-              </a:rPr>
-              <a:t> </a:t>
-            </a:r>
-            <a:r>
-              <a:rPr lang="en-US" dirty="0" err="1" smtClean="0">
-                <a:latin typeface="Times New Roman" pitchFamily="18" charset="0"/>
-                <a:cs typeface="Times New Roman" pitchFamily="18" charset="0"/>
-              </a:rPr>
-              <a:t>hệ</a:t>
-            </a:r>
-            <a:r>
-              <a:rPr lang="en-US" dirty="0" smtClean="0">
-                <a:latin typeface="Times New Roman" pitchFamily="18" charset="0"/>
-                <a:cs typeface="Times New Roman" pitchFamily="18" charset="0"/>
-              </a:rPr>
-              <a:t> </a:t>
-            </a:r>
-            <a:r>
-              <a:rPr lang="en-US" dirty="0" err="1" smtClean="0">
-                <a:latin typeface="Times New Roman" pitchFamily="18" charset="0"/>
-                <a:cs typeface="Times New Roman" pitchFamily="18" charset="0"/>
-              </a:rPr>
-              <a:t>thống</a:t>
-            </a:r>
-            <a:r>
-              <a:rPr lang="en-US" dirty="0" smtClean="0">
-                <a:latin typeface="Times New Roman" pitchFamily="18" charset="0"/>
-                <a:cs typeface="Times New Roman" pitchFamily="18" charset="0"/>
-              </a:rPr>
-              <a:t>.</a:t>
-            </a:r>
-            <a:endParaRPr lang="en-US" dirty="0" smtClean="0">
-              <a:latin typeface="Times New Roman" pitchFamily="18" charset="0"/>
-              <a:cs typeface="Times New Roman" pitchFamily="18" charset="0"/>
-            </a:endParaRPr>
-          </a:p>
-          <a:p>
-            <a:pPr lvl="0"/>
-            <a:r>
-              <a:rPr lang="en-US" dirty="0" err="1" smtClean="0">
-                <a:latin typeface="Times New Roman" pitchFamily="18" charset="0"/>
-                <a:cs typeface="Times New Roman" pitchFamily="18" charset="0"/>
-              </a:rPr>
-              <a:t>Các</a:t>
-            </a:r>
-            <a:r>
-              <a:rPr lang="en-US" dirty="0" smtClean="0">
-                <a:latin typeface="Times New Roman" pitchFamily="18" charset="0"/>
-                <a:cs typeface="Times New Roman" pitchFamily="18" charset="0"/>
-              </a:rPr>
-              <a:t> </a:t>
-            </a:r>
-            <a:r>
-              <a:rPr lang="en-US" dirty="0" err="1" smtClean="0">
-                <a:latin typeface="Times New Roman" pitchFamily="18" charset="0"/>
-                <a:cs typeface="Times New Roman" pitchFamily="18" charset="0"/>
-              </a:rPr>
-              <a:t>ứng</a:t>
-            </a:r>
-            <a:r>
-              <a:rPr lang="en-US" dirty="0" smtClean="0">
-                <a:latin typeface="Times New Roman" pitchFamily="18" charset="0"/>
-                <a:cs typeface="Times New Roman" pitchFamily="18" charset="0"/>
-              </a:rPr>
-              <a:t> </a:t>
-            </a:r>
-            <a:r>
-              <a:rPr lang="en-US" dirty="0" err="1" smtClean="0">
-                <a:latin typeface="Times New Roman" pitchFamily="18" charset="0"/>
-                <a:cs typeface="Times New Roman" pitchFamily="18" charset="0"/>
-              </a:rPr>
-              <a:t>dụng</a:t>
-            </a:r>
-            <a:r>
-              <a:rPr lang="en-US" dirty="0" smtClean="0">
-                <a:latin typeface="Times New Roman" pitchFamily="18" charset="0"/>
-                <a:cs typeface="Times New Roman" pitchFamily="18" charset="0"/>
-              </a:rPr>
-              <a:t> </a:t>
-            </a:r>
-            <a:r>
-              <a:rPr lang="en-US" dirty="0" err="1" smtClean="0">
-                <a:latin typeface="Times New Roman" pitchFamily="18" charset="0"/>
-                <a:cs typeface="Times New Roman" pitchFamily="18" charset="0"/>
-              </a:rPr>
-              <a:t>và</a:t>
-            </a:r>
-            <a:r>
-              <a:rPr lang="en-US" dirty="0" smtClean="0">
-                <a:latin typeface="Times New Roman" pitchFamily="18" charset="0"/>
-                <a:cs typeface="Times New Roman" pitchFamily="18" charset="0"/>
-              </a:rPr>
-              <a:t> </a:t>
-            </a:r>
-            <a:r>
-              <a:rPr lang="en-US" dirty="0" err="1" smtClean="0">
-                <a:latin typeface="Times New Roman" pitchFamily="18" charset="0"/>
-                <a:cs typeface="Times New Roman" pitchFamily="18" charset="0"/>
-              </a:rPr>
-              <a:t>nghiên</a:t>
-            </a:r>
-            <a:r>
-              <a:rPr lang="en-US" dirty="0" smtClean="0">
-                <a:latin typeface="Times New Roman" pitchFamily="18" charset="0"/>
-                <a:cs typeface="Times New Roman" pitchFamily="18" charset="0"/>
-              </a:rPr>
-              <a:t> </a:t>
-            </a:r>
-            <a:r>
-              <a:rPr lang="en-US" dirty="0" err="1" smtClean="0">
-                <a:latin typeface="Times New Roman" pitchFamily="18" charset="0"/>
-                <a:cs typeface="Times New Roman" pitchFamily="18" charset="0"/>
-              </a:rPr>
-              <a:t>cứu</a:t>
-            </a:r>
-            <a:r>
-              <a:rPr lang="en-US" dirty="0" smtClean="0">
-                <a:latin typeface="Times New Roman" pitchFamily="18" charset="0"/>
-                <a:cs typeface="Times New Roman" pitchFamily="18" charset="0"/>
-              </a:rPr>
-              <a:t> </a:t>
-            </a:r>
-            <a:r>
-              <a:rPr lang="en-US" dirty="0" err="1" smtClean="0">
-                <a:latin typeface="Times New Roman" pitchFamily="18" charset="0"/>
-                <a:cs typeface="Times New Roman" pitchFamily="18" charset="0"/>
-              </a:rPr>
-              <a:t>liên</a:t>
-            </a:r>
-            <a:r>
-              <a:rPr lang="en-US" dirty="0" smtClean="0">
-                <a:latin typeface="Times New Roman" pitchFamily="18" charset="0"/>
-                <a:cs typeface="Times New Roman" pitchFamily="18" charset="0"/>
-              </a:rPr>
-              <a:t> </a:t>
-            </a:r>
-            <a:r>
-              <a:rPr lang="en-US" dirty="0" err="1" smtClean="0">
-                <a:latin typeface="Times New Roman" pitchFamily="18" charset="0"/>
-                <a:cs typeface="Times New Roman" pitchFamily="18" charset="0"/>
-              </a:rPr>
-              <a:t>quan</a:t>
-            </a:r>
-            <a:r>
-              <a:rPr lang="en-US" dirty="0" smtClean="0">
-                <a:latin typeface="Times New Roman" pitchFamily="18" charset="0"/>
-                <a:cs typeface="Times New Roman" pitchFamily="18" charset="0"/>
-              </a:rPr>
-              <a:t>.</a:t>
-            </a:r>
-            <a:endParaRPr lang="en-US" sz="2400" dirty="0" smtClean="0">
-              <a:latin typeface="Times New Roman" pitchFamily="18" charset="0"/>
-              <a:cs typeface="Times New Roman" pitchFamily="18" charset="0"/>
-            </a:endParaRPr>
-          </a:p>
-          <a:p>
-            <a:pPr lvl="0"/>
-            <a:r>
-              <a:rPr lang="en-US" dirty="0" err="1" smtClean="0">
-                <a:latin typeface="Times New Roman" pitchFamily="18" charset="0"/>
-                <a:cs typeface="Times New Roman" pitchFamily="18" charset="0"/>
-              </a:rPr>
-              <a:t>Kế</a:t>
-            </a:r>
-            <a:r>
-              <a:rPr lang="en-US" dirty="0" smtClean="0">
-                <a:latin typeface="Times New Roman" pitchFamily="18" charset="0"/>
-                <a:cs typeface="Times New Roman" pitchFamily="18" charset="0"/>
-              </a:rPr>
-              <a:t> </a:t>
-            </a:r>
-            <a:r>
-              <a:rPr lang="en-US" dirty="0" err="1" smtClean="0">
-                <a:latin typeface="Times New Roman" pitchFamily="18" charset="0"/>
-                <a:cs typeface="Times New Roman" pitchFamily="18" charset="0"/>
-              </a:rPr>
-              <a:t>hoạch</a:t>
-            </a:r>
-            <a:r>
-              <a:rPr lang="en-US" dirty="0" smtClean="0">
-                <a:latin typeface="Times New Roman" pitchFamily="18" charset="0"/>
-                <a:cs typeface="Times New Roman" pitchFamily="18" charset="0"/>
-              </a:rPr>
-              <a:t> </a:t>
-            </a:r>
-            <a:r>
-              <a:rPr lang="en-US" dirty="0" err="1" smtClean="0">
-                <a:latin typeface="Times New Roman" pitchFamily="18" charset="0"/>
-                <a:cs typeface="Times New Roman" pitchFamily="18" charset="0"/>
-              </a:rPr>
-              <a:t>triển</a:t>
-            </a:r>
-            <a:r>
-              <a:rPr lang="en-US" dirty="0" smtClean="0">
-                <a:latin typeface="Times New Roman" pitchFamily="18" charset="0"/>
-                <a:cs typeface="Times New Roman" pitchFamily="18" charset="0"/>
-              </a:rPr>
-              <a:t> </a:t>
-            </a:r>
-            <a:r>
-              <a:rPr lang="en-US" dirty="0" err="1" smtClean="0">
-                <a:latin typeface="Times New Roman" pitchFamily="18" charset="0"/>
-                <a:cs typeface="Times New Roman" pitchFamily="18" charset="0"/>
-              </a:rPr>
-              <a:t>khai</a:t>
-            </a:r>
-            <a:r>
-              <a:rPr lang="en-US" dirty="0" smtClean="0">
-                <a:latin typeface="Times New Roman" pitchFamily="18" charset="0"/>
-                <a:cs typeface="Times New Roman" pitchFamily="18" charset="0"/>
-              </a:rPr>
-              <a:t>.</a:t>
-            </a:r>
+            <a:pPr>
+              <a:buNone/>
+            </a:pPr>
+            <a:r>
+              <a:rPr lang="en-US" sz="2000" dirty="0" smtClean="0">
+                <a:latin typeface="Times New Roman" pitchFamily="18" charset="0"/>
+                <a:cs typeface="Times New Roman" pitchFamily="18" charset="0"/>
+              </a:rPr>
+              <a:t>[1]</a:t>
+            </a:r>
+            <a:r>
+              <a:rPr lang="en-US" sz="2000" dirty="0" err="1" smtClean="0">
+                <a:latin typeface="Times New Roman" pitchFamily="18" charset="0"/>
+                <a:cs typeface="Times New Roman" pitchFamily="18" charset="0"/>
+              </a:rPr>
+              <a:t>Ashwin</a:t>
+            </a:r>
+            <a:r>
+              <a:rPr lang="en-US" sz="2000" dirty="0" smtClean="0">
+                <a:latin typeface="Times New Roman" pitchFamily="18" charset="0"/>
+                <a:cs typeface="Times New Roman" pitchFamily="18" charset="0"/>
+              </a:rPr>
+              <a:t> </a:t>
+            </a:r>
+            <a:r>
+              <a:rPr lang="en-US" sz="2000" dirty="0" err="1" smtClean="0">
+                <a:latin typeface="Times New Roman" pitchFamily="18" charset="0"/>
+                <a:cs typeface="Times New Roman" pitchFamily="18" charset="0"/>
+              </a:rPr>
+              <a:t>Pulijala</a:t>
+            </a:r>
+            <a:r>
+              <a:rPr lang="en-US" sz="2000" dirty="0" smtClean="0">
+                <a:latin typeface="Times New Roman" pitchFamily="18" charset="0"/>
+                <a:cs typeface="Times New Roman" pitchFamily="18" charset="0"/>
+              </a:rPr>
+              <a:t>. Susan </a:t>
+            </a:r>
+            <a:r>
+              <a:rPr lang="en-US" sz="2000" dirty="0" err="1" smtClean="0">
+                <a:latin typeface="Times New Roman" pitchFamily="18" charset="0"/>
+                <a:cs typeface="Times New Roman" pitchFamily="18" charset="0"/>
+              </a:rPr>
+              <a:t>Gauch</a:t>
+            </a:r>
+            <a:r>
+              <a:rPr lang="en-US" sz="2000" dirty="0" smtClean="0">
+                <a:latin typeface="Times New Roman" pitchFamily="18" charset="0"/>
+                <a:cs typeface="Times New Roman" pitchFamily="18" charset="0"/>
+              </a:rPr>
+              <a:t>. </a:t>
+            </a:r>
+            <a:r>
+              <a:rPr lang="en-US" sz="2000" i="1" dirty="0" smtClean="0">
+                <a:latin typeface="Times New Roman" pitchFamily="18" charset="0"/>
+                <a:cs typeface="Times New Roman" pitchFamily="18" charset="0"/>
+              </a:rPr>
+              <a:t>Hierarchical Text Classification</a:t>
+            </a:r>
+            <a:r>
+              <a:rPr lang="en-US" sz="2000" dirty="0" smtClean="0">
+                <a:latin typeface="Times New Roman" pitchFamily="18" charset="0"/>
+                <a:cs typeface="Times New Roman" pitchFamily="18" charset="0"/>
+              </a:rPr>
+              <a:t>. Department of Electrical Engineering and Computer </a:t>
+            </a:r>
+            <a:r>
+              <a:rPr lang="en-US" sz="2000" dirty="0" err="1" smtClean="0">
+                <a:latin typeface="Times New Roman" pitchFamily="18" charset="0"/>
+                <a:cs typeface="Times New Roman" pitchFamily="18" charset="0"/>
+              </a:rPr>
+              <a:t>ScienceUniversity</a:t>
+            </a:r>
+            <a:r>
+              <a:rPr lang="en-US" sz="2000" dirty="0" smtClean="0">
+                <a:latin typeface="Times New Roman" pitchFamily="18" charset="0"/>
+                <a:cs typeface="Times New Roman" pitchFamily="18" charset="0"/>
+              </a:rPr>
+              <a:t> of Kansas .</a:t>
+            </a:r>
+          </a:p>
+          <a:p>
+            <a:pPr>
+              <a:buNone/>
+            </a:pPr>
+            <a:r>
+              <a:rPr lang="en-US" sz="2000" dirty="0" smtClean="0">
+                <a:latin typeface="Times New Roman" pitchFamily="18" charset="0"/>
+                <a:cs typeface="Times New Roman" pitchFamily="18" charset="0"/>
+              </a:rPr>
+              <a:t>[2] </a:t>
+            </a:r>
+            <a:r>
+              <a:rPr lang="en-US" sz="2000" dirty="0" err="1" smtClean="0">
+                <a:latin typeface="Times New Roman" pitchFamily="18" charset="0"/>
+                <a:cs typeface="Times New Roman" pitchFamily="18" charset="0"/>
+              </a:rPr>
+              <a:t>Aixin</a:t>
+            </a:r>
+            <a:r>
+              <a:rPr lang="en-US" sz="2000" dirty="0" smtClean="0">
+                <a:latin typeface="Times New Roman" pitchFamily="18" charset="0"/>
+                <a:cs typeface="Times New Roman" pitchFamily="18" charset="0"/>
+              </a:rPr>
+              <a:t> Sun and </a:t>
+            </a:r>
+            <a:r>
+              <a:rPr lang="en-US" sz="2000" dirty="0" err="1" smtClean="0">
+                <a:latin typeface="Times New Roman" pitchFamily="18" charset="0"/>
+                <a:cs typeface="Times New Roman" pitchFamily="18" charset="0"/>
+              </a:rPr>
+              <a:t>Ee-Peng</a:t>
+            </a:r>
+            <a:r>
+              <a:rPr lang="en-US" sz="2000" dirty="0" smtClean="0">
+                <a:latin typeface="Times New Roman" pitchFamily="18" charset="0"/>
+                <a:cs typeface="Times New Roman" pitchFamily="18" charset="0"/>
+              </a:rPr>
+              <a:t> Lim. </a:t>
+            </a:r>
+            <a:r>
+              <a:rPr lang="en-US" sz="2000" i="1" dirty="0" smtClean="0">
+                <a:latin typeface="Times New Roman" pitchFamily="18" charset="0"/>
+                <a:cs typeface="Times New Roman" pitchFamily="18" charset="0"/>
+              </a:rPr>
+              <a:t>Hierarchical Text Classification and Evaluation</a:t>
+            </a:r>
+            <a:r>
+              <a:rPr lang="en-US" sz="2000" dirty="0" smtClean="0">
+                <a:latin typeface="Times New Roman" pitchFamily="18" charset="0"/>
+                <a:cs typeface="Times New Roman" pitchFamily="18" charset="0"/>
+              </a:rPr>
+              <a:t>. Center for Advanced Information </a:t>
+            </a:r>
+            <a:r>
+              <a:rPr lang="en-US" sz="2000" dirty="0" err="1" smtClean="0">
+                <a:latin typeface="Times New Roman" pitchFamily="18" charset="0"/>
+                <a:cs typeface="Times New Roman" pitchFamily="18" charset="0"/>
+              </a:rPr>
+              <a:t>SystemsNanyang</a:t>
+            </a:r>
+            <a:r>
+              <a:rPr lang="en-US" sz="2000" dirty="0" smtClean="0">
+                <a:latin typeface="Times New Roman" pitchFamily="18" charset="0"/>
+                <a:cs typeface="Times New Roman" pitchFamily="18" charset="0"/>
+              </a:rPr>
+              <a:t> Technological University</a:t>
+            </a:r>
+          </a:p>
+          <a:p>
+            <a:pPr>
+              <a:buNone/>
+            </a:pPr>
+            <a:r>
+              <a:rPr lang="en-US" sz="2000" dirty="0" smtClean="0">
+                <a:latin typeface="Times New Roman" pitchFamily="18" charset="0"/>
+                <a:cs typeface="Times New Roman" pitchFamily="18" charset="0"/>
+              </a:rPr>
+              <a:t>[3] </a:t>
+            </a:r>
+            <a:r>
+              <a:rPr lang="en-US" sz="2000" dirty="0" err="1" smtClean="0">
+                <a:latin typeface="Times New Roman" pitchFamily="18" charset="0"/>
+                <a:cs typeface="Times New Roman" pitchFamily="18" charset="0"/>
+              </a:rPr>
+              <a:t>Koller</a:t>
+            </a:r>
+            <a:r>
+              <a:rPr lang="en-US" sz="2000" dirty="0" smtClean="0">
+                <a:latin typeface="Times New Roman" pitchFamily="18" charset="0"/>
+                <a:cs typeface="Times New Roman" pitchFamily="18" charset="0"/>
+              </a:rPr>
+              <a:t>  D.  and  </a:t>
+            </a:r>
+            <a:r>
+              <a:rPr lang="en-US" sz="2000" dirty="0" err="1" smtClean="0">
+                <a:latin typeface="Times New Roman" pitchFamily="18" charset="0"/>
+                <a:cs typeface="Times New Roman" pitchFamily="18" charset="0"/>
+              </a:rPr>
+              <a:t>Sahami</a:t>
+            </a:r>
+            <a:r>
+              <a:rPr lang="en-US" sz="2000" dirty="0" smtClean="0">
+                <a:latin typeface="Times New Roman" pitchFamily="18" charset="0"/>
+                <a:cs typeface="Times New Roman" pitchFamily="18" charset="0"/>
+              </a:rPr>
+              <a:t>  M.  (1997).  </a:t>
+            </a:r>
+            <a:r>
+              <a:rPr lang="en-US" sz="2000" i="1" dirty="0" smtClean="0">
+                <a:latin typeface="Times New Roman" pitchFamily="18" charset="0"/>
+                <a:cs typeface="Times New Roman" pitchFamily="18" charset="0"/>
+              </a:rPr>
+              <a:t>Hierarchically  Classifying  Documents  using  Very  Few  Words</a:t>
+            </a:r>
+            <a:r>
+              <a:rPr lang="en-US" sz="2000" dirty="0" smtClean="0">
+                <a:latin typeface="Times New Roman" pitchFamily="18" charset="0"/>
+                <a:cs typeface="Times New Roman" pitchFamily="18" charset="0"/>
+              </a:rPr>
+              <a:t>. International Conference on Machine Learning,  pp.170-178, Volume 14, Morgan-Kauffman.</a:t>
+            </a:r>
+          </a:p>
+          <a:p>
+            <a:pPr>
+              <a:buNone/>
+            </a:pPr>
+            <a:r>
+              <a:rPr lang="en-US" sz="2000" dirty="0" smtClean="0">
+                <a:latin typeface="Times New Roman" pitchFamily="18" charset="0"/>
+                <a:cs typeface="Times New Roman" pitchFamily="18" charset="0"/>
+              </a:rPr>
+              <a:t>[4] T</a:t>
+            </a:r>
+            <a:r>
+              <a:rPr lang="en-US" sz="2000" dirty="0" smtClean="0"/>
+              <a:t>horsten </a:t>
+            </a:r>
+            <a:r>
+              <a:rPr lang="en-US" sz="2000" dirty="0" err="1" smtClean="0"/>
+              <a:t>Joachims</a:t>
+            </a:r>
+            <a:r>
+              <a:rPr lang="en-US" sz="2000" dirty="0" smtClean="0"/>
+              <a:t>.  </a:t>
+            </a:r>
+            <a:r>
+              <a:rPr lang="en-US" sz="2000" i="1" dirty="0" smtClean="0">
+                <a:latin typeface="Times New Roman" pitchFamily="18" charset="0"/>
+                <a:cs typeface="Times New Roman" pitchFamily="18" charset="0"/>
+              </a:rPr>
+              <a:t>Text categorization with SVM </a:t>
+            </a:r>
+            <a:r>
+              <a:rPr lang="en-US" sz="2000" i="1" dirty="0" err="1" smtClean="0">
+                <a:latin typeface="Times New Roman" pitchFamily="18" charset="0"/>
+                <a:cs typeface="Times New Roman" pitchFamily="18" charset="0"/>
+              </a:rPr>
+              <a:t>lear</a:t>
+            </a:r>
+            <a:r>
+              <a:rPr lang="en-US" sz="2000" i="1" dirty="0" smtClean="0">
+                <a:latin typeface="Times New Roman" pitchFamily="18" charset="0"/>
+                <a:cs typeface="Times New Roman" pitchFamily="18" charset="0"/>
+              </a:rPr>
+              <a:t> with many relevant</a:t>
+            </a:r>
+          </a:p>
+          <a:p>
+            <a:pPr>
+              <a:buNone/>
+            </a:pPr>
+            <a:r>
+              <a:rPr lang="en-US" sz="2000" dirty="0" smtClean="0">
+                <a:latin typeface="Times New Roman" pitchFamily="18" charset="0"/>
+                <a:cs typeface="Times New Roman" pitchFamily="18" charset="0"/>
+              </a:rPr>
+              <a:t>[5] </a:t>
+            </a:r>
+            <a:r>
+              <a:rPr lang="en-US" sz="2000" dirty="0" err="1" smtClean="0">
+                <a:latin typeface="Times New Roman" pitchFamily="18" charset="0"/>
+                <a:cs typeface="Times New Roman" pitchFamily="18" charset="0"/>
+              </a:rPr>
+              <a:t>Mladenic</a:t>
+            </a:r>
+            <a:r>
+              <a:rPr lang="en-US" sz="2000" dirty="0" smtClean="0">
+                <a:latin typeface="Times New Roman" pitchFamily="18" charset="0"/>
+                <a:cs typeface="Times New Roman" pitchFamily="18" charset="0"/>
+              </a:rPr>
+              <a:t>  D.  </a:t>
+            </a:r>
+            <a:r>
+              <a:rPr lang="en-US" sz="2000" dirty="0" err="1" smtClean="0">
+                <a:latin typeface="Times New Roman" pitchFamily="18" charset="0"/>
+                <a:cs typeface="Times New Roman" pitchFamily="18" charset="0"/>
+              </a:rPr>
+              <a:t>Grobelnik</a:t>
+            </a:r>
+            <a:r>
+              <a:rPr lang="en-US" sz="2000" dirty="0" smtClean="0">
+                <a:latin typeface="Times New Roman" pitchFamily="18" charset="0"/>
+                <a:cs typeface="Times New Roman" pitchFamily="18" charset="0"/>
+              </a:rPr>
+              <a:t>  M.  </a:t>
+            </a:r>
+            <a:r>
+              <a:rPr lang="en-US" sz="2000" dirty="0" err="1" smtClean="0">
+                <a:latin typeface="Times New Roman" pitchFamily="18" charset="0"/>
+                <a:cs typeface="Times New Roman" pitchFamily="18" charset="0"/>
+              </a:rPr>
+              <a:t>(1998).  </a:t>
+            </a:r>
+            <a:r>
+              <a:rPr lang="en-US" sz="2000" dirty="0" smtClean="0">
+                <a:latin typeface="Times New Roman" pitchFamily="18" charset="0"/>
+                <a:cs typeface="Times New Roman" pitchFamily="18" charset="0"/>
+              </a:rPr>
+              <a:t>Feature  Selection  for  Classification  Based on  Text  </a:t>
+            </a:r>
+            <a:r>
+              <a:rPr lang="en-US" sz="2000" dirty="0" err="1" smtClean="0">
+                <a:latin typeface="Times New Roman" pitchFamily="18" charset="0"/>
+                <a:cs typeface="Times New Roman" pitchFamily="18" charset="0"/>
+              </a:rPr>
+              <a:t>Hierarchy.Working</a:t>
+            </a:r>
+            <a:r>
+              <a:rPr lang="en-US" sz="2000" dirty="0" smtClean="0">
+                <a:latin typeface="Times New Roman" pitchFamily="18" charset="0"/>
+                <a:cs typeface="Times New Roman" pitchFamily="18" charset="0"/>
+              </a:rPr>
+              <a:t> notes of Learning from Text and the Web, Conference on Automated Learning and Discovery CONALD-98.</a:t>
+            </a:r>
+          </a:p>
+          <a:p>
+            <a:pPr lvl="0">
+              <a:buNone/>
+            </a:pPr>
+            <a:r>
+              <a:rPr lang="en-US" sz="2000" dirty="0" smtClean="0">
+                <a:latin typeface="Times New Roman" pitchFamily="18" charset="0"/>
+                <a:cs typeface="Times New Roman" pitchFamily="18" charset="0"/>
+              </a:rPr>
+              <a:t>[6]</a:t>
+            </a:r>
+            <a:r>
+              <a:rPr lang="en-US" sz="2000" dirty="0" smtClean="0"/>
+              <a:t> </a:t>
+            </a:r>
+            <a:r>
+              <a:rPr lang="en-US" sz="2000" dirty="0" smtClean="0">
+                <a:latin typeface="Times New Roman" pitchFamily="18" charset="0"/>
+                <a:cs typeface="Times New Roman" pitchFamily="18" charset="0"/>
+              </a:rPr>
+              <a:t>Tao Wang. </a:t>
+            </a:r>
+            <a:r>
+              <a:rPr lang="en-US" sz="2000" i="1" dirty="0" smtClean="0">
+                <a:latin typeface="Times New Roman" pitchFamily="18" charset="0"/>
+                <a:cs typeface="Times New Roman" pitchFamily="18" charset="0"/>
+              </a:rPr>
+              <a:t>Document Classification with ACM Subject Hierarchy. </a:t>
+            </a:r>
+            <a:r>
+              <a:rPr lang="en-US" sz="2000" dirty="0" smtClean="0">
+                <a:latin typeface="Times New Roman" pitchFamily="18" charset="0"/>
+                <a:cs typeface="Times New Roman" pitchFamily="18" charset="0"/>
+              </a:rPr>
+              <a:t>Electrical and Computer Engineering, 2007. </a:t>
+            </a:r>
+            <a:r>
+              <a:rPr lang="en-US" sz="2000" dirty="0" err="1" smtClean="0">
+                <a:latin typeface="Times New Roman" pitchFamily="18" charset="0"/>
+                <a:cs typeface="Times New Roman" pitchFamily="18" charset="0"/>
+              </a:rPr>
+              <a:t>CCECE 2007. </a:t>
+            </a:r>
+            <a:r>
+              <a:rPr lang="en-US" sz="2000" dirty="0" smtClean="0">
+                <a:latin typeface="Times New Roman" pitchFamily="18" charset="0"/>
+                <a:cs typeface="Times New Roman" pitchFamily="18" charset="0"/>
+              </a:rPr>
+              <a:t>Canadian Conference on </a:t>
+            </a:r>
+          </a:p>
+          <a:p>
+            <a:pPr lvl="0">
+              <a:buNone/>
+            </a:pPr>
+            <a:r>
+              <a:rPr lang="en-US" sz="2000" dirty="0" smtClean="0">
+                <a:latin typeface="Times New Roman" pitchFamily="18" charset="0"/>
+                <a:cs typeface="Times New Roman" pitchFamily="18" charset="0"/>
+              </a:rPr>
+              <a:t>[7] </a:t>
+            </a:r>
+            <a:r>
+              <a:rPr lang="en-US" sz="2000" dirty="0" err="1" smtClean="0">
+                <a:latin typeface="Times New Roman" pitchFamily="18" charset="0"/>
+                <a:cs typeface="Times New Roman" pitchFamily="18" charset="0"/>
+              </a:rPr>
+              <a:t>Gui-Rong</a:t>
+            </a:r>
+            <a:r>
+              <a:rPr lang="en-US" sz="2000" dirty="0" smtClean="0">
+                <a:latin typeface="Times New Roman" pitchFamily="18" charset="0"/>
+                <a:cs typeface="Times New Roman" pitchFamily="18" charset="0"/>
+              </a:rPr>
+              <a:t> </a:t>
+            </a:r>
+            <a:r>
+              <a:rPr lang="en-US" sz="2000" dirty="0" err="1" smtClean="0">
+                <a:latin typeface="Times New Roman" pitchFamily="18" charset="0"/>
+                <a:cs typeface="Times New Roman" pitchFamily="18" charset="0"/>
+              </a:rPr>
+              <a:t>Xue</a:t>
+            </a:r>
+            <a:r>
+              <a:rPr lang="en-US" sz="2000" dirty="0" smtClean="0">
+                <a:latin typeface="Times New Roman" pitchFamily="18" charset="0"/>
+                <a:cs typeface="Times New Roman" pitchFamily="18" charset="0"/>
+              </a:rPr>
+              <a:t>. </a:t>
+            </a:r>
+            <a:r>
+              <a:rPr lang="en-US" sz="2000" dirty="0" err="1" smtClean="0">
+                <a:latin typeface="Times New Roman" pitchFamily="18" charset="0"/>
+                <a:cs typeface="Times New Roman" pitchFamily="18" charset="0"/>
+              </a:rPr>
+              <a:t>Dikan</a:t>
+            </a:r>
+            <a:r>
+              <a:rPr lang="en-US" sz="2000" dirty="0" smtClean="0">
+                <a:latin typeface="Times New Roman" pitchFamily="18" charset="0"/>
+                <a:cs typeface="Times New Roman" pitchFamily="18" charset="0"/>
+              </a:rPr>
+              <a:t> Xing. </a:t>
+            </a:r>
+            <a:r>
+              <a:rPr lang="en-US" sz="2000" dirty="0" err="1" smtClean="0">
+                <a:latin typeface="Times New Roman" pitchFamily="18" charset="0"/>
+                <a:cs typeface="Times New Roman" pitchFamily="18" charset="0"/>
+              </a:rPr>
+              <a:t>Qiang</a:t>
+            </a:r>
+            <a:r>
+              <a:rPr lang="en-US" sz="2000" dirty="0" smtClean="0">
+                <a:latin typeface="Times New Roman" pitchFamily="18" charset="0"/>
+                <a:cs typeface="Times New Roman" pitchFamily="18" charset="0"/>
+              </a:rPr>
+              <a:t> </a:t>
+            </a:r>
+            <a:r>
+              <a:rPr lang="en-US" sz="2000" dirty="0" err="1" smtClean="0">
+                <a:latin typeface="Times New Roman" pitchFamily="18" charset="0"/>
+                <a:cs typeface="Times New Roman" pitchFamily="18" charset="0"/>
+              </a:rPr>
+              <a:t>Yang.Yong</a:t>
+            </a:r>
+            <a:r>
+              <a:rPr lang="en-US" sz="2000" dirty="0" smtClean="0">
+                <a:latin typeface="Times New Roman" pitchFamily="18" charset="0"/>
+                <a:cs typeface="Times New Roman" pitchFamily="18" charset="0"/>
+              </a:rPr>
+              <a:t> Yu Deep. </a:t>
+            </a:r>
+            <a:r>
+              <a:rPr lang="en-US" sz="2000" i="1" dirty="0" smtClean="0">
+                <a:latin typeface="Times New Roman" pitchFamily="18" charset="0"/>
+                <a:cs typeface="Times New Roman" pitchFamily="18" charset="0"/>
+              </a:rPr>
+              <a:t>Classification in Large-scale Text Hierarchies </a:t>
+            </a:r>
+          </a:p>
+          <a:p>
+            <a:pPr>
+              <a:buNone/>
+            </a:pPr>
             <a:endParaRPr lang="en-US" sz="2000" dirty="0" smtClean="0">
               <a:latin typeface="Times New Roman" pitchFamily="18" charset="0"/>
               <a:cs typeface="Times New Roman" pitchFamily="18" charset="0"/>
             </a:endParaRPr>
           </a:p>
-          <a:p>
-            <a:pPr lvl="0"/>
-            <a:r>
-              <a:rPr lang="en-US" dirty="0" err="1" smtClean="0">
-                <a:latin typeface="Times New Roman" pitchFamily="18" charset="0"/>
-                <a:cs typeface="Times New Roman" pitchFamily="18" charset="0"/>
-              </a:rPr>
-              <a:t>Kết</a:t>
-            </a:r>
-            <a:r>
-              <a:rPr lang="en-US" dirty="0" smtClean="0">
-                <a:latin typeface="Times New Roman" pitchFamily="18" charset="0"/>
-                <a:cs typeface="Times New Roman" pitchFamily="18" charset="0"/>
-              </a:rPr>
-              <a:t> </a:t>
-            </a:r>
-            <a:r>
-              <a:rPr lang="en-US" dirty="0" err="1" smtClean="0">
-                <a:latin typeface="Times New Roman" pitchFamily="18" charset="0"/>
-                <a:cs typeface="Times New Roman" pitchFamily="18" charset="0"/>
-              </a:rPr>
-              <a:t>quả</a:t>
-            </a:r>
-            <a:r>
-              <a:rPr lang="en-US" dirty="0" smtClean="0">
-                <a:latin typeface="Times New Roman" pitchFamily="18" charset="0"/>
-                <a:cs typeface="Times New Roman" pitchFamily="18" charset="0"/>
-              </a:rPr>
-              <a:t> </a:t>
-            </a:r>
-            <a:r>
-              <a:rPr lang="en-US" dirty="0" err="1" smtClean="0">
-                <a:latin typeface="Times New Roman" pitchFamily="18" charset="0"/>
-                <a:cs typeface="Times New Roman" pitchFamily="18" charset="0"/>
-              </a:rPr>
-              <a:t>dự</a:t>
-            </a:r>
-            <a:r>
-              <a:rPr lang="en-US" dirty="0" smtClean="0">
-                <a:latin typeface="Times New Roman" pitchFamily="18" charset="0"/>
-                <a:cs typeface="Times New Roman" pitchFamily="18" charset="0"/>
-              </a:rPr>
-              <a:t> </a:t>
-            </a:r>
-            <a:r>
-              <a:rPr lang="en-US" dirty="0" err="1" smtClean="0">
-                <a:latin typeface="Times New Roman" pitchFamily="18" charset="0"/>
-                <a:cs typeface="Times New Roman" pitchFamily="18" charset="0"/>
-              </a:rPr>
-              <a:t>kiến</a:t>
-            </a:r>
-            <a:r>
-              <a:rPr lang="en-US" dirty="0" smtClean="0">
-                <a:latin typeface="Times New Roman" pitchFamily="18" charset="0"/>
-                <a:cs typeface="Times New Roman" pitchFamily="18" charset="0"/>
-              </a:rPr>
-              <a:t>.</a:t>
-            </a:r>
-            <a:endParaRPr lang="en-US" sz="2400" dirty="0" smtClean="0">
-              <a:latin typeface="Times New Roman" pitchFamily="18" charset="0"/>
-              <a:cs typeface="Times New Roman" pitchFamily="18" charset="0"/>
-            </a:endParaRPr>
-          </a:p>
-          <a:p>
-            <a:pPr lvl="0"/>
-            <a:r>
-              <a:rPr lang="en-US" dirty="0" err="1" smtClean="0">
-                <a:latin typeface="Times New Roman" pitchFamily="18" charset="0"/>
-                <a:cs typeface="Times New Roman" pitchFamily="18" charset="0"/>
-              </a:rPr>
-              <a:t>Các</a:t>
-            </a:r>
-            <a:r>
-              <a:rPr lang="en-US" dirty="0" smtClean="0">
-                <a:latin typeface="Times New Roman" pitchFamily="18" charset="0"/>
-                <a:cs typeface="Times New Roman" pitchFamily="18" charset="0"/>
-              </a:rPr>
-              <a:t> </a:t>
-            </a:r>
-            <a:r>
-              <a:rPr lang="en-US" dirty="0" err="1" smtClean="0">
-                <a:latin typeface="Times New Roman" pitchFamily="18" charset="0"/>
-                <a:cs typeface="Times New Roman" pitchFamily="18" charset="0"/>
-              </a:rPr>
-              <a:t>tài</a:t>
-            </a:r>
-            <a:r>
-              <a:rPr lang="en-US" dirty="0" smtClean="0">
-                <a:latin typeface="Times New Roman" pitchFamily="18" charset="0"/>
-                <a:cs typeface="Times New Roman" pitchFamily="18" charset="0"/>
-              </a:rPr>
-              <a:t> </a:t>
-            </a:r>
-            <a:r>
-              <a:rPr lang="en-US" dirty="0" err="1" smtClean="0">
-                <a:latin typeface="Times New Roman" pitchFamily="18" charset="0"/>
-                <a:cs typeface="Times New Roman" pitchFamily="18" charset="0"/>
-              </a:rPr>
-              <a:t>liệu</a:t>
-            </a:r>
-            <a:r>
-              <a:rPr lang="en-US" dirty="0" smtClean="0">
-                <a:latin typeface="Times New Roman" pitchFamily="18" charset="0"/>
-                <a:cs typeface="Times New Roman" pitchFamily="18" charset="0"/>
-              </a:rPr>
-              <a:t> </a:t>
-            </a:r>
-            <a:r>
-              <a:rPr lang="en-US" dirty="0" err="1" smtClean="0">
-                <a:latin typeface="Times New Roman" pitchFamily="18" charset="0"/>
-                <a:cs typeface="Times New Roman" pitchFamily="18" charset="0"/>
-              </a:rPr>
-              <a:t>tham</a:t>
-            </a:r>
-            <a:r>
-              <a:rPr lang="en-US" dirty="0" smtClean="0">
-                <a:latin typeface="Times New Roman" pitchFamily="18" charset="0"/>
-                <a:cs typeface="Times New Roman" pitchFamily="18" charset="0"/>
-              </a:rPr>
-              <a:t> </a:t>
-            </a:r>
-            <a:r>
-              <a:rPr lang="en-US" dirty="0" err="1" smtClean="0">
-                <a:latin typeface="Times New Roman" pitchFamily="18" charset="0"/>
-                <a:cs typeface="Times New Roman" pitchFamily="18" charset="0"/>
-              </a:rPr>
-              <a:t>khảo</a:t>
-            </a:r>
-            <a:r>
-              <a:rPr lang="en-US" dirty="0" smtClean="0">
-                <a:latin typeface="Times New Roman" pitchFamily="18" charset="0"/>
-                <a:cs typeface="Times New Roman" pitchFamily="18" charset="0"/>
-              </a:rPr>
-              <a:t> </a:t>
-            </a:r>
-            <a:r>
-              <a:rPr lang="en-US" dirty="0" err="1" smtClean="0">
-                <a:latin typeface="Times New Roman" pitchFamily="18" charset="0"/>
-                <a:cs typeface="Times New Roman" pitchFamily="18" charset="0"/>
-              </a:rPr>
-              <a:t>chính</a:t>
-            </a:r>
-            <a:r>
-              <a:rPr lang="en-US" dirty="0" smtClean="0">
-                <a:latin typeface="Times New Roman" pitchFamily="18" charset="0"/>
-                <a:cs typeface="Times New Roman" pitchFamily="18" charset="0"/>
-              </a:rPr>
-              <a:t> </a:t>
-            </a:r>
-            <a:r>
-              <a:rPr lang="en-US" dirty="0" err="1" smtClean="0">
-                <a:latin typeface="Times New Roman" pitchFamily="18" charset="0"/>
-                <a:cs typeface="Times New Roman" pitchFamily="18" charset="0"/>
-              </a:rPr>
-              <a:t>dự</a:t>
-            </a:r>
-            <a:r>
-              <a:rPr lang="en-US" dirty="0" smtClean="0">
-                <a:latin typeface="Times New Roman" pitchFamily="18" charset="0"/>
-                <a:cs typeface="Times New Roman" pitchFamily="18" charset="0"/>
-              </a:rPr>
-              <a:t> </a:t>
-            </a:r>
-            <a:r>
-              <a:rPr lang="en-US" dirty="0" err="1" smtClean="0">
-                <a:latin typeface="Times New Roman" pitchFamily="18" charset="0"/>
-                <a:cs typeface="Times New Roman" pitchFamily="18" charset="0"/>
-              </a:rPr>
-              <a:t>kiến</a:t>
-            </a:r>
-            <a:r>
-              <a:rPr lang="en-US" dirty="0" smtClean="0">
-                <a:latin typeface="Times New Roman" pitchFamily="18" charset="0"/>
-                <a:cs typeface="Times New Roman" pitchFamily="18" charset="0"/>
-              </a:rPr>
-              <a:t>.</a:t>
-            </a:r>
-            <a:endParaRPr lang="en-US" sz="2400" dirty="0" smtClean="0">
-              <a:latin typeface="Times New Roman" pitchFamily="18" charset="0"/>
-              <a:cs typeface="Times New Roman" pitchFamily="18" charset="0"/>
-            </a:endParaRPr>
-          </a:p>
-          <a:p>
-            <a:endParaRPr lang="en-US" dirty="0">
-              <a:latin typeface="Times New Roman" pitchFamily="18" charset="0"/>
-              <a:cs typeface="Times New Roman" pitchFamily="18" charset="0"/>
-            </a:endParaRPr>
+        </p:txBody>
+      </p:sp>
+      <p:sp>
+        <p:nvSpPr>
+          <p:cNvPr id="4" name="Slide Number Placeholder 3"/>
+          <p:cNvSpPr>
+            <a:spLocks noGrp="1"/>
+          </p:cNvSpPr>
+          <p:nvPr>
+            <p:ph type="sldNum" sz="quarter" idx="12"/>
+          </p:nvPr>
+        </p:nvSpPr>
+        <p:spPr/>
+        <p:txBody>
+          <a:bodyPr/>
+          <a:lstStyle/>
+          <a:p>
+            <a:fld id="{B6F15528-21DE-4FAA-801E-634DDDAF4B2B}" type="slidenum">
+              <a:rPr lang="en-US" smtClean="0"/>
+              <a:pPr/>
+              <a:t>25</a:t>
+            </a:fld>
+            <a:endParaRPr lang="en-US"/>
           </a:p>
         </p:txBody>
       </p:sp>
@@ -9641,675 +12071,7 @@
 </p:sld>
 </file>
 
-<file path=ppt/slides/slide20.xml><?xml version="1.0" encoding="utf-8"?>
-<p:sld xmlns:a="http://schemas.openxmlformats.org/drawingml/2006/main" xmlns:r="http://schemas.openxmlformats.org/officeDocument/2006/relationships" xmlns:p="http://schemas.openxmlformats.org/presentationml/2006/main">
-  <p:cSld>
-    <p:spTree>
-      <p:nvGrpSpPr>
-        <p:cNvPr id="1" name=""/>
-        <p:cNvGrpSpPr/>
-        <p:nvPr/>
-      </p:nvGrpSpPr>
-      <p:grpSpPr>
-        <a:xfrm>
-          <a:off x="0" y="0"/>
-          <a:ext cx="0" cy="0"/>
-          <a:chOff x="0" y="0"/>
-          <a:chExt cx="0" cy="0"/>
-        </a:xfrm>
-      </p:grpSpPr>
-      <p:sp>
-        <p:nvSpPr>
-          <p:cNvPr id="2" name="Title 1"/>
-          <p:cNvSpPr>
-            <a:spLocks noGrp="1"/>
-          </p:cNvSpPr>
-          <p:nvPr>
-            <p:ph type="title"/>
-          </p:nvPr>
-        </p:nvSpPr>
-        <p:spPr/>
-        <p:txBody>
-          <a:bodyPr>
-            <a:normAutofit fontScale="90000"/>
-          </a:bodyPr>
-          <a:lstStyle/>
-          <a:p>
-            <a:pPr lvl="0"/>
-            <a:r>
-              <a:rPr lang="en-US" dirty="0" err="1" smtClean="0">
-                <a:latin typeface="Times New Roman" pitchFamily="18" charset="0"/>
-                <a:cs typeface="Times New Roman" pitchFamily="18" charset="0"/>
-              </a:rPr>
-              <a:t>Các</a:t>
-            </a:r>
-            <a:r>
-              <a:rPr lang="en-US" dirty="0" smtClean="0">
-                <a:latin typeface="Times New Roman" pitchFamily="18" charset="0"/>
-                <a:cs typeface="Times New Roman" pitchFamily="18" charset="0"/>
-              </a:rPr>
-              <a:t> </a:t>
-            </a:r>
-            <a:r>
-              <a:rPr lang="en-US" dirty="0" err="1" smtClean="0">
-                <a:latin typeface="Times New Roman" pitchFamily="18" charset="0"/>
-                <a:cs typeface="Times New Roman" pitchFamily="18" charset="0"/>
-              </a:rPr>
-              <a:t>tài</a:t>
-            </a:r>
-            <a:r>
-              <a:rPr lang="en-US" dirty="0" smtClean="0">
-                <a:latin typeface="Times New Roman" pitchFamily="18" charset="0"/>
-                <a:cs typeface="Times New Roman" pitchFamily="18" charset="0"/>
-              </a:rPr>
-              <a:t> </a:t>
-            </a:r>
-            <a:r>
-              <a:rPr lang="en-US" dirty="0" err="1" smtClean="0">
-                <a:latin typeface="Times New Roman" pitchFamily="18" charset="0"/>
-                <a:cs typeface="Times New Roman" pitchFamily="18" charset="0"/>
-              </a:rPr>
-              <a:t>liệu</a:t>
-            </a:r>
-            <a:r>
-              <a:rPr lang="en-US" dirty="0" smtClean="0">
-                <a:latin typeface="Times New Roman" pitchFamily="18" charset="0"/>
-                <a:cs typeface="Times New Roman" pitchFamily="18" charset="0"/>
-              </a:rPr>
-              <a:t> </a:t>
-            </a:r>
-            <a:r>
-              <a:rPr lang="en-US" dirty="0" err="1" smtClean="0">
-                <a:latin typeface="Times New Roman" pitchFamily="18" charset="0"/>
-                <a:cs typeface="Times New Roman" pitchFamily="18" charset="0"/>
-              </a:rPr>
-              <a:t>tham</a:t>
-            </a:r>
-            <a:r>
-              <a:rPr lang="en-US" dirty="0" smtClean="0">
-                <a:latin typeface="Times New Roman" pitchFamily="18" charset="0"/>
-                <a:cs typeface="Times New Roman" pitchFamily="18" charset="0"/>
-              </a:rPr>
-              <a:t> </a:t>
-            </a:r>
-            <a:r>
-              <a:rPr lang="en-US" dirty="0" err="1" smtClean="0">
-                <a:latin typeface="Times New Roman" pitchFamily="18" charset="0"/>
-                <a:cs typeface="Times New Roman" pitchFamily="18" charset="0"/>
-              </a:rPr>
-              <a:t>khảo</a:t>
-            </a:r>
-            <a:r>
-              <a:rPr lang="en-US" dirty="0" smtClean="0">
-                <a:latin typeface="Times New Roman" pitchFamily="18" charset="0"/>
-                <a:cs typeface="Times New Roman" pitchFamily="18" charset="0"/>
-              </a:rPr>
-              <a:t> </a:t>
-            </a:r>
-            <a:r>
-              <a:rPr lang="en-US" dirty="0" err="1" smtClean="0">
-                <a:latin typeface="Times New Roman" pitchFamily="18" charset="0"/>
-                <a:cs typeface="Times New Roman" pitchFamily="18" charset="0"/>
-              </a:rPr>
-              <a:t>chính</a:t>
-            </a:r>
-            <a:r>
-              <a:rPr lang="en-US" dirty="0" smtClean="0">
-                <a:latin typeface="Times New Roman" pitchFamily="18" charset="0"/>
-                <a:cs typeface="Times New Roman" pitchFamily="18" charset="0"/>
-              </a:rPr>
-              <a:t> </a:t>
-            </a:r>
-            <a:r>
-              <a:rPr lang="en-US" dirty="0" err="1" smtClean="0">
-                <a:latin typeface="Times New Roman" pitchFamily="18" charset="0"/>
-                <a:cs typeface="Times New Roman" pitchFamily="18" charset="0"/>
-              </a:rPr>
-              <a:t>dự</a:t>
-            </a:r>
-            <a:r>
-              <a:rPr lang="en-US" dirty="0" smtClean="0">
-                <a:latin typeface="Times New Roman" pitchFamily="18" charset="0"/>
-                <a:cs typeface="Times New Roman" pitchFamily="18" charset="0"/>
-              </a:rPr>
-              <a:t> </a:t>
-            </a:r>
-            <a:r>
-              <a:rPr lang="en-US" dirty="0" err="1" smtClean="0">
-                <a:latin typeface="Times New Roman" pitchFamily="18" charset="0"/>
-                <a:cs typeface="Times New Roman" pitchFamily="18" charset="0"/>
-              </a:rPr>
-              <a:t>kiến</a:t>
-            </a:r>
-            <a:r>
-              <a:rPr lang="en-US" dirty="0" smtClean="0">
-                <a:latin typeface="Times New Roman" pitchFamily="18" charset="0"/>
-                <a:cs typeface="Times New Roman" pitchFamily="18" charset="0"/>
-              </a:rPr>
-              <a:t>.</a:t>
-            </a:r>
-            <a:r>
-              <a:rPr lang="en-US" sz="2800" dirty="0" smtClean="0">
-                <a:latin typeface="Times New Roman" pitchFamily="18" charset="0"/>
-                <a:cs typeface="Times New Roman" pitchFamily="18" charset="0"/>
-              </a:rPr>
-              <a:t/>
-            </a:r>
-            <a:br>
-              <a:rPr lang="en-US" sz="2800" dirty="0" smtClean="0">
-                <a:latin typeface="Times New Roman" pitchFamily="18" charset="0"/>
-                <a:cs typeface="Times New Roman" pitchFamily="18" charset="0"/>
-              </a:rPr>
-            </a:br>
-            <a:endParaRPr lang="en-US" dirty="0"/>
-          </a:p>
-        </p:txBody>
-      </p:sp>
-      <p:sp>
-        <p:nvSpPr>
-          <p:cNvPr id="3" name="Content Placeholder 2"/>
-          <p:cNvSpPr>
-            <a:spLocks noGrp="1"/>
-          </p:cNvSpPr>
-          <p:nvPr>
-            <p:ph idx="1"/>
-          </p:nvPr>
-        </p:nvSpPr>
-        <p:spPr>
-          <a:xfrm>
-            <a:off x="228600" y="1295400"/>
-            <a:ext cx="8763000" cy="4784725"/>
-          </a:xfrm>
-        </p:spPr>
-        <p:txBody>
-          <a:bodyPr>
-            <a:normAutofit lnSpcReduction="10000"/>
-          </a:bodyPr>
-          <a:lstStyle/>
-          <a:p>
-            <a:pPr>
-              <a:buNone/>
-            </a:pPr>
-            <a:r>
-              <a:rPr lang="en-US" sz="2000" dirty="0" smtClean="0">
-                <a:latin typeface="Times New Roman" pitchFamily="18" charset="0"/>
-                <a:cs typeface="Times New Roman" pitchFamily="18" charset="0"/>
-              </a:rPr>
-              <a:t>[1]</a:t>
-            </a:r>
-            <a:r>
-              <a:rPr lang="en-US" sz="2000" dirty="0" err="1" smtClean="0">
-                <a:latin typeface="Times New Roman" pitchFamily="18" charset="0"/>
-                <a:cs typeface="Times New Roman" pitchFamily="18" charset="0"/>
-              </a:rPr>
-              <a:t>Ashwin</a:t>
-            </a:r>
-            <a:r>
-              <a:rPr lang="en-US" sz="2000" dirty="0" smtClean="0">
-                <a:latin typeface="Times New Roman" pitchFamily="18" charset="0"/>
-                <a:cs typeface="Times New Roman" pitchFamily="18" charset="0"/>
-              </a:rPr>
-              <a:t> </a:t>
-            </a:r>
-            <a:r>
-              <a:rPr lang="en-US" sz="2000" dirty="0" err="1" smtClean="0">
-                <a:latin typeface="Times New Roman" pitchFamily="18" charset="0"/>
-                <a:cs typeface="Times New Roman" pitchFamily="18" charset="0"/>
-              </a:rPr>
-              <a:t>Pulijala</a:t>
-            </a:r>
-            <a:r>
-              <a:rPr lang="en-US" sz="2000" dirty="0" smtClean="0">
-                <a:latin typeface="Times New Roman" pitchFamily="18" charset="0"/>
-                <a:cs typeface="Times New Roman" pitchFamily="18" charset="0"/>
-              </a:rPr>
-              <a:t>. Susan </a:t>
-            </a:r>
-            <a:r>
-              <a:rPr lang="en-US" sz="2000" dirty="0" err="1" smtClean="0">
-                <a:latin typeface="Times New Roman" pitchFamily="18" charset="0"/>
-                <a:cs typeface="Times New Roman" pitchFamily="18" charset="0"/>
-              </a:rPr>
-              <a:t>Gauch</a:t>
-            </a:r>
-            <a:r>
-              <a:rPr lang="en-US" sz="2000" dirty="0" smtClean="0">
-                <a:latin typeface="Times New Roman" pitchFamily="18" charset="0"/>
-                <a:cs typeface="Times New Roman" pitchFamily="18" charset="0"/>
-              </a:rPr>
-              <a:t>. </a:t>
-            </a:r>
-            <a:r>
-              <a:rPr lang="en-US" sz="2000" i="1" dirty="0" smtClean="0">
-                <a:latin typeface="Times New Roman" pitchFamily="18" charset="0"/>
-                <a:cs typeface="Times New Roman" pitchFamily="18" charset="0"/>
-              </a:rPr>
-              <a:t>Hierarchical Text Classification</a:t>
-            </a:r>
-            <a:r>
-              <a:rPr lang="en-US" sz="2000" dirty="0" smtClean="0">
-                <a:latin typeface="Times New Roman" pitchFamily="18" charset="0"/>
-                <a:cs typeface="Times New Roman" pitchFamily="18" charset="0"/>
-              </a:rPr>
-              <a:t>. Department of Electrical Engineering and Computer </a:t>
-            </a:r>
-            <a:r>
-              <a:rPr lang="en-US" sz="2000" dirty="0" err="1" smtClean="0">
-                <a:latin typeface="Times New Roman" pitchFamily="18" charset="0"/>
-                <a:cs typeface="Times New Roman" pitchFamily="18" charset="0"/>
-              </a:rPr>
-              <a:t>ScienceUniversity</a:t>
-            </a:r>
-            <a:r>
-              <a:rPr lang="en-US" sz="2000" dirty="0" smtClean="0">
-                <a:latin typeface="Times New Roman" pitchFamily="18" charset="0"/>
-                <a:cs typeface="Times New Roman" pitchFamily="18" charset="0"/>
-              </a:rPr>
-              <a:t> of Kansas .</a:t>
-            </a:r>
-          </a:p>
-          <a:p>
-            <a:pPr>
-              <a:buNone/>
-            </a:pPr>
-            <a:r>
-              <a:rPr lang="en-US" sz="2000" dirty="0" smtClean="0">
-                <a:latin typeface="Times New Roman" pitchFamily="18" charset="0"/>
-                <a:cs typeface="Times New Roman" pitchFamily="18" charset="0"/>
-              </a:rPr>
-              <a:t>[2] </a:t>
-            </a:r>
-            <a:r>
-              <a:rPr lang="en-US" sz="2000" dirty="0" err="1" smtClean="0">
-                <a:latin typeface="Times New Roman" pitchFamily="18" charset="0"/>
-                <a:cs typeface="Times New Roman" pitchFamily="18" charset="0"/>
-              </a:rPr>
-              <a:t>Aixin</a:t>
-            </a:r>
-            <a:r>
-              <a:rPr lang="en-US" sz="2000" dirty="0" smtClean="0">
-                <a:latin typeface="Times New Roman" pitchFamily="18" charset="0"/>
-                <a:cs typeface="Times New Roman" pitchFamily="18" charset="0"/>
-              </a:rPr>
-              <a:t> Sun and </a:t>
-            </a:r>
-            <a:r>
-              <a:rPr lang="en-US" sz="2000" dirty="0" err="1" smtClean="0">
-                <a:latin typeface="Times New Roman" pitchFamily="18" charset="0"/>
-                <a:cs typeface="Times New Roman" pitchFamily="18" charset="0"/>
-              </a:rPr>
-              <a:t>Ee-Peng</a:t>
-            </a:r>
-            <a:r>
-              <a:rPr lang="en-US" sz="2000" dirty="0" smtClean="0">
-                <a:latin typeface="Times New Roman" pitchFamily="18" charset="0"/>
-                <a:cs typeface="Times New Roman" pitchFamily="18" charset="0"/>
-              </a:rPr>
-              <a:t> Lim. </a:t>
-            </a:r>
-            <a:r>
-              <a:rPr lang="en-US" sz="2000" i="1" dirty="0" smtClean="0">
-                <a:latin typeface="Times New Roman" pitchFamily="18" charset="0"/>
-                <a:cs typeface="Times New Roman" pitchFamily="18" charset="0"/>
-              </a:rPr>
-              <a:t>Hierarchical Text Classification and Evaluation</a:t>
-            </a:r>
-            <a:r>
-              <a:rPr lang="en-US" sz="2000" dirty="0" smtClean="0">
-                <a:latin typeface="Times New Roman" pitchFamily="18" charset="0"/>
-                <a:cs typeface="Times New Roman" pitchFamily="18" charset="0"/>
-              </a:rPr>
-              <a:t>. Center for Advanced Information </a:t>
-            </a:r>
-            <a:r>
-              <a:rPr lang="en-US" sz="2000" dirty="0" err="1" smtClean="0">
-                <a:latin typeface="Times New Roman" pitchFamily="18" charset="0"/>
-                <a:cs typeface="Times New Roman" pitchFamily="18" charset="0"/>
-              </a:rPr>
-              <a:t>SystemsNanyang</a:t>
-            </a:r>
-            <a:r>
-              <a:rPr lang="en-US" sz="2000" dirty="0" smtClean="0">
-                <a:latin typeface="Times New Roman" pitchFamily="18" charset="0"/>
-                <a:cs typeface="Times New Roman" pitchFamily="18" charset="0"/>
-              </a:rPr>
-              <a:t> Technological University</a:t>
-            </a:r>
-          </a:p>
-          <a:p>
-            <a:pPr>
-              <a:buNone/>
-            </a:pPr>
-            <a:r>
-              <a:rPr lang="en-US" sz="2000" dirty="0" smtClean="0">
-                <a:latin typeface="Times New Roman" pitchFamily="18" charset="0"/>
-                <a:cs typeface="Times New Roman" pitchFamily="18" charset="0"/>
-              </a:rPr>
-              <a:t>[3] </a:t>
-            </a:r>
-            <a:r>
-              <a:rPr lang="en-US" sz="2000" dirty="0" err="1" smtClean="0">
-                <a:latin typeface="Times New Roman" pitchFamily="18" charset="0"/>
-                <a:cs typeface="Times New Roman" pitchFamily="18" charset="0"/>
-              </a:rPr>
-              <a:t>Koller</a:t>
-            </a:r>
-            <a:r>
-              <a:rPr lang="en-US" sz="2000" dirty="0" smtClean="0">
-                <a:latin typeface="Times New Roman" pitchFamily="18" charset="0"/>
-                <a:cs typeface="Times New Roman" pitchFamily="18" charset="0"/>
-              </a:rPr>
-              <a:t>  D.  and  </a:t>
-            </a:r>
-            <a:r>
-              <a:rPr lang="en-US" sz="2000" dirty="0" err="1" smtClean="0">
-                <a:latin typeface="Times New Roman" pitchFamily="18" charset="0"/>
-                <a:cs typeface="Times New Roman" pitchFamily="18" charset="0"/>
-              </a:rPr>
-              <a:t>Sahami</a:t>
-            </a:r>
-            <a:r>
-              <a:rPr lang="en-US" sz="2000" dirty="0" smtClean="0">
-                <a:latin typeface="Times New Roman" pitchFamily="18" charset="0"/>
-                <a:cs typeface="Times New Roman" pitchFamily="18" charset="0"/>
-              </a:rPr>
-              <a:t>  M.  (1997).  </a:t>
-            </a:r>
-            <a:r>
-              <a:rPr lang="en-US" sz="2000" i="1" dirty="0" smtClean="0">
-                <a:latin typeface="Times New Roman" pitchFamily="18" charset="0"/>
-                <a:cs typeface="Times New Roman" pitchFamily="18" charset="0"/>
-              </a:rPr>
-              <a:t>Hierarchically  Classifying  Documents  using  Very  Few  Words</a:t>
-            </a:r>
-            <a:r>
-              <a:rPr lang="en-US" sz="2000" dirty="0" smtClean="0">
-                <a:latin typeface="Times New Roman" pitchFamily="18" charset="0"/>
-                <a:cs typeface="Times New Roman" pitchFamily="18" charset="0"/>
-              </a:rPr>
-              <a:t>. International Conference on Machine Learning,  pp.170-178, Volume 14, Morgan-Kauffman.</a:t>
-            </a:r>
-          </a:p>
-          <a:p>
-            <a:pPr>
-              <a:buNone/>
-            </a:pPr>
-            <a:r>
-              <a:rPr lang="en-US" sz="2000" dirty="0" smtClean="0">
-                <a:latin typeface="Times New Roman" pitchFamily="18" charset="0"/>
-                <a:cs typeface="Times New Roman" pitchFamily="18" charset="0"/>
-              </a:rPr>
-              <a:t>[4] T</a:t>
-            </a:r>
-            <a:r>
-              <a:rPr lang="en-US" sz="2000" dirty="0" smtClean="0"/>
-              <a:t>horsten </a:t>
-            </a:r>
-            <a:r>
-              <a:rPr lang="en-US" sz="2000" dirty="0" err="1" smtClean="0"/>
-              <a:t>Joachims</a:t>
-            </a:r>
-            <a:r>
-              <a:rPr lang="en-US" sz="2000" dirty="0" smtClean="0"/>
-              <a:t>.  </a:t>
-            </a:r>
-            <a:r>
-              <a:rPr lang="en-US" sz="2000" i="1" dirty="0" smtClean="0">
-                <a:latin typeface="Times New Roman" pitchFamily="18" charset="0"/>
-                <a:cs typeface="Times New Roman" pitchFamily="18" charset="0"/>
-              </a:rPr>
-              <a:t>Text categorization with SVM </a:t>
-            </a:r>
-            <a:r>
-              <a:rPr lang="en-US" sz="2000" i="1" dirty="0" err="1" smtClean="0">
-                <a:latin typeface="Times New Roman" pitchFamily="18" charset="0"/>
-                <a:cs typeface="Times New Roman" pitchFamily="18" charset="0"/>
-              </a:rPr>
-              <a:t>lear</a:t>
-            </a:r>
-            <a:r>
-              <a:rPr lang="en-US" sz="2000" i="1" dirty="0" smtClean="0">
-                <a:latin typeface="Times New Roman" pitchFamily="18" charset="0"/>
-                <a:cs typeface="Times New Roman" pitchFamily="18" charset="0"/>
-              </a:rPr>
-              <a:t> with many relevant</a:t>
-            </a:r>
-          </a:p>
-          <a:p>
-            <a:pPr>
-              <a:buNone/>
-            </a:pPr>
-            <a:r>
-              <a:rPr lang="en-US" sz="2000" dirty="0" smtClean="0">
-                <a:latin typeface="Times New Roman" pitchFamily="18" charset="0"/>
-                <a:cs typeface="Times New Roman" pitchFamily="18" charset="0"/>
-              </a:rPr>
-              <a:t>[5] </a:t>
-            </a:r>
-            <a:r>
-              <a:rPr lang="en-US" sz="2000" dirty="0" err="1" smtClean="0">
-                <a:latin typeface="Times New Roman" pitchFamily="18" charset="0"/>
-                <a:cs typeface="Times New Roman" pitchFamily="18" charset="0"/>
-              </a:rPr>
-              <a:t>Mladenic</a:t>
-            </a:r>
-            <a:r>
-              <a:rPr lang="en-US" sz="2000" dirty="0" smtClean="0">
-                <a:latin typeface="Times New Roman" pitchFamily="18" charset="0"/>
-                <a:cs typeface="Times New Roman" pitchFamily="18" charset="0"/>
-              </a:rPr>
-              <a:t>  D.  </a:t>
-            </a:r>
-            <a:r>
-              <a:rPr lang="en-US" sz="2000" dirty="0" err="1" smtClean="0">
-                <a:latin typeface="Times New Roman" pitchFamily="18" charset="0"/>
-                <a:cs typeface="Times New Roman" pitchFamily="18" charset="0"/>
-              </a:rPr>
-              <a:t>Grobelnik</a:t>
-            </a:r>
-            <a:r>
-              <a:rPr lang="en-US" sz="2000" dirty="0" smtClean="0">
-                <a:latin typeface="Times New Roman" pitchFamily="18" charset="0"/>
-                <a:cs typeface="Times New Roman" pitchFamily="18" charset="0"/>
-              </a:rPr>
-              <a:t>  M.  </a:t>
-            </a:r>
-            <a:r>
-              <a:rPr lang="en-US" sz="2000" dirty="0" err="1" smtClean="0">
-                <a:latin typeface="Times New Roman" pitchFamily="18" charset="0"/>
-                <a:cs typeface="Times New Roman" pitchFamily="18" charset="0"/>
-              </a:rPr>
-              <a:t>(1998).  </a:t>
-            </a:r>
-            <a:r>
-              <a:rPr lang="en-US" sz="2000" dirty="0" smtClean="0">
-                <a:latin typeface="Times New Roman" pitchFamily="18" charset="0"/>
-                <a:cs typeface="Times New Roman" pitchFamily="18" charset="0"/>
-              </a:rPr>
-              <a:t>Feature  Selection  for  Classification  Based on  Text  </a:t>
-            </a:r>
-            <a:r>
-              <a:rPr lang="en-US" sz="2000" dirty="0" err="1" smtClean="0">
-                <a:latin typeface="Times New Roman" pitchFamily="18" charset="0"/>
-                <a:cs typeface="Times New Roman" pitchFamily="18" charset="0"/>
-              </a:rPr>
-              <a:t>Hierarchy.Working</a:t>
-            </a:r>
-            <a:r>
-              <a:rPr lang="en-US" sz="2000" dirty="0" smtClean="0">
-                <a:latin typeface="Times New Roman" pitchFamily="18" charset="0"/>
-                <a:cs typeface="Times New Roman" pitchFamily="18" charset="0"/>
-              </a:rPr>
-              <a:t> notes of Learning from Text and the Web, Conference on Automated Learning and Discovery CONALD-98.</a:t>
-            </a:r>
-          </a:p>
-          <a:p>
-            <a:pPr lvl="0">
-              <a:buNone/>
-            </a:pPr>
-            <a:r>
-              <a:rPr lang="en-US" sz="2000" dirty="0" smtClean="0">
-                <a:latin typeface="Times New Roman" pitchFamily="18" charset="0"/>
-                <a:cs typeface="Times New Roman" pitchFamily="18" charset="0"/>
-              </a:rPr>
-              <a:t>[6]</a:t>
-            </a:r>
-            <a:r>
-              <a:rPr lang="en-US" sz="2000" dirty="0" smtClean="0"/>
-              <a:t> </a:t>
-            </a:r>
-            <a:r>
-              <a:rPr lang="en-US" sz="2000" dirty="0" smtClean="0">
-                <a:latin typeface="Times New Roman" pitchFamily="18" charset="0"/>
-                <a:cs typeface="Times New Roman" pitchFamily="18" charset="0"/>
-              </a:rPr>
-              <a:t>Tao Wang. </a:t>
-            </a:r>
-            <a:r>
-              <a:rPr lang="en-US" sz="2000" i="1" dirty="0" smtClean="0">
-                <a:latin typeface="Times New Roman" pitchFamily="18" charset="0"/>
-                <a:cs typeface="Times New Roman" pitchFamily="18" charset="0"/>
-              </a:rPr>
-              <a:t>Document Classification with ACM Subject Hierarchy. </a:t>
-            </a:r>
-            <a:r>
-              <a:rPr lang="en-US" sz="2000" dirty="0" smtClean="0">
-                <a:latin typeface="Times New Roman" pitchFamily="18" charset="0"/>
-                <a:cs typeface="Times New Roman" pitchFamily="18" charset="0"/>
-              </a:rPr>
-              <a:t>Electrical and Computer Engineering, 2007. </a:t>
-            </a:r>
-            <a:r>
-              <a:rPr lang="en-US" sz="2000" dirty="0" err="1" smtClean="0">
-                <a:latin typeface="Times New Roman" pitchFamily="18" charset="0"/>
-                <a:cs typeface="Times New Roman" pitchFamily="18" charset="0"/>
-              </a:rPr>
-              <a:t>CCECE 2007. </a:t>
-            </a:r>
-            <a:r>
-              <a:rPr lang="en-US" sz="2000" dirty="0" smtClean="0">
-                <a:latin typeface="Times New Roman" pitchFamily="18" charset="0"/>
-                <a:cs typeface="Times New Roman" pitchFamily="18" charset="0"/>
-              </a:rPr>
-              <a:t>Canadian Conference on </a:t>
-            </a:r>
-          </a:p>
-          <a:p>
-            <a:pPr lvl="0">
-              <a:buNone/>
-            </a:pPr>
-            <a:r>
-              <a:rPr lang="en-US" sz="2000" dirty="0" smtClean="0">
-                <a:latin typeface="Times New Roman" pitchFamily="18" charset="0"/>
-                <a:cs typeface="Times New Roman" pitchFamily="18" charset="0"/>
-              </a:rPr>
-              <a:t>[7] </a:t>
-            </a:r>
-            <a:r>
-              <a:rPr lang="en-US" sz="2000" dirty="0" err="1" smtClean="0">
-                <a:latin typeface="Times New Roman" pitchFamily="18" charset="0"/>
-                <a:cs typeface="Times New Roman" pitchFamily="18" charset="0"/>
-              </a:rPr>
-              <a:t>Gui-Rong</a:t>
-            </a:r>
-            <a:r>
-              <a:rPr lang="en-US" sz="2000" dirty="0" smtClean="0">
-                <a:latin typeface="Times New Roman" pitchFamily="18" charset="0"/>
-                <a:cs typeface="Times New Roman" pitchFamily="18" charset="0"/>
-              </a:rPr>
-              <a:t> </a:t>
-            </a:r>
-            <a:r>
-              <a:rPr lang="en-US" sz="2000" dirty="0" err="1" smtClean="0">
-                <a:latin typeface="Times New Roman" pitchFamily="18" charset="0"/>
-                <a:cs typeface="Times New Roman" pitchFamily="18" charset="0"/>
-              </a:rPr>
-              <a:t>Xue</a:t>
-            </a:r>
-            <a:r>
-              <a:rPr lang="en-US" sz="2000" dirty="0" smtClean="0">
-                <a:latin typeface="Times New Roman" pitchFamily="18" charset="0"/>
-                <a:cs typeface="Times New Roman" pitchFamily="18" charset="0"/>
-              </a:rPr>
-              <a:t>. </a:t>
-            </a:r>
-            <a:r>
-              <a:rPr lang="en-US" sz="2000" dirty="0" err="1" smtClean="0">
-                <a:latin typeface="Times New Roman" pitchFamily="18" charset="0"/>
-                <a:cs typeface="Times New Roman" pitchFamily="18" charset="0"/>
-              </a:rPr>
-              <a:t>Dikan</a:t>
-            </a:r>
-            <a:r>
-              <a:rPr lang="en-US" sz="2000" dirty="0" smtClean="0">
-                <a:latin typeface="Times New Roman" pitchFamily="18" charset="0"/>
-                <a:cs typeface="Times New Roman" pitchFamily="18" charset="0"/>
-              </a:rPr>
-              <a:t> Xing. </a:t>
-            </a:r>
-            <a:r>
-              <a:rPr lang="en-US" sz="2000" dirty="0" err="1" smtClean="0">
-                <a:latin typeface="Times New Roman" pitchFamily="18" charset="0"/>
-                <a:cs typeface="Times New Roman" pitchFamily="18" charset="0"/>
-              </a:rPr>
-              <a:t>Qiang</a:t>
-            </a:r>
-            <a:r>
-              <a:rPr lang="en-US" sz="2000" dirty="0" smtClean="0">
-                <a:latin typeface="Times New Roman" pitchFamily="18" charset="0"/>
-                <a:cs typeface="Times New Roman" pitchFamily="18" charset="0"/>
-              </a:rPr>
-              <a:t> </a:t>
-            </a:r>
-            <a:r>
-              <a:rPr lang="en-US" sz="2000" dirty="0" err="1" smtClean="0">
-                <a:latin typeface="Times New Roman" pitchFamily="18" charset="0"/>
-                <a:cs typeface="Times New Roman" pitchFamily="18" charset="0"/>
-              </a:rPr>
-              <a:t>Yang.Yong</a:t>
-            </a:r>
-            <a:r>
-              <a:rPr lang="en-US" sz="2000" dirty="0" smtClean="0">
-                <a:latin typeface="Times New Roman" pitchFamily="18" charset="0"/>
-                <a:cs typeface="Times New Roman" pitchFamily="18" charset="0"/>
-              </a:rPr>
-              <a:t> Yu Deep. </a:t>
-            </a:r>
-            <a:r>
-              <a:rPr lang="en-US" sz="2000" i="1" dirty="0" smtClean="0">
-                <a:latin typeface="Times New Roman" pitchFamily="18" charset="0"/>
-                <a:cs typeface="Times New Roman" pitchFamily="18" charset="0"/>
-              </a:rPr>
-              <a:t>Classification in Large-scale Text Hierarchies </a:t>
-            </a:r>
-          </a:p>
-          <a:p>
-            <a:pPr>
-              <a:buNone/>
-            </a:pPr>
-            <a:endParaRPr lang="en-US" sz="2000" dirty="0" smtClean="0">
-              <a:latin typeface="Times New Roman" pitchFamily="18" charset="0"/>
-              <a:cs typeface="Times New Roman" pitchFamily="18" charset="0"/>
-            </a:endParaRPr>
-          </a:p>
-        </p:txBody>
-      </p:sp>
-    </p:spTree>
-  </p:cSld>
-  <p:clrMapOvr>
-    <a:masterClrMapping/>
-  </p:clrMapOvr>
-  <p:timing>
-    <p:tnLst>
-      <p:par>
-        <p:cTn id="1" dur="indefinite" restart="never" nodeType="tmRoot"/>
-      </p:par>
-    </p:tnLst>
-  </p:timing>
-</p:sld>
-</file>
-
-<file path=ppt/slides/slide21.xml><?xml version="1.0" encoding="utf-8"?>
+<file path=ppt/slides/slide26.xml><?xml version="1.0" encoding="utf-8"?>
 <p:sld xmlns:a="http://schemas.openxmlformats.org/drawingml/2006/main" xmlns:r="http://schemas.openxmlformats.org/officeDocument/2006/relationships" xmlns:p="http://schemas.openxmlformats.org/presentationml/2006/main">
   <p:cSld>
     <p:spTree>
@@ -10352,6 +12114,30 @@
           <a:noFill/>
         </p:spPr>
       </p:pic>
+      <p:sp>
+        <p:nvSpPr>
+          <p:cNvPr id="3" name="Slide Number Placeholder 2"/>
+          <p:cNvSpPr>
+            <a:spLocks noGrp="1"/>
+          </p:cNvSpPr>
+          <p:nvPr>
+            <p:ph type="sldNum" sz="quarter" idx="12"/>
+          </p:nvPr>
+        </p:nvSpPr>
+        <p:spPr/>
+        <p:txBody>
+          <a:bodyPr/>
+          <a:lstStyle/>
+          <a:p>
+            <a:fld id="{B6F15528-21DE-4FAA-801E-634DDDAF4B2B}" type="slidenum">
+              <a:rPr lang="en-US" smtClean="0"/>
+              <a:pPr/>
+              <a:t>26</a:t>
+            </a:fld>
+            <a:endParaRPr lang="en-US"/>
+          </a:p>
+        </p:txBody>
+      </p:sp>
     </p:spTree>
   </p:cSld>
   <p:clrMapOvr>
@@ -10466,10 +12252,124 @@
         </p:nvSpPr>
         <p:spPr/>
         <p:txBody>
+          <a:bodyPr>
+            <a:normAutofit fontScale="77500" lnSpcReduction="20000"/>
+          </a:bodyPr>
+          <a:lstStyle/>
+          <a:p>
+            <a:pPr algn="just"/>
+            <a:r>
+              <a:rPr lang="en-US" smtClean="0">
+                <a:latin typeface="Times New Roman" pitchFamily="18" charset="0"/>
+                <a:cs typeface="Times New Roman" pitchFamily="18" charset="0"/>
+              </a:rPr>
+              <a:t>Trong quá trình học tập cũng như nghiên cứu khoa học việc tìm kiếm và tham khảo tài liệu khoa học là điều rất cần thiết và quan trọng</a:t>
+            </a:r>
+            <a:r>
+              <a:rPr lang="en-US" smtClean="0">
+                <a:latin typeface="Times New Roman" pitchFamily="18" charset="0"/>
+                <a:cs typeface="Times New Roman" pitchFamily="18" charset="0"/>
+              </a:rPr>
+              <a:t>. </a:t>
+            </a:r>
+            <a:endParaRPr lang="en-US" smtClean="0">
+              <a:latin typeface="Times New Roman" pitchFamily="18" charset="0"/>
+              <a:cs typeface="Times New Roman" pitchFamily="18" charset="0"/>
+            </a:endParaRPr>
+          </a:p>
+          <a:p>
+            <a:pPr algn="just"/>
+            <a:r>
+              <a:rPr lang="en-US" smtClean="0">
+                <a:latin typeface="Times New Roman" pitchFamily="18" charset="0"/>
+                <a:cs typeface="Times New Roman" pitchFamily="18" charset="0"/>
+              </a:rPr>
+              <a:t>Nhưng  </a:t>
+            </a:r>
+            <a:r>
+              <a:rPr lang="en-US" smtClean="0">
+                <a:latin typeface="Times New Roman" pitchFamily="18" charset="0"/>
+                <a:cs typeface="Times New Roman" pitchFamily="18" charset="0"/>
+              </a:rPr>
+              <a:t>hiện nay với tốc độ phát triển mạnh mẽ của công nghệ thông tin và truyền thông, cùng với những tiện ích chia sẽ tài liệu trên </a:t>
+            </a:r>
+            <a:r>
+              <a:rPr lang="en-US" smtClean="0">
+                <a:latin typeface="Times New Roman" pitchFamily="18" charset="0"/>
+                <a:cs typeface="Times New Roman" pitchFamily="18" charset="0"/>
+              </a:rPr>
+              <a:t>mạng </a:t>
+            </a:r>
+            <a:r>
+              <a:rPr lang="en-US" smtClean="0">
+                <a:latin typeface="Times New Roman" pitchFamily="18" charset="0"/>
+                <a:cs typeface="Times New Roman" pitchFamily="18" charset="0"/>
+              </a:rPr>
+              <a:t>Internet.Dẫn </a:t>
+            </a:r>
+            <a:r>
+              <a:rPr lang="en-US" smtClean="0">
+                <a:latin typeface="Times New Roman" pitchFamily="18" charset="0"/>
+                <a:cs typeface="Times New Roman" pitchFamily="18" charset="0"/>
+              </a:rPr>
+              <a:t>tới khối lượng tài liệu khá phong phú và đa dạng nhưng hầu hết chưa được phân loại rõ ràng và đôi lúc người khó khăn trong việc tìm kiếm</a:t>
+            </a:r>
+            <a:r>
+              <a:rPr lang="en-US" smtClean="0">
+                <a:latin typeface="Times New Roman" pitchFamily="18" charset="0"/>
+                <a:cs typeface="Times New Roman" pitchFamily="18" charset="0"/>
+              </a:rPr>
+              <a:t>. </a:t>
+            </a:r>
+            <a:endParaRPr lang="en-US" smtClean="0">
+              <a:latin typeface="Times New Roman" pitchFamily="18" charset="0"/>
+              <a:cs typeface="Times New Roman" pitchFamily="18" charset="0"/>
+            </a:endParaRPr>
+          </a:p>
+          <a:p>
+            <a:pPr algn="just"/>
+            <a:r>
+              <a:rPr lang="en-US" smtClean="0">
+                <a:latin typeface="Times New Roman" pitchFamily="18" charset="0"/>
+                <a:cs typeface="Times New Roman" pitchFamily="18" charset="0"/>
+              </a:rPr>
+              <a:t>Vấn </a:t>
+            </a:r>
+            <a:r>
+              <a:rPr lang="en-US" smtClean="0">
+                <a:latin typeface="Times New Roman" pitchFamily="18" charset="0"/>
+                <a:cs typeface="Times New Roman" pitchFamily="18" charset="0"/>
+              </a:rPr>
+              <a:t>đề đặt ra cần có một công cụ tiện ích có khả năng tìm kiếm, thu thập thông tin chỉ mục của những bài báo khoa học từ trên mạng. Sau đó dựa vào nội dung của mỗi bài báo để phân loại các bài báo khoa học theo các chủ đề khác nhau. Giúp người dùng dễ dàng tìm kiếm và sử dụng hơn. </a:t>
+            </a:r>
+            <a:endParaRPr lang="en-US" dirty="0">
+              <a:latin typeface="Times New Roman" pitchFamily="18" charset="0"/>
+              <a:cs typeface="Times New Roman" pitchFamily="18" charset="0"/>
+            </a:endParaRPr>
+          </a:p>
+        </p:txBody>
+      </p:sp>
+      <p:sp>
+        <p:nvSpPr>
+          <p:cNvPr id="4" name="Slide Number Placeholder 3"/>
+          <p:cNvSpPr>
+            <a:spLocks noGrp="1"/>
+          </p:cNvSpPr>
+          <p:nvPr>
+            <p:ph type="sldNum" sz="quarter" idx="12"/>
+          </p:nvPr>
+        </p:nvSpPr>
+        <p:spPr/>
+        <p:txBody>
           <a:bodyPr/>
           <a:lstStyle/>
           <a:p>
-            <a:endParaRPr lang="en-US" dirty="0"/>
+            <a:fld id="{B6F15528-21DE-4FAA-801E-634DDDAF4B2B}" type="slidenum">
+              <a:rPr lang="en-US" smtClean="0"/>
+              <a:pPr/>
+              <a:t>3</a:t>
+            </a:fld>
+            <a:endParaRPr lang="en-US"/>
           </a:p>
         </p:txBody>
       </p:sp>
@@ -10888,6 +12788,30 @@
           </a:p>
         </p:txBody>
       </p:sp>
+      <p:sp>
+        <p:nvSpPr>
+          <p:cNvPr id="4" name="Slide Number Placeholder 3"/>
+          <p:cNvSpPr>
+            <a:spLocks noGrp="1"/>
+          </p:cNvSpPr>
+          <p:nvPr>
+            <p:ph type="sldNum" sz="quarter" idx="12"/>
+          </p:nvPr>
+        </p:nvSpPr>
+        <p:spPr/>
+        <p:txBody>
+          <a:bodyPr/>
+          <a:lstStyle/>
+          <a:p>
+            <a:fld id="{B6F15528-21DE-4FAA-801E-634DDDAF4B2B}" type="slidenum">
+              <a:rPr lang="en-US" smtClean="0"/>
+              <a:pPr/>
+              <a:t>4</a:t>
+            </a:fld>
+            <a:endParaRPr lang="en-US"/>
+          </a:p>
+        </p:txBody>
+      </p:sp>
     </p:spTree>
   </p:cSld>
   <p:clrMapOvr>
@@ -11475,6 +13399,30 @@
               <a:latin typeface="Times New Roman" pitchFamily="18" charset="0"/>
               <a:cs typeface="Times New Roman" pitchFamily="18" charset="0"/>
             </a:endParaRPr>
+          </a:p>
+        </p:txBody>
+      </p:sp>
+      <p:sp>
+        <p:nvSpPr>
+          <p:cNvPr id="4" name="Slide Number Placeholder 3"/>
+          <p:cNvSpPr>
+            <a:spLocks noGrp="1"/>
+          </p:cNvSpPr>
+          <p:nvPr>
+            <p:ph type="sldNum" sz="quarter" idx="12"/>
+          </p:nvPr>
+        </p:nvSpPr>
+        <p:spPr/>
+        <p:txBody>
+          <a:bodyPr/>
+          <a:lstStyle/>
+          <a:p>
+            <a:fld id="{B6F15528-21DE-4FAA-801E-634DDDAF4B2B}" type="slidenum">
+              <a:rPr lang="en-US" smtClean="0"/>
+              <a:pPr/>
+              <a:t>5</a:t>
+            </a:fld>
+            <a:endParaRPr lang="en-US"/>
           </a:p>
         </p:txBody>
       </p:sp>
@@ -12681,6 +14629,30 @@
               <a:ea typeface="+mj-ea"/>
               <a:cs typeface="+mj-cs"/>
             </a:endParaRPr>
+          </a:p>
+        </p:txBody>
+      </p:sp>
+      <p:sp>
+        <p:nvSpPr>
+          <p:cNvPr id="27" name="Slide Number Placeholder 26"/>
+          <p:cNvSpPr>
+            <a:spLocks noGrp="1"/>
+          </p:cNvSpPr>
+          <p:nvPr>
+            <p:ph type="sldNum" sz="quarter" idx="12"/>
+          </p:nvPr>
+        </p:nvSpPr>
+        <p:spPr/>
+        <p:txBody>
+          <a:bodyPr/>
+          <a:lstStyle/>
+          <a:p>
+            <a:fld id="{B6F15528-21DE-4FAA-801E-634DDDAF4B2B}" type="slidenum">
+              <a:rPr lang="en-US" smtClean="0"/>
+              <a:pPr/>
+              <a:t>6</a:t>
+            </a:fld>
+            <a:endParaRPr lang="en-US"/>
           </a:p>
         </p:txBody>
       </p:sp>
@@ -13916,6 +15888,30 @@
           </a:fontRef>
         </p:style>
       </p:cxnSp>
+      <p:sp>
+        <p:nvSpPr>
+          <p:cNvPr id="19" name="Slide Number Placeholder 18"/>
+          <p:cNvSpPr>
+            <a:spLocks noGrp="1"/>
+          </p:cNvSpPr>
+          <p:nvPr>
+            <p:ph type="sldNum" sz="quarter" idx="12"/>
+          </p:nvPr>
+        </p:nvSpPr>
+        <p:spPr/>
+        <p:txBody>
+          <a:bodyPr/>
+          <a:lstStyle/>
+          <a:p>
+            <a:fld id="{B6F15528-21DE-4FAA-801E-634DDDAF4B2B}" type="slidenum">
+              <a:rPr lang="en-US" smtClean="0"/>
+              <a:pPr/>
+              <a:t>7</a:t>
+            </a:fld>
+            <a:endParaRPr lang="en-US"/>
+          </a:p>
+        </p:txBody>
+      </p:sp>
     </p:spTree>
   </p:cSld>
   <p:clrMapOvr>
@@ -15144,6 +17140,30 @@
           </a:p>
         </p:txBody>
       </p:sp>
+      <p:sp>
+        <p:nvSpPr>
+          <p:cNvPr id="20" name="Slide Number Placeholder 19"/>
+          <p:cNvSpPr>
+            <a:spLocks noGrp="1"/>
+          </p:cNvSpPr>
+          <p:nvPr>
+            <p:ph type="sldNum" sz="quarter" idx="12"/>
+          </p:nvPr>
+        </p:nvSpPr>
+        <p:spPr/>
+        <p:txBody>
+          <a:bodyPr/>
+          <a:lstStyle/>
+          <a:p>
+            <a:fld id="{B6F15528-21DE-4FAA-801E-634DDDAF4B2B}" type="slidenum">
+              <a:rPr lang="en-US" smtClean="0"/>
+              <a:pPr/>
+              <a:t>8</a:t>
+            </a:fld>
+            <a:endParaRPr lang="en-US"/>
+          </a:p>
+        </p:txBody>
+      </p:sp>
     </p:spTree>
   </p:cSld>
   <p:clrMapOvr>
@@ -15238,31 +17258,37 @@
               <a:rPr lang="en-US" dirty="0" smtClean="0">
                 <a:hlinkClick r:id="rId2"/>
               </a:rPr>
-              <a:t>Theoretical </a:t>
-            </a:r>
+              <a:t>Theoretical computer science</a:t>
+            </a:r>
+            <a:r>
+              <a:rPr lang="en-US" dirty="0" smtClean="0"/>
+              <a:t> </a:t>
+            </a:r>
+          </a:p>
+          <a:p>
             <a:r>
               <a:rPr lang="en-US" dirty="0" smtClean="0">
                 <a:hlinkClick r:id="rId2"/>
               </a:rPr>
-              <a:t>computer science</a:t>
-            </a:r>
-            <a:r>
-              <a:rPr lang="en-US" dirty="0" smtClean="0"/>
-              <a:t> </a:t>
-            </a:r>
+              <a:t>Algorithms and data structures</a:t>
+            </a:r>
+            <a:endParaRPr lang="en-US" dirty="0" smtClean="0"/>
           </a:p>
           <a:p>
             <a:r>
               <a:rPr lang="en-US" dirty="0" smtClean="0">
                 <a:hlinkClick r:id="rId2"/>
               </a:rPr>
-              <a:t>Algorithms </a:t>
-            </a:r>
+              <a:t>Computer elements and architecture</a:t>
+            </a:r>
+            <a:endParaRPr lang="en-US" dirty="0" smtClean="0"/>
+          </a:p>
+          <a:p>
             <a:r>
               <a:rPr lang="en-US" dirty="0" smtClean="0">
                 <a:hlinkClick r:id="rId2"/>
               </a:rPr>
-              <a:t>and data structures</a:t>
+              <a:t>Computational science</a:t>
             </a:r>
             <a:endParaRPr lang="en-US" dirty="0" smtClean="0"/>
           </a:p>
@@ -15271,54 +17297,42 @@
               <a:rPr lang="en-US" dirty="0" smtClean="0">
                 <a:hlinkClick r:id="rId2"/>
               </a:rPr>
-              <a:t>Computer </a:t>
-            </a:r>
+              <a:t>Artificial Intelligence</a:t>
+            </a:r>
+            <a:endParaRPr lang="en-US" dirty="0" smtClean="0"/>
+          </a:p>
+          <a:p>
             <a:r>
               <a:rPr lang="en-US" dirty="0" smtClean="0">
                 <a:hlinkClick r:id="rId2"/>
               </a:rPr>
-              <a:t>elements and architecture</a:t>
+              <a:t>Software Engineering</a:t>
             </a:r>
             <a:endParaRPr lang="en-US" dirty="0" smtClean="0"/>
           </a:p>
-          <a:p>
-            <a:r>
-              <a:rPr lang="en-US" dirty="0" smtClean="0">
-                <a:hlinkClick r:id="rId2"/>
-              </a:rPr>
-              <a:t>Computational </a:t>
-            </a:r>
-            <a:r>
-              <a:rPr lang="en-US" dirty="0" smtClean="0">
-                <a:hlinkClick r:id="rId2"/>
-              </a:rPr>
-              <a:t>science</a:t>
-            </a:r>
-            <a:endParaRPr lang="en-US" dirty="0" smtClean="0"/>
-          </a:p>
-          <a:p>
-            <a:r>
-              <a:rPr lang="en-US" dirty="0" smtClean="0">
-                <a:hlinkClick r:id="rId2"/>
-              </a:rPr>
-              <a:t>Artificial </a:t>
-            </a:r>
-            <a:r>
-              <a:rPr lang="en-US" dirty="0" smtClean="0">
-                <a:hlinkClick r:id="rId2"/>
-              </a:rPr>
-              <a:t>Intelligence</a:t>
-            </a:r>
-            <a:endParaRPr lang="en-US" dirty="0" smtClean="0"/>
-          </a:p>
-          <a:p>
-            <a:r>
-              <a:rPr lang="en-US" dirty="0" smtClean="0">
-                <a:hlinkClick r:id="rId2"/>
-              </a:rPr>
-              <a:t>Software Engineering</a:t>
-            </a:r>
-            <a:endParaRPr lang="en-US" dirty="0" smtClean="0"/>
+        </p:txBody>
+      </p:sp>
+      <p:sp>
+        <p:nvSpPr>
+          <p:cNvPr id="4" name="Slide Number Placeholder 3"/>
+          <p:cNvSpPr>
+            <a:spLocks noGrp="1"/>
+          </p:cNvSpPr>
+          <p:nvPr>
+            <p:ph type="sldNum" sz="quarter" idx="12"/>
+          </p:nvPr>
+        </p:nvSpPr>
+        <p:spPr/>
+        <p:txBody>
+          <a:bodyPr/>
+          <a:lstStyle/>
+          <a:p>
+            <a:fld id="{B6F15528-21DE-4FAA-801E-634DDDAF4B2B}" type="slidenum">
+              <a:rPr lang="en-US" smtClean="0"/>
+              <a:pPr/>
+              <a:t>9</a:t>
+            </a:fld>
+            <a:endParaRPr lang="en-US"/>
           </a:p>
         </p:txBody>
       </p:sp>
@@ -15636,4 +17650,287 @@
   <a:objectDefaults/>
   <a:extraClrSchemeLst/>
 </a:theme>
+</file>
+
+<file path=ppt/theme/theme2.xml><?xml version="1.0" encoding="utf-8"?>
+<a:theme xmlns:a="http://schemas.openxmlformats.org/drawingml/2006/main" name="Office Theme">
+  <a:themeElements>
+    <a:clrScheme name="Office">
+      <a:dk1>
+        <a:sysClr val="windowText" lastClr="000000"/>
+      </a:dk1>
+      <a:lt1>
+        <a:sysClr val="window" lastClr="FFFFFF"/>
+      </a:lt1>
+      <a:dk2>
+        <a:srgbClr val="1F497D"/>
+      </a:dk2>
+      <a:lt2>
+        <a:srgbClr val="EEECE1"/>
+      </a:lt2>
+      <a:accent1>
+        <a:srgbClr val="4F81BD"/>
+      </a:accent1>
+      <a:accent2>
+        <a:srgbClr val="C0504D"/>
+      </a:accent2>
+      <a:accent3>
+        <a:srgbClr val="9BBB59"/>
+      </a:accent3>
+      <a:accent4>
+        <a:srgbClr val="8064A2"/>
+      </a:accent4>
+      <a:accent5>
+        <a:srgbClr val="4BACC6"/>
+      </a:accent5>
+      <a:accent6>
+        <a:srgbClr val="F79646"/>
+      </a:accent6>
+      <a:hlink>
+        <a:srgbClr val="0000FF"/>
+      </a:hlink>
+      <a:folHlink>
+        <a:srgbClr val="800080"/>
+      </a:folHlink>
+    </a:clrScheme>
+    <a:fontScheme name="Office">
+      <a:majorFont>
+        <a:latin typeface="Calibri"/>
+        <a:ea typeface=""/>
+        <a:cs typeface=""/>
+        <a:font script="Jpan" typeface="ＭＳ Ｐゴシック"/>
+        <a:font script="Hang" typeface="맑은 고딕"/>
+        <a:font script="Hans" typeface="宋体"/>
+        <a:font script="Hant" typeface="新細明體"/>
+        <a:font script="Arab" typeface="Times New Roman"/>
+        <a:font script="Hebr" typeface="Times New Roman"/>
+        <a:font script="Thai" typeface="Angsana New"/>
+        <a:font script="Ethi" typeface="Nyala"/>
+        <a:font script="Beng" typeface="Vrinda"/>
+        <a:font script="Gujr" typeface="Shruti"/>
+        <a:font script="Khmr" typeface="MoolBoran"/>
+        <a:font script="Knda" typeface="Tunga"/>
+        <a:font script="Guru" typeface="Raavi"/>
+        <a:font script="Cans" typeface="Euphemia"/>
+        <a:font script="Cher" typeface="Plantagenet Cherokee"/>
+        <a:font script="Yiii" typeface="Microsoft Yi Baiti"/>
+        <a:font script="Tibt" typeface="Microsoft Himalaya"/>
+        <a:font script="Thaa" typeface="MV Boli"/>
+        <a:font script="Deva" typeface="Mangal"/>
+        <a:font script="Telu" typeface="Gautami"/>
+        <a:font script="Taml" typeface="Latha"/>
+        <a:font script="Syrc" typeface="Estrangelo Edessa"/>
+        <a:font script="Orya" typeface="Kalinga"/>
+        <a:font script="Mlym" typeface="Kartika"/>
+        <a:font script="Laoo" typeface="DokChampa"/>
+        <a:font script="Sinh" typeface="Iskoola Pota"/>
+        <a:font script="Mong" typeface="Mongolian Baiti"/>
+        <a:font script="Viet" typeface="Times New Roman"/>
+        <a:font script="Uigh" typeface="Microsoft Uighur"/>
+      </a:majorFont>
+      <a:minorFont>
+        <a:latin typeface="Calibri"/>
+        <a:ea typeface=""/>
+        <a:cs typeface=""/>
+        <a:font script="Jpan" typeface="ＭＳ Ｐゴシック"/>
+        <a:font script="Hang" typeface="맑은 고딕"/>
+        <a:font script="Hans" typeface="宋体"/>
+        <a:font script="Hant" typeface="新細明體"/>
+        <a:font script="Arab" typeface="Arial"/>
+        <a:font script="Hebr" typeface="Arial"/>
+        <a:font script="Thai" typeface="Cordia New"/>
+        <a:font script="Ethi" typeface="Nyala"/>
+        <a:font script="Beng" typeface="Vrinda"/>
+        <a:font script="Gujr" typeface="Shruti"/>
+        <a:font script="Khmr" typeface="DaunPenh"/>
+        <a:font script="Knda" typeface="Tunga"/>
+        <a:font script="Guru" typeface="Raavi"/>
+        <a:font script="Cans" typeface="Euphemia"/>
+        <a:font script="Cher" typeface="Plantagenet Cherokee"/>
+        <a:font script="Yiii" typeface="Microsoft Yi Baiti"/>
+        <a:font script="Tibt" typeface="Microsoft Himalaya"/>
+        <a:font script="Thaa" typeface="MV Boli"/>
+        <a:font script="Deva" typeface="Mangal"/>
+        <a:font script="Telu" typeface="Gautami"/>
+        <a:font script="Taml" typeface="Latha"/>
+        <a:font script="Syrc" typeface="Estrangelo Edessa"/>
+        <a:font script="Orya" typeface="Kalinga"/>
+        <a:font script="Mlym" typeface="Kartika"/>
+        <a:font script="Laoo" typeface="DokChampa"/>
+        <a:font script="Sinh" typeface="Iskoola Pota"/>
+        <a:font script="Mong" typeface="Mongolian Baiti"/>
+        <a:font script="Viet" typeface="Arial"/>
+        <a:font script="Uigh" typeface="Microsoft Uighur"/>
+      </a:minorFont>
+    </a:fontScheme>
+    <a:fmtScheme name="Office">
+      <a:fillStyleLst>
+        <a:solidFill>
+          <a:schemeClr val="phClr"/>
+        </a:solidFill>
+        <a:gradFill rotWithShape="1">
+          <a:gsLst>
+            <a:gs pos="0">
+              <a:schemeClr val="phClr">
+                <a:tint val="50000"/>
+                <a:satMod val="300000"/>
+              </a:schemeClr>
+            </a:gs>
+            <a:gs pos="35000">
+              <a:schemeClr val="phClr">
+                <a:tint val="37000"/>
+                <a:satMod val="300000"/>
+              </a:schemeClr>
+            </a:gs>
+            <a:gs pos="100000">
+              <a:schemeClr val="phClr">
+                <a:tint val="15000"/>
+                <a:satMod val="350000"/>
+              </a:schemeClr>
+            </a:gs>
+          </a:gsLst>
+          <a:lin ang="16200000" scaled="1"/>
+        </a:gradFill>
+        <a:gradFill rotWithShape="1">
+          <a:gsLst>
+            <a:gs pos="0">
+              <a:schemeClr val="phClr">
+                <a:shade val="51000"/>
+                <a:satMod val="130000"/>
+              </a:schemeClr>
+            </a:gs>
+            <a:gs pos="80000">
+              <a:schemeClr val="phClr">
+                <a:shade val="93000"/>
+                <a:satMod val="130000"/>
+              </a:schemeClr>
+            </a:gs>
+            <a:gs pos="100000">
+              <a:schemeClr val="phClr">
+                <a:shade val="94000"/>
+                <a:satMod val="135000"/>
+              </a:schemeClr>
+            </a:gs>
+          </a:gsLst>
+          <a:lin ang="16200000" scaled="0"/>
+        </a:gradFill>
+      </a:fillStyleLst>
+      <a:lnStyleLst>
+        <a:ln w="9525" cap="flat" cmpd="sng" algn="ctr">
+          <a:solidFill>
+            <a:schemeClr val="phClr">
+              <a:shade val="95000"/>
+              <a:satMod val="105000"/>
+            </a:schemeClr>
+          </a:solidFill>
+          <a:prstDash val="solid"/>
+        </a:ln>
+        <a:ln w="25400" cap="flat" cmpd="sng" algn="ctr">
+          <a:solidFill>
+            <a:schemeClr val="phClr"/>
+          </a:solidFill>
+          <a:prstDash val="solid"/>
+        </a:ln>
+        <a:ln w="38100" cap="flat" cmpd="sng" algn="ctr">
+          <a:solidFill>
+            <a:schemeClr val="phClr"/>
+          </a:solidFill>
+          <a:prstDash val="solid"/>
+        </a:ln>
+      </a:lnStyleLst>
+      <a:effectStyleLst>
+        <a:effectStyle>
+          <a:effectLst>
+            <a:outerShdw blurRad="40000" dist="20000" dir="5400000" rotWithShape="0">
+              <a:srgbClr val="000000">
+                <a:alpha val="38000"/>
+              </a:srgbClr>
+            </a:outerShdw>
+          </a:effectLst>
+        </a:effectStyle>
+        <a:effectStyle>
+          <a:effectLst>
+            <a:outerShdw blurRad="40000" dist="23000" dir="5400000" rotWithShape="0">
+              <a:srgbClr val="000000">
+                <a:alpha val="35000"/>
+              </a:srgbClr>
+            </a:outerShdw>
+          </a:effectLst>
+        </a:effectStyle>
+        <a:effectStyle>
+          <a:effectLst>
+            <a:outerShdw blurRad="40000" dist="23000" dir="5400000" rotWithShape="0">
+              <a:srgbClr val="000000">
+                <a:alpha val="35000"/>
+              </a:srgbClr>
+            </a:outerShdw>
+          </a:effectLst>
+          <a:scene3d>
+            <a:camera prst="orthographicFront">
+              <a:rot lat="0" lon="0" rev="0"/>
+            </a:camera>
+            <a:lightRig rig="threePt" dir="t">
+              <a:rot lat="0" lon="0" rev="1200000"/>
+            </a:lightRig>
+          </a:scene3d>
+          <a:sp3d>
+            <a:bevelT w="63500" h="25400"/>
+          </a:sp3d>
+        </a:effectStyle>
+      </a:effectStyleLst>
+      <a:bgFillStyleLst>
+        <a:solidFill>
+          <a:schemeClr val="phClr"/>
+        </a:solidFill>
+        <a:gradFill rotWithShape="1">
+          <a:gsLst>
+            <a:gs pos="0">
+              <a:schemeClr val="phClr">
+                <a:tint val="40000"/>
+                <a:satMod val="350000"/>
+              </a:schemeClr>
+            </a:gs>
+            <a:gs pos="40000">
+              <a:schemeClr val="phClr">
+                <a:tint val="45000"/>
+                <a:shade val="99000"/>
+                <a:satMod val="350000"/>
+              </a:schemeClr>
+            </a:gs>
+            <a:gs pos="100000">
+              <a:schemeClr val="phClr">
+                <a:shade val="20000"/>
+                <a:satMod val="255000"/>
+              </a:schemeClr>
+            </a:gs>
+          </a:gsLst>
+          <a:path path="circle">
+            <a:fillToRect l="50000" t="-80000" r="50000" b="180000"/>
+          </a:path>
+        </a:gradFill>
+        <a:gradFill rotWithShape="1">
+          <a:gsLst>
+            <a:gs pos="0">
+              <a:schemeClr val="phClr">
+                <a:tint val="80000"/>
+                <a:satMod val="300000"/>
+              </a:schemeClr>
+            </a:gs>
+            <a:gs pos="100000">
+              <a:schemeClr val="phClr">
+                <a:shade val="30000"/>
+                <a:satMod val="200000"/>
+              </a:schemeClr>
+            </a:gs>
+          </a:gsLst>
+          <a:path path="circle">
+            <a:fillToRect l="50000" t="50000" r="50000" b="50000"/>
+          </a:path>
+        </a:gradFill>
+      </a:bgFillStyleLst>
+    </a:fmtScheme>
+  </a:themeElements>
+  <a:objectDefaults/>
+  <a:extraClrSchemeLst/>
+</a:theme>
 </file>